--- a/Trimestre 2/1. Presentación proyecto plantilla SENA.pptx
+++ b/Trimestre 2/1. Presentación proyecto plantilla SENA.pptx
@@ -5,7 +5,7 @@
     <p:sldMasterId id="2147483648" r:id="rId1"/>
   </p:sldMasterIdLst>
   <p:notesMasterIdLst>
-    <p:notesMasterId r:id="rId30"/>
+    <p:notesMasterId r:id="rId32"/>
   </p:notesMasterIdLst>
   <p:sldIdLst>
     <p:sldId id="256" r:id="rId2"/>
@@ -28,14 +28,16 @@
     <p:sldId id="284" r:id="rId19"/>
     <p:sldId id="285" r:id="rId20"/>
     <p:sldId id="286" r:id="rId21"/>
-    <p:sldId id="287" r:id="rId22"/>
-    <p:sldId id="288" r:id="rId23"/>
-    <p:sldId id="289" r:id="rId24"/>
-    <p:sldId id="290" r:id="rId25"/>
-    <p:sldId id="291" r:id="rId26"/>
-    <p:sldId id="292" r:id="rId27"/>
-    <p:sldId id="293" r:id="rId28"/>
-    <p:sldId id="262" r:id="rId29"/>
+    <p:sldId id="294" r:id="rId22"/>
+    <p:sldId id="295" r:id="rId23"/>
+    <p:sldId id="287" r:id="rId24"/>
+    <p:sldId id="288" r:id="rId25"/>
+    <p:sldId id="289" r:id="rId26"/>
+    <p:sldId id="290" r:id="rId27"/>
+    <p:sldId id="291" r:id="rId28"/>
+    <p:sldId id="292" r:id="rId29"/>
+    <p:sldId id="293" r:id="rId30"/>
+    <p:sldId id="262" r:id="rId31"/>
   </p:sldIdLst>
   <p:sldSz cx="9144000" cy="5143500" type="screen16x9"/>
   <p:notesSz cx="6858000" cy="9144000"/>
@@ -153,8 +155,139 @@
 </p:presentation>
 </file>
 
+<file path=ppt/revisionInfo.xml><?xml version="1.0" encoding="utf-8"?>
+<p1510:revInfo xmlns:a="http://schemas.openxmlformats.org/drawingml/2006/main" xmlns:r="http://schemas.openxmlformats.org/officeDocument/2006/relationships" xmlns:p1510="http://schemas.microsoft.com/office/powerpoint/2015/10/main">
+  <p1510:revLst>
+    <p1510:client id="{D853DDAE-F466-4B97-A8ED-69DE41B6E4BD}" v="1" dt="2025-02-28T01:50:24.836"/>
+  </p1510:revLst>
+</p1510:revInfo>
+</file>
+
 <file path=ppt/changesInfos/changesInfo1.xml><?xml version="1.0" encoding="utf-8"?>
 <pc:chgInfo xmlns:a="http://schemas.openxmlformats.org/drawingml/2006/main" xmlns:r="http://schemas.openxmlformats.org/officeDocument/2006/relationships" xmlns:ac="http://schemas.microsoft.com/office/drawing/2013/main/command" xmlns:pc="http://schemas.microsoft.com/office/powerpoint/2013/main/command">
+  <pc:docChgLst>
+    <pc:chgData name="Natalia Cueca" userId="8ce537462a3d960c" providerId="LiveId" clId="{D853DDAE-F466-4B97-A8ED-69DE41B6E4BD}"/>
+    <pc:docChg chg="undo custSel addSld modSld">
+      <pc:chgData name="Natalia Cueca" userId="8ce537462a3d960c" providerId="LiveId" clId="{D853DDAE-F466-4B97-A8ED-69DE41B6E4BD}" dt="2025-02-28T01:58:46.376" v="514" actId="313"/>
+      <pc:docMkLst>
+        <pc:docMk/>
+      </pc:docMkLst>
+      <pc:sldChg chg="modSp mod">
+        <pc:chgData name="Natalia Cueca" userId="8ce537462a3d960c" providerId="LiveId" clId="{D853DDAE-F466-4B97-A8ED-69DE41B6E4BD}" dt="2025-02-28T01:40:58.801" v="37" actId="207"/>
+        <pc:sldMkLst>
+          <pc:docMk/>
+          <pc:sldMk cId="3892525059" sldId="283"/>
+        </pc:sldMkLst>
+        <pc:spChg chg="mod">
+          <ac:chgData name="Natalia Cueca" userId="8ce537462a3d960c" providerId="LiveId" clId="{D853DDAE-F466-4B97-A8ED-69DE41B6E4BD}" dt="2025-02-28T01:40:58.801" v="37" actId="207"/>
+          <ac:spMkLst>
+            <pc:docMk/>
+            <pc:sldMk cId="3892525059" sldId="283"/>
+            <ac:spMk id="4" creationId="{397929F0-3BEF-4EE6-0C2B-14403EB89FC8}"/>
+          </ac:spMkLst>
+        </pc:spChg>
+      </pc:sldChg>
+      <pc:sldChg chg="modSp mod">
+        <pc:chgData name="Natalia Cueca" userId="8ce537462a3d960c" providerId="LiveId" clId="{D853DDAE-F466-4B97-A8ED-69DE41B6E4BD}" dt="2025-02-28T01:41:41.225" v="44" actId="2710"/>
+        <pc:sldMkLst>
+          <pc:docMk/>
+          <pc:sldMk cId="1572156409" sldId="284"/>
+        </pc:sldMkLst>
+        <pc:spChg chg="mod">
+          <ac:chgData name="Natalia Cueca" userId="8ce537462a3d960c" providerId="LiveId" clId="{D853DDAE-F466-4B97-A8ED-69DE41B6E4BD}" dt="2025-02-28T01:41:41.225" v="44" actId="2710"/>
+          <ac:spMkLst>
+            <pc:docMk/>
+            <pc:sldMk cId="1572156409" sldId="284"/>
+            <ac:spMk id="4" creationId="{0B6FA1B6-07A2-3FD7-2E4C-B21261B40948}"/>
+          </ac:spMkLst>
+        </pc:spChg>
+      </pc:sldChg>
+      <pc:sldChg chg="modSp mod">
+        <pc:chgData name="Natalia Cueca" userId="8ce537462a3d960c" providerId="LiveId" clId="{D853DDAE-F466-4B97-A8ED-69DE41B6E4BD}" dt="2025-02-28T01:49:10.090" v="95" actId="207"/>
+        <pc:sldMkLst>
+          <pc:docMk/>
+          <pc:sldMk cId="919822939" sldId="285"/>
+        </pc:sldMkLst>
+        <pc:spChg chg="mod">
+          <ac:chgData name="Natalia Cueca" userId="8ce537462a3d960c" providerId="LiveId" clId="{D853DDAE-F466-4B97-A8ED-69DE41B6E4BD}" dt="2025-02-28T01:49:10.090" v="95" actId="207"/>
+          <ac:spMkLst>
+            <pc:docMk/>
+            <pc:sldMk cId="919822939" sldId="285"/>
+            <ac:spMk id="4" creationId="{3B37E132-0BAE-379A-FD34-BA244FD2AC6B}"/>
+          </ac:spMkLst>
+        </pc:spChg>
+      </pc:sldChg>
+      <pc:sldChg chg="addSp delSp modSp mod">
+        <pc:chgData name="Natalia Cueca" userId="8ce537462a3d960c" providerId="LiveId" clId="{D853DDAE-F466-4B97-A8ED-69DE41B6E4BD}" dt="2025-02-28T01:50:15.283" v="111" actId="20577"/>
+        <pc:sldMkLst>
+          <pc:docMk/>
+          <pc:sldMk cId="3107788479" sldId="286"/>
+        </pc:sldMkLst>
+        <pc:spChg chg="mod">
+          <ac:chgData name="Natalia Cueca" userId="8ce537462a3d960c" providerId="LiveId" clId="{D853DDAE-F466-4B97-A8ED-69DE41B6E4BD}" dt="2025-02-28T01:50:15.283" v="111" actId="20577"/>
+          <ac:spMkLst>
+            <pc:docMk/>
+            <pc:sldMk cId="3107788479" sldId="286"/>
+            <ac:spMk id="2" creationId="{A9EAB711-2EC5-4E3E-D7C9-4D3DA01FA566}"/>
+          </ac:spMkLst>
+        </pc:spChg>
+        <pc:spChg chg="add del mod">
+          <ac:chgData name="Natalia Cueca" userId="8ce537462a3d960c" providerId="LiveId" clId="{D853DDAE-F466-4B97-A8ED-69DE41B6E4BD}" dt="2025-02-28T01:49:02.289" v="94" actId="113"/>
+          <ac:spMkLst>
+            <pc:docMk/>
+            <pc:sldMk cId="3107788479" sldId="286"/>
+            <ac:spMk id="4" creationId="{2D2A5F9C-D55D-7A80-356F-CB5CD7FA47A8}"/>
+          </ac:spMkLst>
+        </pc:spChg>
+      </pc:sldChg>
+      <pc:sldChg chg="modSp add mod">
+        <pc:chgData name="Natalia Cueca" userId="8ce537462a3d960c" providerId="LiveId" clId="{D853DDAE-F466-4B97-A8ED-69DE41B6E4BD}" dt="2025-02-28T01:50:19.394" v="114" actId="20577"/>
+        <pc:sldMkLst>
+          <pc:docMk/>
+          <pc:sldMk cId="645897698" sldId="294"/>
+        </pc:sldMkLst>
+        <pc:spChg chg="mod">
+          <ac:chgData name="Natalia Cueca" userId="8ce537462a3d960c" providerId="LiveId" clId="{D853DDAE-F466-4B97-A8ED-69DE41B6E4BD}" dt="2025-02-28T01:50:19.394" v="114" actId="20577"/>
+          <ac:spMkLst>
+            <pc:docMk/>
+            <pc:sldMk cId="645897698" sldId="294"/>
+            <ac:spMk id="2" creationId="{CABE55B0-E4CD-E8B2-FCBC-AC278ADC74E3}"/>
+          </ac:spMkLst>
+        </pc:spChg>
+        <pc:spChg chg="mod">
+          <ac:chgData name="Natalia Cueca" userId="8ce537462a3d960c" providerId="LiveId" clId="{D853DDAE-F466-4B97-A8ED-69DE41B6E4BD}" dt="2025-02-28T01:50:08.613" v="108" actId="113"/>
+          <ac:spMkLst>
+            <pc:docMk/>
+            <pc:sldMk cId="645897698" sldId="294"/>
+            <ac:spMk id="4" creationId="{457D027B-3C4A-9226-3C4A-054D98F20544}"/>
+          </ac:spMkLst>
+        </pc:spChg>
+      </pc:sldChg>
+      <pc:sldChg chg="addSp delSp modSp add mod">
+        <pc:chgData name="Natalia Cueca" userId="8ce537462a3d960c" providerId="LiveId" clId="{D853DDAE-F466-4B97-A8ED-69DE41B6E4BD}" dt="2025-02-28T01:58:46.376" v="514" actId="313"/>
+        <pc:sldMkLst>
+          <pc:docMk/>
+          <pc:sldMk cId="1185007189" sldId="295"/>
+        </pc:sldMkLst>
+        <pc:spChg chg="mod">
+          <ac:chgData name="Natalia Cueca" userId="8ce537462a3d960c" providerId="LiveId" clId="{D853DDAE-F466-4B97-A8ED-69DE41B6E4BD}" dt="2025-02-28T01:50:30.748" v="120" actId="20577"/>
+          <ac:spMkLst>
+            <pc:docMk/>
+            <pc:sldMk cId="1185007189" sldId="295"/>
+            <ac:spMk id="2" creationId="{DA1C0129-88C0-BDF3-33D8-22B85C8A1F85}"/>
+          </ac:spMkLst>
+        </pc:spChg>
+        <pc:spChg chg="add del mod">
+          <ac:chgData name="Natalia Cueca" userId="8ce537462a3d960c" providerId="LiveId" clId="{D853DDAE-F466-4B97-A8ED-69DE41B6E4BD}" dt="2025-02-28T01:58:46.376" v="514" actId="313"/>
+          <ac:spMkLst>
+            <pc:docMk/>
+            <pc:sldMk cId="1185007189" sldId="295"/>
+            <ac:spMk id="4" creationId="{75C3F5AC-00F5-A14B-86BD-27C7AEC44A1A}"/>
+          </ac:spMkLst>
+        </pc:spChg>
+      </pc:sldChg>
+    </pc:docChg>
+  </pc:docChgLst>
   <pc:docChgLst>
     <pc:chgData name="Natalia Cueca" userId="8ce537462a3d960c" providerId="LiveId" clId="{7B472D10-B9F5-4A5C-BC61-1AE0A2EA2368}"/>
     <pc:docChg chg="custSel modSld sldOrd">
@@ -303,7 +436,7 @@
           <a:p>
             <a:fld id="{6B13E5EF-1DFD-44FE-883B-9E16D519F591}" type="datetimeFigureOut">
               <a:rPr lang="es-CO" smtClean="0"/>
-              <a:t>26/02/2025</a:t>
+              <a:t>27/02/2025</a:t>
             </a:fld>
             <a:endParaRPr lang="es-CO"/>
           </a:p>
@@ -636,7 +769,7 @@
           <a:p>
             <a:fld id="{91AC369E-8DBA-4300-88C8-4073019E746A}" type="slidenum">
               <a:rPr lang="es-CO" smtClean="0"/>
-              <a:t>25</a:t>
+              <a:t>27</a:t>
             </a:fld>
             <a:endParaRPr lang="es-CO"/>
           </a:p>
@@ -744,7 +877,7 @@
           <a:p>
             <a:fld id="{91AC369E-8DBA-4300-88C8-4073019E746A}" type="slidenum">
               <a:rPr lang="es-CO" smtClean="0"/>
-              <a:t>26</a:t>
+              <a:t>28</a:t>
             </a:fld>
             <a:endParaRPr lang="es-CO"/>
           </a:p>
@@ -852,7 +985,7 @@
           <a:p>
             <a:fld id="{91AC369E-8DBA-4300-88C8-4073019E746A}" type="slidenum">
               <a:rPr lang="es-CO" smtClean="0"/>
-              <a:t>27</a:t>
+              <a:t>29</a:t>
             </a:fld>
             <a:endParaRPr lang="es-CO"/>
           </a:p>
@@ -1040,7 +1173,7 @@
           <a:p>
             <a:fld id="{B3030C24-9424-B24A-8613-79990C3AA492}" type="datetimeFigureOut">
               <a:rPr lang="es-ES" smtClean="0"/>
-              <a:t>26/02/2025</a:t>
+              <a:t>27/02/2025</a:t>
             </a:fld>
             <a:endParaRPr lang="es-ES"/>
           </a:p>
@@ -1220,7 +1353,7 @@
           <a:p>
             <a:fld id="{B3030C24-9424-B24A-8613-79990C3AA492}" type="datetimeFigureOut">
               <a:rPr lang="es-ES" smtClean="0"/>
-              <a:t>26/02/2025</a:t>
+              <a:t>27/02/2025</a:t>
             </a:fld>
             <a:endParaRPr lang="es-ES"/>
           </a:p>
@@ -1857,7 +1990,7 @@
           <a:p>
             <a:fld id="{B3030C24-9424-B24A-8613-79990C3AA492}" type="datetimeFigureOut">
               <a:rPr lang="es-ES" smtClean="0"/>
-              <a:t>26/02/2025</a:t>
+              <a:t>27/02/2025</a:t>
             </a:fld>
             <a:endParaRPr lang="es-ES"/>
           </a:p>
@@ -2110,7 +2243,7 @@
           <a:p>
             <a:fld id="{B3030C24-9424-B24A-8613-79990C3AA492}" type="datetimeFigureOut">
               <a:rPr lang="es-ES" smtClean="0"/>
-              <a:t>26/02/2025</a:t>
+              <a:t>27/02/2025</a:t>
             </a:fld>
             <a:endParaRPr lang="es-ES"/>
           </a:p>
@@ -2323,7 +2456,7 @@
           <a:p>
             <a:fld id="{B3030C24-9424-B24A-8613-79990C3AA492}" type="datetimeFigureOut">
               <a:rPr lang="es-ES" smtClean="0"/>
-              <a:t>26/02/2025</a:t>
+              <a:t>27/02/2025</a:t>
             </a:fld>
             <a:endParaRPr lang="es-ES"/>
           </a:p>
@@ -4759,7 +4892,7 @@
         <p:spPr>
           <a:xfrm>
             <a:off x="141543" y="1134825"/>
-            <a:ext cx="8261922" cy="4924425"/>
+            <a:ext cx="8261922" cy="5216813"/>
           </a:xfrm>
           <a:prstGeom prst="rect">
             <a:avLst/>
@@ -4772,6 +4905,16 @@
           </a:bodyPr>
           <a:lstStyle/>
           <a:p>
+            <a:pPr marL="742950" lvl="1" indent="-285750">
+              <a:spcBef>
+                <a:spcPts val="1400"/>
+              </a:spcBef>
+              <a:spcAft>
+                <a:spcPts val="1400"/>
+              </a:spcAft>
+              <a:buFont typeface="+mj-lt"/>
+              <a:buAutoNum type="arabicPeriod"/>
+            </a:pPr>
             <a:r>
               <a:rPr lang="es-CO" sz="1600" b="1" dirty="0">
                 <a:solidFill>
@@ -4781,13 +4924,11 @@
                   </a:schemeClr>
                 </a:solidFill>
                 <a:effectLst/>
-                <a:ea typeface="Times New Roman" panose="02020603050405020304" pitchFamily="18" charset="0"/>
               </a:rPr>
               <a:t>Módulo: Gestión de Usuarios</a:t>
             </a:r>
           </a:p>
           <a:p>
-            <a:pPr indent="228600"/>
             <a:r>
               <a:rPr lang="es-CO" sz="1600" dirty="0">
                 <a:solidFill>
@@ -4803,7 +4944,6 @@
             </a:r>
           </a:p>
           <a:p>
-            <a:pPr indent="228600"/>
             <a:r>
               <a:rPr lang="es-CO" sz="1600" dirty="0">
                 <a:solidFill>
@@ -4819,7 +4959,6 @@
             </a:r>
           </a:p>
           <a:p>
-            <a:pPr indent="228600"/>
             <a:r>
               <a:rPr lang="es-CO" sz="1600" dirty="0">
                 <a:solidFill>
@@ -4835,7 +4974,6 @@
             </a:r>
           </a:p>
           <a:p>
-            <a:pPr indent="228600"/>
             <a:r>
               <a:rPr lang="es-CO" sz="1600" dirty="0">
                 <a:solidFill>
@@ -4851,7 +4989,6 @@
             </a:r>
           </a:p>
           <a:p>
-            <a:pPr indent="228600"/>
             <a:r>
               <a:rPr lang="es-CO" sz="1600" dirty="0">
                 <a:solidFill>
@@ -4867,7 +5004,6 @@
             </a:r>
           </a:p>
           <a:p>
-            <a:pPr indent="228600"/>
             <a:r>
               <a:rPr lang="es-CO" sz="1600" dirty="0">
                 <a:solidFill>
@@ -4883,19 +5019,26 @@
             </a:r>
           </a:p>
           <a:p>
-            <a:pPr indent="228600"/>
-            <a:endParaRPr lang="es-CO" sz="1600" dirty="0">
-              <a:solidFill>
-                <a:schemeClr val="tx1">
-                  <a:lumMod val="75000"/>
-                  <a:lumOff val="25000"/>
-                </a:schemeClr>
-              </a:solidFill>
-              <a:effectLst/>
-              <a:ea typeface="Times New Roman" panose="02020603050405020304" pitchFamily="18" charset="0"/>
-            </a:endParaRPr>
-          </a:p>
-          <a:p>
+            <a:pPr lvl="1">
+              <a:spcBef>
+                <a:spcPts val="1400"/>
+              </a:spcBef>
+              <a:spcAft>
+                <a:spcPts val="1400"/>
+              </a:spcAft>
+            </a:pPr>
+            <a:r>
+              <a:rPr lang="es-CO" sz="1600" b="0" dirty="0">
+                <a:effectLst/>
+              </a:rPr>
+              <a:t>2</a:t>
+            </a:r>
+            <a:r>
+              <a:rPr lang="es-CO" sz="1600" b="1" dirty="0">
+                <a:effectLst/>
+              </a:rPr>
+              <a:t>.    </a:t>
+            </a:r>
             <a:r>
               <a:rPr lang="es-CO" sz="1600" b="1" dirty="0">
                 <a:solidFill>
@@ -4905,13 +5048,11 @@
                   </a:schemeClr>
                 </a:solidFill>
                 <a:effectLst/>
-                <a:ea typeface="Times New Roman" panose="02020603050405020304" pitchFamily="18" charset="0"/>
               </a:rPr>
               <a:t>Módulo: Personalización de Joyas</a:t>
             </a:r>
           </a:p>
           <a:p>
-            <a:pPr marL="228600"/>
             <a:r>
               <a:rPr lang="es-CO" sz="1600" dirty="0">
                 <a:solidFill>
@@ -4927,7 +5068,6 @@
             </a:r>
           </a:p>
           <a:p>
-            <a:pPr marL="228600"/>
             <a:r>
               <a:rPr lang="es-CO" sz="1600" dirty="0">
                 <a:solidFill>
@@ -4943,7 +5083,6 @@
             </a:r>
           </a:p>
           <a:p>
-            <a:pPr marL="228600"/>
             <a:r>
               <a:rPr lang="es-CO" sz="1600" dirty="0">
                 <a:solidFill>
@@ -4959,7 +5098,6 @@
             </a:r>
           </a:p>
           <a:p>
-            <a:pPr marL="228600"/>
             <a:r>
               <a:rPr lang="es-CO" sz="1600" dirty="0">
                 <a:solidFill>
@@ -4975,7 +5113,6 @@
             </a:r>
           </a:p>
           <a:p>
-            <a:pPr marL="228600"/>
             <a:r>
               <a:rPr lang="es-CO" sz="1600" dirty="0">
                 <a:solidFill>
@@ -4991,7 +5128,6 @@
             </a:r>
           </a:p>
           <a:p>
-            <a:pPr marL="228600"/>
             <a:r>
               <a:rPr lang="es-CO" sz="1600" dirty="0">
                 <a:solidFill>
@@ -5126,7 +5262,7 @@
         <p:spPr>
           <a:xfrm>
             <a:off x="141543" y="1134825"/>
-            <a:ext cx="8261922" cy="4431983"/>
+            <a:ext cx="8261922" cy="4724370"/>
           </a:xfrm>
           <a:prstGeom prst="rect">
             <a:avLst/>
@@ -5139,6 +5275,20 @@
           </a:bodyPr>
           <a:lstStyle/>
           <a:p>
+            <a:pPr lvl="1">
+              <a:spcBef>
+                <a:spcPts val="1400"/>
+              </a:spcBef>
+              <a:spcAft>
+                <a:spcPts val="1400"/>
+              </a:spcAft>
+            </a:pPr>
+            <a:r>
+              <a:rPr lang="es-CO" sz="1600" b="1" dirty="0">
+                <a:effectLst/>
+              </a:rPr>
+              <a:t>3</a:t>
+            </a:r>
             <a:r>
               <a:rPr lang="es-CO" sz="1600" b="1" dirty="0">
                 <a:solidFill>
@@ -5148,13 +5298,11 @@
                   </a:schemeClr>
                 </a:solidFill>
                 <a:effectLst/>
-                <a:ea typeface="Times New Roman" panose="02020603050405020304" pitchFamily="18" charset="0"/>
-              </a:rPr>
-              <a:t>Módulo: Soporte y Comunicación</a:t>
-            </a:r>
-          </a:p>
-          <a:p>
-            <a:pPr marL="228600"/>
+              </a:rPr>
+              <a:t>.    Módulo: Soporte y Comunicación</a:t>
+            </a:r>
+          </a:p>
+          <a:p>
             <a:r>
               <a:rPr lang="es-CO" sz="1600" dirty="0">
                 <a:solidFill>
@@ -5170,7 +5318,6 @@
             </a:r>
           </a:p>
           <a:p>
-            <a:pPr marL="228600"/>
             <a:r>
               <a:rPr lang="es-CO" sz="1600" dirty="0">
                 <a:solidFill>
@@ -5186,7 +5333,6 @@
             </a:r>
           </a:p>
           <a:p>
-            <a:pPr marL="228600"/>
             <a:r>
               <a:rPr lang="es-CO" sz="1600" dirty="0">
                 <a:solidFill>
@@ -5200,8 +5346,18 @@
               </a:rPr>
               <a:t>RF-015 Revisar términos y condiciones antes de enviar un formulario</a:t>
             </a:r>
-            <a:br>
-              <a:rPr lang="es-CO" sz="1600" dirty="0">
+          </a:p>
+          <a:p>
+            <a:pPr lvl="1">
+              <a:spcBef>
+                <a:spcPts val="1400"/>
+              </a:spcBef>
+              <a:spcAft>
+                <a:spcPts val="1400"/>
+              </a:spcAft>
+            </a:pPr>
+            <a:r>
+              <a:rPr lang="es-CO" sz="1600" b="1" dirty="0">
                 <a:solidFill>
                   <a:schemeClr val="tx1">
                     <a:lumMod val="75000"/>
@@ -5209,23 +5365,13 @@
                   </a:schemeClr>
                 </a:solidFill>
                 <a:effectLst/>
-                <a:ea typeface="Times New Roman" panose="02020603050405020304" pitchFamily="18" charset="0"/>
-              </a:rPr>
-            </a:br>
-            <a:endParaRPr lang="es-CO" sz="1600" b="1" dirty="0">
-              <a:solidFill>
-                <a:schemeClr val="tx1">
-                  <a:lumMod val="75000"/>
-                  <a:lumOff val="25000"/>
-                </a:schemeClr>
-              </a:solidFill>
-              <a:effectLst/>
-              <a:ea typeface="Times New Roman" panose="02020603050405020304" pitchFamily="18" charset="0"/>
-            </a:endParaRPr>
-          </a:p>
-          <a:p>
-            <a:r>
-              <a:rPr lang="es-CO" sz="1600" b="1" dirty="0">
+              </a:rPr>
+              <a:t>4.    Módulo: Seguimiento de Pedidos</a:t>
+            </a:r>
+          </a:p>
+          <a:p>
+            <a:r>
+              <a:rPr lang="es-CO" sz="1600" dirty="0">
                 <a:solidFill>
                   <a:schemeClr val="tx1">
                     <a:lumMod val="75000"/>
@@ -5235,11 +5381,10 @@
                 <a:effectLst/>
                 <a:ea typeface="Times New Roman" panose="02020603050405020304" pitchFamily="18" charset="0"/>
               </a:rPr>
-              <a:t>Módulo: Seguimiento de Pedidos</a:t>
-            </a:r>
-          </a:p>
-          <a:p>
-            <a:pPr marL="228600"/>
+              <a:t>RF-016 Consultar lista de pedidos</a:t>
+            </a:r>
+          </a:p>
+          <a:p>
             <a:r>
               <a:rPr lang="es-CO" sz="1600" dirty="0">
                 <a:solidFill>
@@ -5251,11 +5396,10 @@
                 <a:effectLst/>
                 <a:ea typeface="Times New Roman" panose="02020603050405020304" pitchFamily="18" charset="0"/>
               </a:rPr>
-              <a:t>RF-016 Consultar lista de pedidos</a:t>
-            </a:r>
-          </a:p>
-          <a:p>
-            <a:pPr marL="228600"/>
+              <a:t>RF-017 Visualizar barra de progreso del pedido</a:t>
+            </a:r>
+          </a:p>
+          <a:p>
             <a:r>
               <a:rPr lang="es-CO" sz="1600" dirty="0">
                 <a:solidFill>
@@ -5267,11 +5411,10 @@
                 <a:effectLst/>
                 <a:ea typeface="Times New Roman" panose="02020603050405020304" pitchFamily="18" charset="0"/>
               </a:rPr>
-              <a:t>RF-017 Visualizar barra de progreso del pedido</a:t>
-            </a:r>
-          </a:p>
-          <a:p>
-            <a:pPr marL="228600"/>
+              <a:t>RF-018 Consultar detalles del pedido</a:t>
+            </a:r>
+          </a:p>
+          <a:p>
             <a:r>
               <a:rPr lang="es-CO" sz="1600" dirty="0">
                 <a:solidFill>
@@ -5283,11 +5426,10 @@
                 <a:effectLst/>
                 <a:ea typeface="Times New Roman" panose="02020603050405020304" pitchFamily="18" charset="0"/>
               </a:rPr>
-              <a:t>RF-018 Consultar detalles del pedido</a:t>
-            </a:r>
-          </a:p>
-          <a:p>
-            <a:pPr marL="228600"/>
+              <a:t>RF-019 Recibir notificaciones de actualización del pedido</a:t>
+            </a:r>
+          </a:p>
+          <a:p>
             <a:r>
               <a:rPr lang="es-CO" sz="1600" dirty="0">
                 <a:solidFill>
@@ -5299,11 +5441,10 @@
                 <a:effectLst/>
                 <a:ea typeface="Times New Roman" panose="02020603050405020304" pitchFamily="18" charset="0"/>
               </a:rPr>
-              <a:t>RF-019 Recibir notificaciones de actualización del pedido</a:t>
-            </a:r>
-          </a:p>
-          <a:p>
-            <a:pPr marL="228600"/>
+              <a:t>RF-020 Visualizar diseño renderizado</a:t>
+            </a:r>
+          </a:p>
+          <a:p>
             <a:r>
               <a:rPr lang="es-CO" sz="1600" dirty="0">
                 <a:solidFill>
@@ -5315,27 +5456,10 @@
                 <a:effectLst/>
                 <a:ea typeface="Times New Roman" panose="02020603050405020304" pitchFamily="18" charset="0"/>
               </a:rPr>
-              <a:t>RF-020 Visualizar diseño renderizado</a:t>
-            </a:r>
-          </a:p>
-          <a:p>
-            <a:pPr marL="228600"/>
-            <a:r>
-              <a:rPr lang="es-CO" sz="1600" dirty="0">
-                <a:solidFill>
-                  <a:schemeClr val="tx1">
-                    <a:lumMod val="75000"/>
-                    <a:lumOff val="25000"/>
-                  </a:schemeClr>
-                </a:solidFill>
-                <a:effectLst/>
-                <a:ea typeface="Times New Roman" panose="02020603050405020304" pitchFamily="18" charset="0"/>
-              </a:rPr>
               <a:t>RF-021 Visualizar imagen del producto terminado</a:t>
             </a:r>
           </a:p>
           <a:p>
-            <a:pPr marL="228600"/>
             <a:r>
               <a:rPr lang="es-CO" sz="1600" dirty="0">
                 <a:solidFill>
@@ -5470,7 +5594,7 @@
         <p:spPr>
           <a:xfrm>
             <a:off x="141543" y="1134825"/>
-            <a:ext cx="8261922" cy="2339102"/>
+            <a:ext cx="8261922" cy="4108817"/>
           </a:xfrm>
           <a:prstGeom prst="rect">
             <a:avLst/>
@@ -5483,42 +5607,152 @@
           </a:bodyPr>
           <a:lstStyle/>
           <a:p>
+            <a:pPr lvl="1">
+              <a:spcBef>
+                <a:spcPts val="1400"/>
+              </a:spcBef>
+              <a:spcAft>
+                <a:spcPts val="1400"/>
+              </a:spcAft>
+            </a:pPr>
             <a:r>
               <a:rPr lang="es-CO" sz="1600" b="1" dirty="0">
+                <a:solidFill>
+                  <a:schemeClr val="tx1">
+                    <a:lumMod val="75000"/>
+                    <a:lumOff val="25000"/>
+                  </a:schemeClr>
+                </a:solidFill>
+                <a:effectLst/>
+              </a:rPr>
+              <a:t>5.  Módulo: Catálogo y Recomendaciones</a:t>
+            </a:r>
+          </a:p>
+          <a:p>
+            <a:r>
+              <a:rPr lang="es-CO" sz="1600" dirty="0">
+                <a:solidFill>
+                  <a:schemeClr val="tx1">
+                    <a:lumMod val="75000"/>
+                    <a:lumOff val="25000"/>
+                  </a:schemeClr>
+                </a:solidFill>
                 <a:effectLst/>
                 <a:ea typeface="Times New Roman" panose="02020603050405020304" pitchFamily="18" charset="0"/>
               </a:rPr>
-              <a:t>Módulo: Catálogo y Recomendaciones</a:t>
-            </a:r>
-          </a:p>
-          <a:p>
-            <a:pPr marL="228600"/>
+              <a:t>RF-023 Explorar catálogo de joyas</a:t>
+            </a:r>
+          </a:p>
+          <a:p>
             <a:r>
               <a:rPr lang="es-CO" sz="1600" dirty="0">
+                <a:solidFill>
+                  <a:schemeClr val="tx1">
+                    <a:lumMod val="75000"/>
+                    <a:lumOff val="25000"/>
+                  </a:schemeClr>
+                </a:solidFill>
                 <a:effectLst/>
                 <a:ea typeface="Times New Roman" panose="02020603050405020304" pitchFamily="18" charset="0"/>
               </a:rPr>
-              <a:t>RF-023 Explorar catálogo de joyas</a:t>
-            </a:r>
-          </a:p>
-          <a:p>
-            <a:pPr marL="228600"/>
+              <a:t>RF-024 Filtrar catálogo por ocasión</a:t>
+            </a:r>
+          </a:p>
+          <a:p>
             <a:r>
               <a:rPr lang="es-CO" sz="1600" dirty="0">
+                <a:solidFill>
+                  <a:schemeClr val="tx1">
+                    <a:lumMod val="75000"/>
+                    <a:lumOff val="25000"/>
+                  </a:schemeClr>
+                </a:solidFill>
                 <a:effectLst/>
                 <a:ea typeface="Times New Roman" panose="02020603050405020304" pitchFamily="18" charset="0"/>
               </a:rPr>
-              <a:t>RF-024 Filtrar catálogo por ocasión</a:t>
-            </a:r>
-          </a:p>
-          <a:p>
-            <a:pPr marL="228600"/>
+              <a:t>RF-025 Visualizar detalles de un anillo en el catálogo</a:t>
+            </a:r>
+          </a:p>
+          <a:p>
+            <a:pPr lvl="1">
+              <a:spcBef>
+                <a:spcPts val="1400"/>
+              </a:spcBef>
+              <a:spcAft>
+                <a:spcPts val="1400"/>
+              </a:spcAft>
+            </a:pPr>
+            <a:r>
+              <a:rPr lang="es-CO" sz="1600" b="1" dirty="0">
+                <a:solidFill>
+                  <a:schemeClr val="tx1">
+                    <a:lumMod val="75000"/>
+                    <a:lumOff val="25000"/>
+                  </a:schemeClr>
+                </a:solidFill>
+                <a:effectLst/>
+              </a:rPr>
+              <a:t>6.  Módulo: Administración del Catálogo de Personalización</a:t>
+            </a:r>
+          </a:p>
+          <a:p>
             <a:r>
               <a:rPr lang="es-CO" sz="1600" dirty="0">
+                <a:solidFill>
+                  <a:schemeClr val="tx1">
+                    <a:lumMod val="75000"/>
+                    <a:lumOff val="25000"/>
+                  </a:schemeClr>
+                </a:solidFill>
                 <a:effectLst/>
                 <a:ea typeface="Times New Roman" panose="02020603050405020304" pitchFamily="18" charset="0"/>
               </a:rPr>
-              <a:t>RF-025 Visualizar detalles de un anillo en el catálogo</a:t>
+              <a:t>RF-026 Subir imágenes de gemas, formas y materiales</a:t>
+            </a:r>
+          </a:p>
+          <a:p>
+            <a:r>
+              <a:rPr lang="es-CO" sz="1600" dirty="0">
+                <a:solidFill>
+                  <a:schemeClr val="tx1">
+                    <a:lumMod val="75000"/>
+                    <a:lumOff val="25000"/>
+                  </a:schemeClr>
+                </a:solidFill>
+                <a:effectLst/>
+                <a:ea typeface="Times New Roman" panose="02020603050405020304" pitchFamily="18" charset="0"/>
+              </a:rPr>
+              <a:t>RF-027 Gestionar catálogo de opciones personalizables</a:t>
+            </a:r>
+          </a:p>
+          <a:p>
+            <a:r>
+              <a:rPr lang="es-CO" sz="1600" dirty="0">
+                <a:solidFill>
+                  <a:schemeClr val="tx1">
+                    <a:lumMod val="75000"/>
+                    <a:lumOff val="25000"/>
+                  </a:schemeClr>
+                </a:solidFill>
+                <a:effectLst/>
+                <a:ea typeface="Times New Roman" panose="02020603050405020304" pitchFamily="18" charset="0"/>
+              </a:rPr>
+              <a:t>RF-028 Modificar visualización 3D de opciones personalizables</a:t>
+            </a:r>
+          </a:p>
+          <a:p>
+            <a:r>
+              <a:rPr lang="es-CO" sz="1600" dirty="0">
+                <a:solidFill>
+                  <a:schemeClr val="tx1">
+                    <a:lumMod val="75000"/>
+                    <a:lumOff val="25000"/>
+                  </a:schemeClr>
+                </a:solidFill>
+                <a:effectLst/>
+                <a:ea typeface="Times New Roman" panose="02020603050405020304" pitchFamily="18" charset="0"/>
+              </a:rPr>
+              <a:t>RF-029 Eliminar opciones de personalización obsoletas</a:t>
             </a:r>
           </a:p>
           <a:p>
@@ -5912,7 +6146,7 @@
                   <a:schemeClr val="bg1"/>
                 </a:solidFill>
               </a:rPr>
-              <a:t> Requisitos no funcionales</a:t>
+              <a:t> Requisitos funcionales</a:t>
             </a:r>
           </a:p>
         </p:txBody>
@@ -5932,7 +6166,7 @@
         <p:spPr>
           <a:xfrm>
             <a:off x="141543" y="1134825"/>
-            <a:ext cx="8261922" cy="1323439"/>
+            <a:ext cx="8261922" cy="5093702"/>
           </a:xfrm>
           <a:prstGeom prst="rect">
             <a:avLst/>
@@ -5945,13 +6179,215 @@
           </a:bodyPr>
           <a:lstStyle/>
           <a:p>
-            <a:r>
-              <a:rPr lang="es-CO" sz="1600" b="1" dirty="0" err="1">
+            <a:pPr lvl="1">
+              <a:spcBef>
+                <a:spcPts val="1400"/>
+              </a:spcBef>
+              <a:spcAft>
+                <a:spcPts val="1400"/>
+              </a:spcAft>
+            </a:pPr>
+            <a:r>
+              <a:rPr lang="es-CO" sz="1600" b="1" dirty="0">
+                <a:solidFill>
+                  <a:schemeClr val="tx1">
+                    <a:lumMod val="75000"/>
+                    <a:lumOff val="25000"/>
+                  </a:schemeClr>
+                </a:solidFill>
+                <a:effectLst/>
+              </a:rPr>
+              <a:t>7.  Módulo: Gestión de Personalización y Producción</a:t>
+            </a:r>
+          </a:p>
+          <a:p>
+            <a:r>
+              <a:rPr lang="es-CO" sz="1600" dirty="0">
+                <a:solidFill>
+                  <a:schemeClr val="tx1">
+                    <a:lumMod val="75000"/>
+                    <a:lumOff val="25000"/>
+                  </a:schemeClr>
+                </a:solidFill>
                 <a:effectLst/>
                 <a:ea typeface="Times New Roman" panose="02020603050405020304" pitchFamily="18" charset="0"/>
               </a:rPr>
-              <a:t>Mó</a:t>
-            </a:r>
+              <a:t>RF-030 Subir diseño renderizado</a:t>
+            </a:r>
+          </a:p>
+          <a:p>
+            <a:r>
+              <a:rPr lang="es-CO" sz="1600" dirty="0">
+                <a:solidFill>
+                  <a:schemeClr val="tx1">
+                    <a:lumMod val="75000"/>
+                    <a:lumOff val="25000"/>
+                  </a:schemeClr>
+                </a:solidFill>
+                <a:effectLst/>
+                <a:ea typeface="Times New Roman" panose="02020603050405020304" pitchFamily="18" charset="0"/>
+              </a:rPr>
+              <a:t>RF-031 Subir imagen del producto terminado</a:t>
+            </a:r>
+          </a:p>
+          <a:p>
+            <a:r>
+              <a:rPr lang="es-CO" sz="1600" dirty="0">
+                <a:solidFill>
+                  <a:schemeClr val="tx1">
+                    <a:lumMod val="75000"/>
+                    <a:lumOff val="25000"/>
+                  </a:schemeClr>
+                </a:solidFill>
+                <a:effectLst/>
+                <a:ea typeface="Times New Roman" panose="02020603050405020304" pitchFamily="18" charset="0"/>
+              </a:rPr>
+              <a:t>RF-032 Agregar comentarios o notas al pedido</a:t>
+            </a:r>
+          </a:p>
+          <a:p>
+            <a:r>
+              <a:rPr lang="es-CO" sz="1600" dirty="0">
+                <a:solidFill>
+                  <a:schemeClr val="tx1">
+                    <a:lumMod val="75000"/>
+                    <a:lumOff val="25000"/>
+                  </a:schemeClr>
+                </a:solidFill>
+                <a:effectLst/>
+                <a:ea typeface="Times New Roman" panose="02020603050405020304" pitchFamily="18" charset="0"/>
+              </a:rPr>
+              <a:t>RF-033 Consultar historial de pedidos trabajados</a:t>
+            </a:r>
+          </a:p>
+          <a:p>
+            <a:pPr lvl="1">
+              <a:spcBef>
+                <a:spcPts val="1400"/>
+              </a:spcBef>
+              <a:spcAft>
+                <a:spcPts val="1400"/>
+              </a:spcAft>
+            </a:pPr>
+            <a:r>
+              <a:rPr lang="es-CO" sz="1600" b="1" dirty="0">
+                <a:solidFill>
+                  <a:schemeClr val="tx1">
+                    <a:lumMod val="75000"/>
+                    <a:lumOff val="25000"/>
+                  </a:schemeClr>
+                </a:solidFill>
+                <a:effectLst/>
+              </a:rPr>
+              <a:t>8.  Módulo: Gestión de Notificaciones</a:t>
+            </a:r>
+          </a:p>
+          <a:p>
+            <a:r>
+              <a:rPr lang="es-CO" sz="1600" dirty="0">
+                <a:solidFill>
+                  <a:schemeClr val="tx1">
+                    <a:lumMod val="75000"/>
+                    <a:lumOff val="25000"/>
+                  </a:schemeClr>
+                </a:solidFill>
+                <a:effectLst/>
+                <a:ea typeface="Times New Roman" panose="02020603050405020304" pitchFamily="18" charset="0"/>
+              </a:rPr>
+              <a:t>RF-034 Enviar notificaciones al administrador cuando un cliente envía un formulario</a:t>
+            </a:r>
+          </a:p>
+          <a:p>
+            <a:r>
+              <a:rPr lang="es-CO" sz="1600" dirty="0">
+                <a:solidFill>
+                  <a:schemeClr val="tx1">
+                    <a:lumMod val="75000"/>
+                    <a:lumOff val="25000"/>
+                  </a:schemeClr>
+                </a:solidFill>
+                <a:effectLst/>
+                <a:ea typeface="Times New Roman" panose="02020603050405020304" pitchFamily="18" charset="0"/>
+              </a:rPr>
+              <a:t>RF-035 Enviar notificaciones a los clientes sobre actualizaciones de su pedido</a:t>
+            </a:r>
+          </a:p>
+          <a:p>
+            <a:r>
+              <a:rPr lang="es-CO" sz="1600" dirty="0">
+                <a:solidFill>
+                  <a:schemeClr val="tx1">
+                    <a:lumMod val="75000"/>
+                    <a:lumOff val="25000"/>
+                  </a:schemeClr>
+                </a:solidFill>
+                <a:effectLst/>
+                <a:ea typeface="Times New Roman" panose="02020603050405020304" pitchFamily="18" charset="0"/>
+              </a:rPr>
+              <a:t>RF-036 Enviar notificación al diseñador cuando un nuevo pedido le sea asignado</a:t>
+            </a:r>
+          </a:p>
+          <a:p>
+            <a:r>
+              <a:rPr lang="es-CO" sz="1600" dirty="0">
+                <a:solidFill>
+                  <a:schemeClr val="tx1">
+                    <a:lumMod val="75000"/>
+                    <a:lumOff val="25000"/>
+                  </a:schemeClr>
+                </a:solidFill>
+                <a:effectLst/>
+                <a:ea typeface="Times New Roman" panose="02020603050405020304" pitchFamily="18" charset="0"/>
+              </a:rPr>
+              <a:t>RF-037 Notificar al cliente cuando su diseño renderizado esté listo para visualizar</a:t>
+            </a:r>
+          </a:p>
+          <a:p>
+            <a:r>
+              <a:rPr lang="es-CO" sz="1600" dirty="0">
+                <a:solidFill>
+                  <a:schemeClr val="tx1">
+                    <a:lumMod val="75000"/>
+                    <a:lumOff val="25000"/>
+                  </a:schemeClr>
+                </a:solidFill>
+                <a:effectLst/>
+                <a:ea typeface="Times New Roman" panose="02020603050405020304" pitchFamily="18" charset="0"/>
+              </a:rPr>
+              <a:t>RF-038 Notificar al cliente cuando la imagen final de su producto esté disponible</a:t>
+            </a:r>
+          </a:p>
+          <a:p>
+            <a:r>
+              <a:rPr lang="es-CO" sz="1600" dirty="0">
+                <a:solidFill>
+                  <a:schemeClr val="tx1">
+                    <a:lumMod val="75000"/>
+                    <a:lumOff val="25000"/>
+                  </a:schemeClr>
+                </a:solidFill>
+                <a:effectLst/>
+                <a:ea typeface="Times New Roman" panose="02020603050405020304" pitchFamily="18" charset="0"/>
+              </a:rPr>
+              <a:t>RF-039 Enviar alertas sobre términos y condiciones antes del envío de un formulario</a:t>
+            </a:r>
+          </a:p>
+          <a:p>
+            <a:r>
+              <a:rPr lang="es-CO" sz="1600" dirty="0">
+                <a:solidFill>
+                  <a:schemeClr val="tx1">
+                    <a:lumMod val="75000"/>
+                    <a:lumOff val="25000"/>
+                  </a:schemeClr>
+                </a:solidFill>
+                <a:effectLst/>
+                <a:ea typeface="Times New Roman" panose="02020603050405020304" pitchFamily="18" charset="0"/>
+              </a:rPr>
+              <a:t>RF-040 Permitir configuración de notificaciones en la cuenta del usuario</a:t>
+            </a:r>
+          </a:p>
+          <a:p>
             <a:endParaRPr lang="es-CO" sz="1800" dirty="0">
               <a:effectLst/>
               <a:latin typeface="Times New Roman" panose="02020603050405020304" pitchFamily="18" charset="0"/>
@@ -5990,6 +6426,462 @@
 </file>
 
 <file path=ppt/slides/slide21.xml><?xml version="1.0" encoding="utf-8"?>
+<p:sld xmlns:a="http://schemas.openxmlformats.org/drawingml/2006/main" xmlns:r="http://schemas.openxmlformats.org/officeDocument/2006/relationships" xmlns:p="http://schemas.openxmlformats.org/presentationml/2006/main">
+  <p:cSld>
+    <p:spTree>
+      <p:nvGrpSpPr>
+        <p:cNvPr id="1" name="">
+          <a:extLst>
+            <a:ext uri="{FF2B5EF4-FFF2-40B4-BE49-F238E27FC236}">
+              <a16:creationId xmlns:a16="http://schemas.microsoft.com/office/drawing/2014/main" id="{7D26C395-D181-45E8-EDD6-DB4D3B15F335}"/>
+            </a:ext>
+          </a:extLst>
+        </p:cNvPr>
+        <p:cNvGrpSpPr/>
+        <p:nvPr/>
+      </p:nvGrpSpPr>
+      <p:grpSpPr>
+        <a:xfrm>
+          <a:off x="0" y="0"/>
+          <a:ext cx="0" cy="0"/>
+          <a:chOff x="0" y="0"/>
+          <a:chExt cx="0" cy="0"/>
+        </a:xfrm>
+      </p:grpSpPr>
+      <p:sp>
+        <p:nvSpPr>
+          <p:cNvPr id="2" name="CuadroTexto 1">
+            <a:extLst>
+              <a:ext uri="{FF2B5EF4-FFF2-40B4-BE49-F238E27FC236}">
+                <a16:creationId xmlns:a16="http://schemas.microsoft.com/office/drawing/2014/main" id="{CABE55B0-E4CD-E8B2-FCBC-AC278ADC74E3}"/>
+              </a:ext>
+            </a:extLst>
+          </p:cNvPr>
+          <p:cNvSpPr txBox="1"/>
+          <p:nvPr/>
+        </p:nvSpPr>
+        <p:spPr>
+          <a:xfrm>
+            <a:off x="0" y="249495"/>
+            <a:ext cx="7518486" cy="646331"/>
+          </a:xfrm>
+          <a:prstGeom prst="rect">
+            <a:avLst/>
+          </a:prstGeom>
+          <a:noFill/>
+        </p:spPr>
+        <p:txBody>
+          <a:bodyPr wrap="square" rtlCol="0">
+            <a:spAutoFit/>
+          </a:bodyPr>
+          <a:lstStyle/>
+          <a:p>
+            <a:r>
+              <a:rPr lang="es-ES" sz="3600" b="1" dirty="0">
+                <a:solidFill>
+                  <a:schemeClr val="bg1"/>
+                </a:solidFill>
+              </a:rPr>
+              <a:t> Requisitos funcionales</a:t>
+            </a:r>
+          </a:p>
+        </p:txBody>
+      </p:sp>
+      <p:sp>
+        <p:nvSpPr>
+          <p:cNvPr id="4" name="CuadroTexto 3">
+            <a:extLst>
+              <a:ext uri="{FF2B5EF4-FFF2-40B4-BE49-F238E27FC236}">
+                <a16:creationId xmlns:a16="http://schemas.microsoft.com/office/drawing/2014/main" id="{457D027B-3C4A-9226-3C4A-054D98F20544}"/>
+              </a:ext>
+            </a:extLst>
+          </p:cNvPr>
+          <p:cNvSpPr txBox="1"/>
+          <p:nvPr/>
+        </p:nvSpPr>
+        <p:spPr>
+          <a:xfrm>
+            <a:off x="141543" y="1134825"/>
+            <a:ext cx="8261922" cy="2764859"/>
+          </a:xfrm>
+          <a:prstGeom prst="rect">
+            <a:avLst/>
+          </a:prstGeom>
+          <a:noFill/>
+        </p:spPr>
+        <p:txBody>
+          <a:bodyPr wrap="square">
+            <a:spAutoFit/>
+          </a:bodyPr>
+          <a:lstStyle/>
+          <a:p>
+            <a:pPr lvl="1">
+              <a:spcBef>
+                <a:spcPts val="1400"/>
+              </a:spcBef>
+              <a:spcAft>
+                <a:spcPts val="1400"/>
+              </a:spcAft>
+            </a:pPr>
+            <a:r>
+              <a:rPr lang="es-CO" sz="1600" b="1" dirty="0">
+                <a:solidFill>
+                  <a:schemeClr val="tx1">
+                    <a:lumMod val="75000"/>
+                    <a:lumOff val="25000"/>
+                  </a:schemeClr>
+                </a:solidFill>
+                <a:effectLst/>
+              </a:rPr>
+              <a:t>9.  Módulo: Gestión de Análisis y Reportes</a:t>
+            </a:r>
+          </a:p>
+          <a:p>
+            <a:r>
+              <a:rPr lang="es-CO" sz="1600" dirty="0">
+                <a:solidFill>
+                  <a:schemeClr val="tx1">
+                    <a:lumMod val="75000"/>
+                    <a:lumOff val="25000"/>
+                  </a:schemeClr>
+                </a:solidFill>
+                <a:effectLst/>
+                <a:ea typeface="Times New Roman" panose="02020603050405020304" pitchFamily="18" charset="0"/>
+              </a:rPr>
+              <a:t>RF-041 Generar reportes de pedidos procesados</a:t>
+            </a:r>
+          </a:p>
+          <a:p>
+            <a:r>
+              <a:rPr lang="es-CO" sz="1600" dirty="0">
+                <a:solidFill>
+                  <a:schemeClr val="tx1">
+                    <a:lumMod val="75000"/>
+                    <a:lumOff val="25000"/>
+                  </a:schemeClr>
+                </a:solidFill>
+                <a:effectLst/>
+                <a:ea typeface="Times New Roman" panose="02020603050405020304" pitchFamily="18" charset="0"/>
+              </a:rPr>
+              <a:t>RF-042 Generar reportes de pedidos en proceso</a:t>
+            </a:r>
+          </a:p>
+          <a:p>
+            <a:r>
+              <a:rPr lang="es-CO" sz="1600" dirty="0">
+                <a:solidFill>
+                  <a:schemeClr val="tx1">
+                    <a:lumMod val="75000"/>
+                    <a:lumOff val="25000"/>
+                  </a:schemeClr>
+                </a:solidFill>
+                <a:effectLst/>
+                <a:ea typeface="Times New Roman" panose="02020603050405020304" pitchFamily="18" charset="0"/>
+              </a:rPr>
+              <a:t>RF-043 Generar reportes de clientes recurrentes</a:t>
+            </a:r>
+          </a:p>
+          <a:p>
+            <a:r>
+              <a:rPr lang="es-CO" sz="1600" dirty="0">
+                <a:solidFill>
+                  <a:schemeClr val="tx1">
+                    <a:lumMod val="75000"/>
+                    <a:lumOff val="25000"/>
+                  </a:schemeClr>
+                </a:solidFill>
+                <a:effectLst/>
+                <a:ea typeface="Times New Roman" panose="02020603050405020304" pitchFamily="18" charset="0"/>
+              </a:rPr>
+              <a:t>RF-044 Exportar reportes en formato PDF y CSV</a:t>
+            </a:r>
+          </a:p>
+          <a:p>
+            <a:endParaRPr lang="es-CO" sz="1800" dirty="0">
+              <a:effectLst/>
+              <a:latin typeface="Times New Roman" panose="02020603050405020304" pitchFamily="18" charset="0"/>
+              <a:ea typeface="Times New Roman" panose="02020603050405020304" pitchFamily="18" charset="0"/>
+            </a:endParaRPr>
+          </a:p>
+          <a:p>
+            <a:endParaRPr lang="es-MX" sz="1600" dirty="0"/>
+          </a:p>
+          <a:p>
+            <a:endParaRPr lang="es-MX" sz="1600" dirty="0"/>
+          </a:p>
+          <a:p>
+            <a:pPr marL="285750" indent="-285750">
+              <a:buFont typeface="Arial" panose="020B0604020202020204" pitchFamily="34" charset="0"/>
+              <a:buChar char="•"/>
+            </a:pPr>
+            <a:endParaRPr lang="es-MX" sz="1600" dirty="0"/>
+          </a:p>
+          <a:p>
+            <a:endParaRPr lang="es-CO" sz="1600" dirty="0"/>
+          </a:p>
+        </p:txBody>
+      </p:sp>
+    </p:spTree>
+    <p:extLst>
+      <p:ext uri="{BB962C8B-B14F-4D97-AF65-F5344CB8AC3E}">
+        <p14:creationId xmlns:p14="http://schemas.microsoft.com/office/powerpoint/2010/main" val="645897698"/>
+      </p:ext>
+    </p:extLst>
+  </p:cSld>
+  <p:clrMapOvr>
+    <a:masterClrMapping/>
+  </p:clrMapOvr>
+</p:sld>
+</file>
+
+<file path=ppt/slides/slide22.xml><?xml version="1.0" encoding="utf-8"?>
+<p:sld xmlns:a="http://schemas.openxmlformats.org/drawingml/2006/main" xmlns:r="http://schemas.openxmlformats.org/officeDocument/2006/relationships" xmlns:p="http://schemas.openxmlformats.org/presentationml/2006/main">
+  <p:cSld>
+    <p:spTree>
+      <p:nvGrpSpPr>
+        <p:cNvPr id="1" name="">
+          <a:extLst>
+            <a:ext uri="{FF2B5EF4-FFF2-40B4-BE49-F238E27FC236}">
+              <a16:creationId xmlns:a16="http://schemas.microsoft.com/office/drawing/2014/main" id="{22AC2D04-8A34-5E7B-BCAE-C36ACD8B0AD7}"/>
+            </a:ext>
+          </a:extLst>
+        </p:cNvPr>
+        <p:cNvGrpSpPr/>
+        <p:nvPr/>
+      </p:nvGrpSpPr>
+      <p:grpSpPr>
+        <a:xfrm>
+          <a:off x="0" y="0"/>
+          <a:ext cx="0" cy="0"/>
+          <a:chOff x="0" y="0"/>
+          <a:chExt cx="0" cy="0"/>
+        </a:xfrm>
+      </p:grpSpPr>
+      <p:sp>
+        <p:nvSpPr>
+          <p:cNvPr id="2" name="CuadroTexto 1">
+            <a:extLst>
+              <a:ext uri="{FF2B5EF4-FFF2-40B4-BE49-F238E27FC236}">
+                <a16:creationId xmlns:a16="http://schemas.microsoft.com/office/drawing/2014/main" id="{DA1C0129-88C0-BDF3-33D8-22B85C8A1F85}"/>
+              </a:ext>
+            </a:extLst>
+          </p:cNvPr>
+          <p:cNvSpPr txBox="1"/>
+          <p:nvPr/>
+        </p:nvSpPr>
+        <p:spPr>
+          <a:xfrm>
+            <a:off x="0" y="249495"/>
+            <a:ext cx="7518486" cy="646331"/>
+          </a:xfrm>
+          <a:prstGeom prst="rect">
+            <a:avLst/>
+          </a:prstGeom>
+          <a:noFill/>
+        </p:spPr>
+        <p:txBody>
+          <a:bodyPr wrap="square" rtlCol="0">
+            <a:spAutoFit/>
+          </a:bodyPr>
+          <a:lstStyle/>
+          <a:p>
+            <a:r>
+              <a:rPr lang="es-ES" sz="3600" b="1" dirty="0">
+                <a:solidFill>
+                  <a:schemeClr val="bg1"/>
+                </a:solidFill>
+              </a:rPr>
+              <a:t> Requisitos no funcionales</a:t>
+            </a:r>
+          </a:p>
+        </p:txBody>
+      </p:sp>
+      <p:sp>
+        <p:nvSpPr>
+          <p:cNvPr id="4" name="CuadroTexto 3">
+            <a:extLst>
+              <a:ext uri="{FF2B5EF4-FFF2-40B4-BE49-F238E27FC236}">
+                <a16:creationId xmlns:a16="http://schemas.microsoft.com/office/drawing/2014/main" id="{75C3F5AC-00F5-A14B-86BD-27C7AEC44A1A}"/>
+              </a:ext>
+            </a:extLst>
+          </p:cNvPr>
+          <p:cNvSpPr txBox="1"/>
+          <p:nvPr/>
+        </p:nvSpPr>
+        <p:spPr>
+          <a:xfrm>
+            <a:off x="247050" y="1303637"/>
+            <a:ext cx="8261922" cy="3293209"/>
+          </a:xfrm>
+          <a:prstGeom prst="rect">
+            <a:avLst/>
+          </a:prstGeom>
+          <a:noFill/>
+        </p:spPr>
+        <p:txBody>
+          <a:bodyPr wrap="square">
+            <a:spAutoFit/>
+          </a:bodyPr>
+          <a:lstStyle/>
+          <a:p>
+            <a:r>
+              <a:rPr lang="es-MX" sz="1600" dirty="0">
+                <a:solidFill>
+                  <a:schemeClr val="tx1">
+                    <a:lumMod val="75000"/>
+                    <a:lumOff val="25000"/>
+                  </a:schemeClr>
+                </a:solidFill>
+              </a:rPr>
+              <a:t>RNF-01  Facilidad de uso</a:t>
+            </a:r>
+          </a:p>
+          <a:p>
+            <a:r>
+              <a:rPr lang="es-MX" sz="1600" dirty="0">
+                <a:solidFill>
+                  <a:schemeClr val="tx1">
+                    <a:lumMod val="75000"/>
+                    <a:lumOff val="25000"/>
+                  </a:schemeClr>
+                </a:solidFill>
+              </a:rPr>
+              <a:t>RNF-02  Accesibilidad</a:t>
+            </a:r>
+          </a:p>
+          <a:p>
+            <a:r>
+              <a:rPr lang="es-MX" sz="1600" dirty="0">
+                <a:solidFill>
+                  <a:schemeClr val="tx1">
+                    <a:lumMod val="75000"/>
+                    <a:lumOff val="25000"/>
+                  </a:schemeClr>
+                </a:solidFill>
+              </a:rPr>
+              <a:t>RNF-03  Tiempo de respuesta</a:t>
+            </a:r>
+          </a:p>
+          <a:p>
+            <a:r>
+              <a:rPr lang="es-MX" sz="1600" dirty="0">
+                <a:solidFill>
+                  <a:schemeClr val="tx1">
+                    <a:lumMod val="75000"/>
+                    <a:lumOff val="25000"/>
+                  </a:schemeClr>
+                </a:solidFill>
+              </a:rPr>
+              <a:t>RNF-04  Escalabilidad</a:t>
+            </a:r>
+          </a:p>
+          <a:p>
+            <a:r>
+              <a:rPr lang="es-MX" sz="1600" dirty="0">
+                <a:solidFill>
+                  <a:schemeClr val="tx1">
+                    <a:lumMod val="75000"/>
+                    <a:lumOff val="25000"/>
+                  </a:schemeClr>
+                </a:solidFill>
+              </a:rPr>
+              <a:t>RNF-05  Cifrado de datos</a:t>
+            </a:r>
+          </a:p>
+          <a:p>
+            <a:r>
+              <a:rPr lang="es-MX" sz="1600" dirty="0">
+                <a:solidFill>
+                  <a:schemeClr val="tx1">
+                    <a:lumMod val="75000"/>
+                    <a:lumOff val="25000"/>
+                  </a:schemeClr>
+                </a:solidFill>
+              </a:rPr>
+              <a:t>RNF-06  Protección contra ataques</a:t>
+            </a:r>
+          </a:p>
+          <a:p>
+            <a:r>
+              <a:rPr lang="es-MX" sz="1600" dirty="0">
+                <a:solidFill>
+                  <a:schemeClr val="tx1">
+                    <a:lumMod val="75000"/>
+                    <a:lumOff val="25000"/>
+                  </a:schemeClr>
+                </a:solidFill>
+              </a:rPr>
+              <a:t>RNF-07  Prevención de perdida de datos</a:t>
+            </a:r>
+          </a:p>
+          <a:p>
+            <a:r>
+              <a:rPr lang="es-MX" sz="1600" dirty="0">
+                <a:solidFill>
+                  <a:schemeClr val="tx1">
+                    <a:lumMod val="75000"/>
+                    <a:lumOff val="25000"/>
+                  </a:schemeClr>
+                </a:solidFill>
+              </a:rPr>
+              <a:t>RNF-08  Restauración de datos</a:t>
+            </a:r>
+          </a:p>
+          <a:p>
+            <a:r>
+              <a:rPr lang="es-MX" sz="1600" dirty="0">
+                <a:solidFill>
+                  <a:schemeClr val="tx1">
+                    <a:lumMod val="75000"/>
+                    <a:lumOff val="25000"/>
+                  </a:schemeClr>
+                </a:solidFill>
+              </a:rPr>
+              <a:t>RNF-09  Compatibilidad con navegadores</a:t>
+            </a:r>
+          </a:p>
+          <a:p>
+            <a:r>
+              <a:rPr lang="es-MX" sz="1600" dirty="0">
+                <a:solidFill>
+                  <a:schemeClr val="tx1">
+                    <a:lumMod val="75000"/>
+                    <a:lumOff val="25000"/>
+                  </a:schemeClr>
+                </a:solidFill>
+              </a:rPr>
+              <a:t>RNF-010  Integridad con WhatsApp</a:t>
+            </a:r>
+          </a:p>
+          <a:p>
+            <a:endParaRPr lang="es-MX" sz="1600" dirty="0"/>
+          </a:p>
+          <a:p>
+            <a:pPr marL="285750" indent="-285750">
+              <a:buFont typeface="Arial" panose="020B0604020202020204" pitchFamily="34" charset="0"/>
+              <a:buChar char="•"/>
+            </a:pPr>
+            <a:endParaRPr lang="es-MX" sz="1600" dirty="0"/>
+          </a:p>
+          <a:p>
+            <a:endParaRPr lang="es-CO" sz="1600" dirty="0"/>
+          </a:p>
+        </p:txBody>
+      </p:sp>
+    </p:spTree>
+    <p:extLst>
+      <p:ext uri="{BB962C8B-B14F-4D97-AF65-F5344CB8AC3E}">
+        <p14:creationId xmlns:p14="http://schemas.microsoft.com/office/powerpoint/2010/main" val="1185007189"/>
+      </p:ext>
+    </p:extLst>
+  </p:cSld>
+  <p:clrMapOvr>
+    <a:masterClrMapping/>
+  </p:clrMapOvr>
+</p:sld>
+</file>
+
+<file path=ppt/slides/slide23.xml><?xml version="1.0" encoding="utf-8"?>
 <p:sld xmlns:a="http://schemas.openxmlformats.org/drawingml/2006/main" xmlns:r="http://schemas.openxmlformats.org/officeDocument/2006/relationships" xmlns:p="http://schemas.openxmlformats.org/presentationml/2006/main">
   <p:cSld>
     <p:spTree>
@@ -6346,7 +7238,7 @@
 </p:sld>
 </file>
 
-<file path=ppt/slides/slide22.xml><?xml version="1.0" encoding="utf-8"?>
+<file path=ppt/slides/slide24.xml><?xml version="1.0" encoding="utf-8"?>
 <p:sld xmlns:a="http://schemas.openxmlformats.org/drawingml/2006/main" xmlns:r="http://schemas.openxmlformats.org/officeDocument/2006/relationships" xmlns:p="http://schemas.openxmlformats.org/presentationml/2006/main">
   <p:cSld>
     <p:spTree>
@@ -6703,7 +7595,7 @@
 </p:sld>
 </file>
 
-<file path=ppt/slides/slide23.xml><?xml version="1.0" encoding="utf-8"?>
+<file path=ppt/slides/slide25.xml><?xml version="1.0" encoding="utf-8"?>
 <p:sld xmlns:a="http://schemas.openxmlformats.org/drawingml/2006/main" xmlns:r="http://schemas.openxmlformats.org/officeDocument/2006/relationships" xmlns:p="http://schemas.openxmlformats.org/presentationml/2006/main">
   <p:cSld>
     <p:spTree>
@@ -7060,7 +7952,7 @@
 </p:sld>
 </file>
 
-<file path=ppt/slides/slide24.xml><?xml version="1.0" encoding="utf-8"?>
+<file path=ppt/slides/slide26.xml><?xml version="1.0" encoding="utf-8"?>
 <p:sld xmlns:a="http://schemas.openxmlformats.org/drawingml/2006/main" xmlns:r="http://schemas.openxmlformats.org/officeDocument/2006/relationships" xmlns:p="http://schemas.openxmlformats.org/presentationml/2006/main">
   <p:cSld>
     <p:spTree>
@@ -7525,7 +8417,7 @@
 </p:sld>
 </file>
 
-<file path=ppt/slides/slide25.xml><?xml version="1.0" encoding="utf-8"?>
+<file path=ppt/slides/slide27.xml><?xml version="1.0" encoding="utf-8"?>
 <p:sld xmlns:a="http://schemas.openxmlformats.org/drawingml/2006/main" xmlns:r="http://schemas.openxmlformats.org/officeDocument/2006/relationships" xmlns:p="http://schemas.openxmlformats.org/presentationml/2006/main">
   <p:cSld>
     <p:spTree>
@@ -8020,7 +8912,7 @@
 </p:sld>
 </file>
 
-<file path=ppt/slides/slide26.xml><?xml version="1.0" encoding="utf-8"?>
+<file path=ppt/slides/slide28.xml><?xml version="1.0" encoding="utf-8"?>
 <p:sld xmlns:a="http://schemas.openxmlformats.org/drawingml/2006/main" xmlns:r="http://schemas.openxmlformats.org/officeDocument/2006/relationships" xmlns:p="http://schemas.openxmlformats.org/presentationml/2006/main">
   <p:cSld>
     <p:spTree>
@@ -8515,7 +9407,7 @@
 </p:sld>
 </file>
 
-<file path=ppt/slides/slide27.xml><?xml version="1.0" encoding="utf-8"?>
+<file path=ppt/slides/slide29.xml><?xml version="1.0" encoding="utf-8"?>
 <p:sld xmlns:a="http://schemas.openxmlformats.org/drawingml/2006/main" xmlns:r="http://schemas.openxmlformats.org/officeDocument/2006/relationships" xmlns:p="http://schemas.openxmlformats.org/presentationml/2006/main">
   <p:cSld>
     <p:spTree>
@@ -9001,36 +9893,6 @@
     <p:extLst>
       <p:ext uri="{BB962C8B-B14F-4D97-AF65-F5344CB8AC3E}">
         <p14:creationId xmlns:p14="http://schemas.microsoft.com/office/powerpoint/2010/main" val="4281753411"/>
-      </p:ext>
-    </p:extLst>
-  </p:cSld>
-  <p:clrMapOvr>
-    <a:masterClrMapping/>
-  </p:clrMapOvr>
-</p:sld>
-</file>
-
-<file path=ppt/slides/slide28.xml><?xml version="1.0" encoding="utf-8"?>
-<p:sld xmlns:a="http://schemas.openxmlformats.org/drawingml/2006/main" xmlns:r="http://schemas.openxmlformats.org/officeDocument/2006/relationships" xmlns:p="http://schemas.openxmlformats.org/presentationml/2006/main">
-  <p:cSld>
-    <p:spTree>
-      <p:nvGrpSpPr>
-        <p:cNvPr id="1" name=""/>
-        <p:cNvGrpSpPr/>
-        <p:nvPr/>
-      </p:nvGrpSpPr>
-      <p:grpSpPr>
-        <a:xfrm>
-          <a:off x="0" y="0"/>
-          <a:ext cx="0" cy="0"/>
-          <a:chOff x="0" y="0"/>
-          <a:chExt cx="0" cy="0"/>
-        </a:xfrm>
-      </p:grpSpPr>
-    </p:spTree>
-    <p:extLst>
-      <p:ext uri="{BB962C8B-B14F-4D97-AF65-F5344CB8AC3E}">
-        <p14:creationId xmlns:p14="http://schemas.microsoft.com/office/powerpoint/2010/main" val="3181596749"/>
       </p:ext>
     </p:extLst>
   </p:cSld>
@@ -9187,6 +10049,36 @@
     <p:extLst>
       <p:ext uri="{BB962C8B-B14F-4D97-AF65-F5344CB8AC3E}">
         <p14:creationId xmlns:p14="http://schemas.microsoft.com/office/powerpoint/2010/main" val="3231014138"/>
+      </p:ext>
+    </p:extLst>
+  </p:cSld>
+  <p:clrMapOvr>
+    <a:masterClrMapping/>
+  </p:clrMapOvr>
+</p:sld>
+</file>
+
+<file path=ppt/slides/slide30.xml><?xml version="1.0" encoding="utf-8"?>
+<p:sld xmlns:a="http://schemas.openxmlformats.org/drawingml/2006/main" xmlns:r="http://schemas.openxmlformats.org/officeDocument/2006/relationships" xmlns:p="http://schemas.openxmlformats.org/presentationml/2006/main">
+  <p:cSld>
+    <p:spTree>
+      <p:nvGrpSpPr>
+        <p:cNvPr id="1" name=""/>
+        <p:cNvGrpSpPr/>
+        <p:nvPr/>
+      </p:nvGrpSpPr>
+      <p:grpSpPr>
+        <a:xfrm>
+          <a:off x="0" y="0"/>
+          <a:ext cx="0" cy="0"/>
+          <a:chOff x="0" y="0"/>
+          <a:chExt cx="0" cy="0"/>
+        </a:xfrm>
+      </p:grpSpPr>
+    </p:spTree>
+    <p:extLst>
+      <p:ext uri="{BB962C8B-B14F-4D97-AF65-F5344CB8AC3E}">
+        <p14:creationId xmlns:p14="http://schemas.microsoft.com/office/powerpoint/2010/main" val="3181596749"/>
       </p:ext>
     </p:extLst>
   </p:cSld>

--- a/Trimestre 2/1. Presentación proyecto plantilla SENA.pptx
+++ b/Trimestre 2/1. Presentación proyecto plantilla SENA.pptx
@@ -158,7 +158,7 @@
 <file path=ppt/revisionInfo.xml><?xml version="1.0" encoding="utf-8"?>
 <p1510:revInfo xmlns:a="http://schemas.openxmlformats.org/drawingml/2006/main" xmlns:r="http://schemas.openxmlformats.org/officeDocument/2006/relationships" xmlns:p1510="http://schemas.microsoft.com/office/powerpoint/2015/10/main">
   <p1510:revLst>
-    <p1510:client id="{D853DDAE-F466-4B97-A8ED-69DE41B6E4BD}" v="1" dt="2025-02-28T01:50:24.836"/>
+    <p1510:client id="{D853DDAE-F466-4B97-A8ED-69DE41B6E4BD}" v="18" dt="2025-02-28T12:44:11.722"/>
   </p1510:revLst>
 </p1510:revInfo>
 </file>
@@ -167,11 +167,49 @@
 <pc:chgInfo xmlns:a="http://schemas.openxmlformats.org/drawingml/2006/main" xmlns:r="http://schemas.openxmlformats.org/officeDocument/2006/relationships" xmlns:ac="http://schemas.microsoft.com/office/drawing/2013/main/command" xmlns:pc="http://schemas.microsoft.com/office/powerpoint/2013/main/command">
   <pc:docChgLst>
     <pc:chgData name="Natalia Cueca" userId="8ce537462a3d960c" providerId="LiveId" clId="{D853DDAE-F466-4B97-A8ED-69DE41B6E4BD}"/>
-    <pc:docChg chg="undo custSel addSld modSld">
-      <pc:chgData name="Natalia Cueca" userId="8ce537462a3d960c" providerId="LiveId" clId="{D853DDAE-F466-4B97-A8ED-69DE41B6E4BD}" dt="2025-02-28T01:58:46.376" v="514" actId="313"/>
+    <pc:docChg chg="undo custSel addSld delSld modSld">
+      <pc:chgData name="Natalia Cueca" userId="8ce537462a3d960c" providerId="LiveId" clId="{D853DDAE-F466-4B97-A8ED-69DE41B6E4BD}" dt="2025-02-28T12:44:16.335" v="633" actId="47"/>
       <pc:docMkLst>
         <pc:docMk/>
       </pc:docMkLst>
+      <pc:sldChg chg="addSp modSp mod">
+        <pc:chgData name="Natalia Cueca" userId="8ce537462a3d960c" providerId="LiveId" clId="{D853DDAE-F466-4B97-A8ED-69DE41B6E4BD}" dt="2025-02-28T12:30:10.912" v="529" actId="207"/>
+        <pc:sldMkLst>
+          <pc:docMk/>
+          <pc:sldMk cId="4185235164" sldId="261"/>
+        </pc:sldMkLst>
+        <pc:spChg chg="add mod">
+          <ac:chgData name="Natalia Cueca" userId="8ce537462a3d960c" providerId="LiveId" clId="{D853DDAE-F466-4B97-A8ED-69DE41B6E4BD}" dt="2025-02-28T12:30:10.912" v="529" actId="207"/>
+          <ac:spMkLst>
+            <pc:docMk/>
+            <pc:sldMk cId="4185235164" sldId="261"/>
+            <ac:spMk id="2" creationId="{8D47E166-7637-5475-D115-519F40B4CA72}"/>
+          </ac:spMkLst>
+        </pc:spChg>
+        <pc:picChg chg="mod">
+          <ac:chgData name="Natalia Cueca" userId="8ce537462a3d960c" providerId="LiveId" clId="{D853DDAE-F466-4B97-A8ED-69DE41B6E4BD}" dt="2025-02-28T12:29:18.724" v="523" actId="1076"/>
+          <ac:picMkLst>
+            <pc:docMk/>
+            <pc:sldMk cId="4185235164" sldId="261"/>
+            <ac:picMk id="12" creationId="{56BDA72C-5AA8-2B31-7F62-D06B422BAC51}"/>
+          </ac:picMkLst>
+        </pc:picChg>
+      </pc:sldChg>
+      <pc:sldChg chg="modSp mod">
+        <pc:chgData name="Natalia Cueca" userId="8ce537462a3d960c" providerId="LiveId" clId="{D853DDAE-F466-4B97-A8ED-69DE41B6E4BD}" dt="2025-02-28T12:32:20.158" v="530" actId="207"/>
+        <pc:sldMkLst>
+          <pc:docMk/>
+          <pc:sldMk cId="1336021710" sldId="282"/>
+        </pc:sldMkLst>
+        <pc:spChg chg="mod">
+          <ac:chgData name="Natalia Cueca" userId="8ce537462a3d960c" providerId="LiveId" clId="{D853DDAE-F466-4B97-A8ED-69DE41B6E4BD}" dt="2025-02-28T12:32:20.158" v="530" actId="207"/>
+          <ac:spMkLst>
+            <pc:docMk/>
+            <pc:sldMk cId="1336021710" sldId="282"/>
+            <ac:spMk id="4" creationId="{02835324-DB44-F60B-CF7D-CCFBD56933AF}"/>
+          </ac:spMkLst>
+        </pc:spChg>
+      </pc:sldChg>
       <pc:sldChg chg="modSp mod">
         <pc:chgData name="Natalia Cueca" userId="8ce537462a3d960c" providerId="LiveId" clId="{D853DDAE-F466-4B97-A8ED-69DE41B6E4BD}" dt="2025-02-28T01:40:58.801" v="37" actId="207"/>
         <pc:sldMkLst>
@@ -240,8 +278,100 @@
           </ac:spMkLst>
         </pc:spChg>
       </pc:sldChg>
+      <pc:sldChg chg="addSp modSp mod">
+        <pc:chgData name="Natalia Cueca" userId="8ce537462a3d960c" providerId="LiveId" clId="{D853DDAE-F466-4B97-A8ED-69DE41B6E4BD}" dt="2025-02-28T12:37:00.314" v="557" actId="1076"/>
+        <pc:sldMkLst>
+          <pc:docMk/>
+          <pc:sldMk cId="2227702857" sldId="288"/>
+        </pc:sldMkLst>
+        <pc:spChg chg="add mod ord">
+          <ac:chgData name="Natalia Cueca" userId="8ce537462a3d960c" providerId="LiveId" clId="{D853DDAE-F466-4B97-A8ED-69DE41B6E4BD}" dt="2025-02-28T12:37:00.314" v="557" actId="1076"/>
+          <ac:spMkLst>
+            <pc:docMk/>
+            <pc:sldMk cId="2227702857" sldId="288"/>
+            <ac:spMk id="2" creationId="{3248349F-982F-330E-5532-1414A0D950D5}"/>
+          </ac:spMkLst>
+        </pc:spChg>
+        <pc:picChg chg="mod">
+          <ac:chgData name="Natalia Cueca" userId="8ce537462a3d960c" providerId="LiveId" clId="{D853DDAE-F466-4B97-A8ED-69DE41B6E4BD}" dt="2025-02-28T12:36:57.012" v="556" actId="1076"/>
+          <ac:picMkLst>
+            <pc:docMk/>
+            <pc:sldMk cId="2227702857" sldId="288"/>
+            <ac:picMk id="3" creationId="{F7B0F50A-2AE3-0E62-5295-0EAE37781101}"/>
+          </ac:picMkLst>
+        </pc:picChg>
+        <pc:picChg chg="mod">
+          <ac:chgData name="Natalia Cueca" userId="8ce537462a3d960c" providerId="LiveId" clId="{D853DDAE-F466-4B97-A8ED-69DE41B6E4BD}" dt="2025-02-28T12:35:19.374" v="541" actId="34135"/>
+          <ac:picMkLst>
+            <pc:docMk/>
+            <pc:sldMk cId="2227702857" sldId="288"/>
+            <ac:picMk id="9" creationId="{C3A84EF5-D109-54D4-5681-6111D5F55E24}"/>
+          </ac:picMkLst>
+        </pc:picChg>
+      </pc:sldChg>
+      <pc:sldChg chg="addSp modSp mod">
+        <pc:chgData name="Natalia Cueca" userId="8ce537462a3d960c" providerId="LiveId" clId="{D853DDAE-F466-4B97-A8ED-69DE41B6E4BD}" dt="2025-02-28T12:41:02.708" v="572" actId="207"/>
+        <pc:sldMkLst>
+          <pc:docMk/>
+          <pc:sldMk cId="1552253863" sldId="289"/>
+        </pc:sldMkLst>
+        <pc:spChg chg="add mod">
+          <ac:chgData name="Natalia Cueca" userId="8ce537462a3d960c" providerId="LiveId" clId="{D853DDAE-F466-4B97-A8ED-69DE41B6E4BD}" dt="2025-02-28T12:41:02.708" v="572" actId="207"/>
+          <ac:spMkLst>
+            <pc:docMk/>
+            <pc:sldMk cId="1552253863" sldId="289"/>
+            <ac:spMk id="2" creationId="{500B7AD9-25E1-EC53-ECDB-A0796B212AED}"/>
+          </ac:spMkLst>
+        </pc:spChg>
+        <pc:picChg chg="mod">
+          <ac:chgData name="Natalia Cueca" userId="8ce537462a3d960c" providerId="LiveId" clId="{D853DDAE-F466-4B97-A8ED-69DE41B6E4BD}" dt="2025-02-28T12:40:12.150" v="563" actId="1076"/>
+          <ac:picMkLst>
+            <pc:docMk/>
+            <pc:sldMk cId="1552253863" sldId="289"/>
+            <ac:picMk id="6" creationId="{55D96B78-1F72-0148-0486-AE27E818A303}"/>
+          </ac:picMkLst>
+        </pc:picChg>
+        <pc:picChg chg="mod">
+          <ac:chgData name="Natalia Cueca" userId="8ce537462a3d960c" providerId="LiveId" clId="{D853DDAE-F466-4B97-A8ED-69DE41B6E4BD}" dt="2025-02-28T12:40:26.780" v="567" actId="14100"/>
+          <ac:picMkLst>
+            <pc:docMk/>
+            <pc:sldMk cId="1552253863" sldId="289"/>
+            <ac:picMk id="11" creationId="{73189519-B3C1-2822-7FE1-7C4C743DEE4F}"/>
+          </ac:picMkLst>
+        </pc:picChg>
+      </pc:sldChg>
+      <pc:sldChg chg="addSp delSp modSp mod">
+        <pc:chgData name="Natalia Cueca" userId="8ce537462a3d960c" providerId="LiveId" clId="{D853DDAE-F466-4B97-A8ED-69DE41B6E4BD}" dt="2025-02-28T12:42:19.248" v="578" actId="478"/>
+        <pc:sldMkLst>
+          <pc:docMk/>
+          <pc:sldMk cId="503162278" sldId="290"/>
+        </pc:sldMkLst>
+        <pc:spChg chg="add del mod">
+          <ac:chgData name="Natalia Cueca" userId="8ce537462a3d960c" providerId="LiveId" clId="{D853DDAE-F466-4B97-A8ED-69DE41B6E4BD}" dt="2025-02-28T12:42:19.248" v="578" actId="478"/>
+          <ac:spMkLst>
+            <pc:docMk/>
+            <pc:sldMk cId="503162278" sldId="290"/>
+            <ac:spMk id="6" creationId="{C403978B-A2C0-A67D-7A35-5490E288E0DC}"/>
+          </ac:spMkLst>
+        </pc:spChg>
+      </pc:sldChg>
+      <pc:sldChg chg="addSp modSp mod">
+        <pc:chgData name="Natalia Cueca" userId="8ce537462a3d960c" providerId="LiveId" clId="{D853DDAE-F466-4B97-A8ED-69DE41B6E4BD}" dt="2025-02-28T12:42:25.607" v="580" actId="1076"/>
+        <pc:sldMkLst>
+          <pc:docMk/>
+          <pc:sldMk cId="3142519156" sldId="291"/>
+        </pc:sldMkLst>
+        <pc:spChg chg="add mod">
+          <ac:chgData name="Natalia Cueca" userId="8ce537462a3d960c" providerId="LiveId" clId="{D853DDAE-F466-4B97-A8ED-69DE41B6E4BD}" dt="2025-02-28T12:42:25.607" v="580" actId="1076"/>
+          <ac:spMkLst>
+            <pc:docMk/>
+            <pc:sldMk cId="3142519156" sldId="291"/>
+            <ac:spMk id="6" creationId="{6A4DF6F4-B519-183C-0C05-FEA13C5D1EF2}"/>
+          </ac:spMkLst>
+        </pc:spChg>
+      </pc:sldChg>
       <pc:sldChg chg="modSp add mod">
-        <pc:chgData name="Natalia Cueca" userId="8ce537462a3d960c" providerId="LiveId" clId="{D853DDAE-F466-4B97-A8ED-69DE41B6E4BD}" dt="2025-02-28T01:50:19.394" v="114" actId="20577"/>
+        <pc:chgData name="Natalia Cueca" userId="8ce537462a3d960c" providerId="LiveId" clId="{D853DDAE-F466-4B97-A8ED-69DE41B6E4BD}" dt="2025-02-28T12:32:51.230" v="535" actId="207"/>
         <pc:sldMkLst>
           <pc:docMk/>
           <pc:sldMk cId="645897698" sldId="294"/>
@@ -255,7 +385,7 @@
           </ac:spMkLst>
         </pc:spChg>
         <pc:spChg chg="mod">
-          <ac:chgData name="Natalia Cueca" userId="8ce537462a3d960c" providerId="LiveId" clId="{D853DDAE-F466-4B97-A8ED-69DE41B6E4BD}" dt="2025-02-28T01:50:08.613" v="108" actId="113"/>
+          <ac:chgData name="Natalia Cueca" userId="8ce537462a3d960c" providerId="LiveId" clId="{D853DDAE-F466-4B97-A8ED-69DE41B6E4BD}" dt="2025-02-28T12:32:51.230" v="535" actId="207"/>
           <ac:spMkLst>
             <pc:docMk/>
             <pc:sldMk cId="645897698" sldId="294"/>
@@ -264,7 +394,7 @@
         </pc:spChg>
       </pc:sldChg>
       <pc:sldChg chg="addSp delSp modSp add mod">
-        <pc:chgData name="Natalia Cueca" userId="8ce537462a3d960c" providerId="LiveId" clId="{D853DDAE-F466-4B97-A8ED-69DE41B6E4BD}" dt="2025-02-28T01:58:46.376" v="514" actId="313"/>
+        <pc:chgData name="Natalia Cueca" userId="8ce537462a3d960c" providerId="LiveId" clId="{D853DDAE-F466-4B97-A8ED-69DE41B6E4BD}" dt="2025-02-28T12:39:57.232" v="561"/>
         <pc:sldMkLst>
           <pc:docMk/>
           <pc:sldMk cId="1185007189" sldId="295"/>
@@ -278,13 +408,59 @@
           </ac:spMkLst>
         </pc:spChg>
         <pc:spChg chg="add del mod">
-          <ac:chgData name="Natalia Cueca" userId="8ce537462a3d960c" providerId="LiveId" clId="{D853DDAE-F466-4B97-A8ED-69DE41B6E4BD}" dt="2025-02-28T01:58:46.376" v="514" actId="313"/>
+          <ac:chgData name="Natalia Cueca" userId="8ce537462a3d960c" providerId="LiveId" clId="{D853DDAE-F466-4B97-A8ED-69DE41B6E4BD}" dt="2025-02-28T12:39:57.232" v="561"/>
           <ac:spMkLst>
             <pc:docMk/>
             <pc:sldMk cId="1185007189" sldId="295"/>
             <ac:spMk id="4" creationId="{75C3F5AC-00F5-A14B-86BD-27C7AEC44A1A}"/>
           </ac:spMkLst>
         </pc:spChg>
+      </pc:sldChg>
+      <pc:sldChg chg="new del">
+        <pc:chgData name="Natalia Cueca" userId="8ce537462a3d960c" providerId="LiveId" clId="{D853DDAE-F466-4B97-A8ED-69DE41B6E4BD}" dt="2025-02-28T12:24:58.776" v="517" actId="680"/>
+        <pc:sldMkLst>
+          <pc:docMk/>
+          <pc:sldMk cId="537943255" sldId="296"/>
+        </pc:sldMkLst>
+      </pc:sldChg>
+      <pc:sldChg chg="addSp delSp modSp add del mod">
+        <pc:chgData name="Natalia Cueca" userId="8ce537462a3d960c" providerId="LiveId" clId="{D853DDAE-F466-4B97-A8ED-69DE41B6E4BD}" dt="2025-02-28T12:44:16.335" v="633" actId="47"/>
+        <pc:sldMkLst>
+          <pc:docMk/>
+          <pc:sldMk cId="4024598547" sldId="296"/>
+        </pc:sldMkLst>
+        <pc:spChg chg="mod">
+          <ac:chgData name="Natalia Cueca" userId="8ce537462a3d960c" providerId="LiveId" clId="{D853DDAE-F466-4B97-A8ED-69DE41B6E4BD}" dt="2025-02-28T12:42:54.938" v="621" actId="20577"/>
+          <ac:spMkLst>
+            <pc:docMk/>
+            <pc:sldMk cId="4024598547" sldId="296"/>
+            <ac:spMk id="5" creationId="{986C37BD-FDFC-3191-5B3C-1C26D99B4AC1}"/>
+          </ac:spMkLst>
+        </pc:spChg>
+        <pc:spChg chg="add del mod">
+          <ac:chgData name="Natalia Cueca" userId="8ce537462a3d960c" providerId="LiveId" clId="{D853DDAE-F466-4B97-A8ED-69DE41B6E4BD}" dt="2025-02-28T12:44:14.507" v="632" actId="478"/>
+          <ac:spMkLst>
+            <pc:docMk/>
+            <pc:sldMk cId="4024598547" sldId="296"/>
+            <ac:spMk id="12" creationId="{005A07C4-9131-2F57-06B2-9F26031B19CE}"/>
+          </ac:spMkLst>
+        </pc:spChg>
+        <pc:picChg chg="del">
+          <ac:chgData name="Natalia Cueca" userId="8ce537462a3d960c" providerId="LiveId" clId="{D853DDAE-F466-4B97-A8ED-69DE41B6E4BD}" dt="2025-02-28T12:42:44.091" v="582" actId="478"/>
+          <ac:picMkLst>
+            <pc:docMk/>
+            <pc:sldMk cId="4024598547" sldId="296"/>
+            <ac:picMk id="7" creationId="{ABE107E7-EEE0-E5CE-D749-8CFDCC0A3BD6}"/>
+          </ac:picMkLst>
+        </pc:picChg>
+        <pc:picChg chg="add mod modCrop">
+          <ac:chgData name="Natalia Cueca" userId="8ce537462a3d960c" providerId="LiveId" clId="{D853DDAE-F466-4B97-A8ED-69DE41B6E4BD}" dt="2025-02-28T12:43:41.269" v="628" actId="1076"/>
+          <ac:picMkLst>
+            <pc:docMk/>
+            <pc:sldMk cId="4024598547" sldId="296"/>
+            <ac:picMk id="9" creationId="{B0AAE4CC-0C21-D334-D593-9DEA4EAA0BB5}"/>
+          </ac:picMkLst>
+        </pc:picChg>
       </pc:sldChg>
     </pc:docChg>
   </pc:docChgLst>
@@ -436,7 +612,7 @@
           <a:p>
             <a:fld id="{6B13E5EF-1DFD-44FE-883B-9E16D519F591}" type="datetimeFigureOut">
               <a:rPr lang="es-CO" smtClean="0"/>
-              <a:t>27/02/2025</a:t>
+              <a:t>28/02/2025</a:t>
             </a:fld>
             <a:endParaRPr lang="es-CO"/>
           </a:p>
@@ -1173,7 +1349,7 @@
           <a:p>
             <a:fld id="{B3030C24-9424-B24A-8613-79990C3AA492}" type="datetimeFigureOut">
               <a:rPr lang="es-ES" smtClean="0"/>
-              <a:t>27/02/2025</a:t>
+              <a:t>28/02/2025</a:t>
             </a:fld>
             <a:endParaRPr lang="es-ES"/>
           </a:p>
@@ -1353,7 +1529,7 @@
           <a:p>
             <a:fld id="{B3030C24-9424-B24A-8613-79990C3AA492}" type="datetimeFigureOut">
               <a:rPr lang="es-ES" smtClean="0"/>
-              <a:t>27/02/2025</a:t>
+              <a:t>28/02/2025</a:t>
             </a:fld>
             <a:endParaRPr lang="es-ES"/>
           </a:p>
@@ -1990,7 +2166,7 @@
           <a:p>
             <a:fld id="{B3030C24-9424-B24A-8613-79990C3AA492}" type="datetimeFigureOut">
               <a:rPr lang="es-ES" smtClean="0"/>
-              <a:t>27/02/2025</a:t>
+              <a:t>28/02/2025</a:t>
             </a:fld>
             <a:endParaRPr lang="es-ES"/>
           </a:p>
@@ -2243,7 +2419,7 @@
           <a:p>
             <a:fld id="{B3030C24-9424-B24A-8613-79990C3AA492}" type="datetimeFigureOut">
               <a:rPr lang="es-ES" smtClean="0"/>
-              <a:t>27/02/2025</a:t>
+              <a:t>28/02/2025</a:t>
             </a:fld>
             <a:endParaRPr lang="es-ES"/>
           </a:p>
@@ -2456,7 +2632,7 @@
           <a:p>
             <a:fld id="{B3030C24-9424-B24A-8613-79990C3AA492}" type="datetimeFigureOut">
               <a:rPr lang="es-ES" smtClean="0"/>
-              <a:t>27/02/2025</a:t>
+              <a:t>28/02/2025</a:t>
             </a:fld>
             <a:endParaRPr lang="es-ES"/>
           </a:p>
@@ -3634,6 +3810,7 @@
       <p:pic>
         <p:nvPicPr>
           <p:cNvPr id="12" name="Imagen 11">
+            <a:hlinkClick r:id="rId2"/>
             <a:extLst>
               <a:ext uri="{FF2B5EF4-FFF2-40B4-BE49-F238E27FC236}">
                 <a16:creationId xmlns:a16="http://schemas.microsoft.com/office/drawing/2014/main" id="{56BDA72C-5AA8-2B31-7F62-D06B422BAC51}"/>
@@ -3646,15 +3823,15 @@
           <p:nvPr/>
         </p:nvPicPr>
         <p:blipFill>
-          <a:blip r:embed="rId2"/>
+          <a:blip r:embed="rId3"/>
           <a:stretch>
             <a:fillRect/>
           </a:stretch>
         </p:blipFill>
         <p:spPr>
           <a:xfrm>
-            <a:off x="251138" y="925960"/>
-            <a:ext cx="8641723" cy="4105645"/>
+            <a:off x="152400" y="983674"/>
+            <a:ext cx="8641723" cy="3446482"/>
           </a:xfrm>
           <a:prstGeom prst="rect">
             <a:avLst/>
@@ -3676,7 +3853,7 @@
           <p:nvPr/>
         </p:nvPicPr>
         <p:blipFill>
-          <a:blip r:embed="rId3"/>
+          <a:blip r:embed="rId4"/>
           <a:srcRect l="10652" t="14336" r="9696" b="9341"/>
           <a:stretch/>
         </p:blipFill>
@@ -3690,6 +3867,63 @@
           </a:prstGeom>
         </p:spPr>
       </p:pic>
+      <p:sp>
+        <p:nvSpPr>
+          <p:cNvPr id="2" name="CuadroTexto 1">
+            <a:extLst>
+              <a:ext uri="{FF2B5EF4-FFF2-40B4-BE49-F238E27FC236}">
+                <a16:creationId xmlns:a16="http://schemas.microsoft.com/office/drawing/2014/main" id="{8D47E166-7637-5475-D115-519F40B4CA72}"/>
+              </a:ext>
+            </a:extLst>
+          </p:cNvPr>
+          <p:cNvSpPr txBox="1"/>
+          <p:nvPr/>
+        </p:nvSpPr>
+        <p:spPr>
+          <a:xfrm>
+            <a:off x="288388" y="4497169"/>
+            <a:ext cx="8925950" cy="584775"/>
+          </a:xfrm>
+          <a:prstGeom prst="rect">
+            <a:avLst/>
+          </a:prstGeom>
+          <a:noFill/>
+        </p:spPr>
+        <p:txBody>
+          <a:bodyPr wrap="square" rtlCol="0">
+            <a:spAutoFit/>
+          </a:bodyPr>
+          <a:lstStyle/>
+          <a:p>
+            <a:r>
+              <a:rPr lang="es-CO" sz="1600" dirty="0">
+                <a:solidFill>
+                  <a:schemeClr val="tx1">
+                    <a:lumMod val="65000"/>
+                    <a:lumOff val="35000"/>
+                  </a:schemeClr>
+                </a:solidFill>
+                <a:hlinkClick r:id="rId5">
+                  <a:extLst>
+                    <a:ext uri="{A12FA001-AC4F-418D-AE19-62706E023703}">
+                      <ahyp:hlinkClr xmlns:ahyp="http://schemas.microsoft.com/office/drawing/2018/hyperlinkcolor" val="tx"/>
+                    </a:ext>
+                  </a:extLst>
+                </a:hlinkClick>
+              </a:rPr>
+              <a:t>https://d.docs.live.net/8ce537462a3d960c/Documentos/ProyectoBrisasGems/Trimestre%202/2.%20BPMN%20Diagrama%20estado%20Actual%20Brisas%20Gems.pdf</a:t>
+            </a:r>
+            <a:endParaRPr lang="es-CO" sz="1600" dirty="0">
+              <a:solidFill>
+                <a:schemeClr val="tx1">
+                  <a:lumMod val="65000"/>
+                  <a:lumOff val="35000"/>
+                </a:schemeClr>
+              </a:solidFill>
+            </a:endParaRPr>
+          </a:p>
+        </p:txBody>
+      </p:sp>
     </p:spTree>
     <p:extLst>
       <p:ext uri="{BB962C8B-B14F-4D97-AF65-F5344CB8AC3E}">
@@ -4654,7 +4888,7 @@
         <p:spPr>
           <a:xfrm>
             <a:off x="141543" y="1340887"/>
-            <a:ext cx="8261922" cy="3249608"/>
+            <a:ext cx="8261922" cy="3495829"/>
           </a:xfrm>
           <a:prstGeom prst="rect">
             <a:avLst/>
@@ -4788,7 +5022,32 @@
             <a:endParaRPr lang="es-MX" sz="1600" dirty="0"/>
           </a:p>
           <a:p>
-            <a:endParaRPr lang="es-MX" sz="1600" dirty="0"/>
+            <a:r>
+              <a:rPr lang="es-MX" sz="1600" dirty="0">
+                <a:solidFill>
+                  <a:schemeClr val="tx1">
+                    <a:lumMod val="65000"/>
+                    <a:lumOff val="35000"/>
+                  </a:schemeClr>
+                </a:solidFill>
+                <a:hlinkClick r:id="rId2">
+                  <a:extLst>
+                    <a:ext uri="{A12FA001-AC4F-418D-AE19-62706E023703}">
+                      <ahyp:hlinkClr xmlns:ahyp="http://schemas.microsoft.com/office/drawing/2018/hyperlinkcolor" val="tx"/>
+                    </a:ext>
+                  </a:extLst>
+                </a:hlinkClick>
+              </a:rPr>
+              <a:t>https://d.docs.live.net/8ce537462a3d960c/Documentos/ProyectoBrisasGems/Trimestre%202/3.%20Entrevista.docx</a:t>
+            </a:r>
+            <a:endParaRPr lang="es-MX" sz="1600" dirty="0">
+              <a:solidFill>
+                <a:schemeClr val="tx1">
+                  <a:lumMod val="65000"/>
+                  <a:lumOff val="35000"/>
+                </a:schemeClr>
+              </a:solidFill>
+            </a:endParaRPr>
           </a:p>
           <a:p>
             <a:pPr marL="285750" indent="-285750">
@@ -6502,7 +6761,7 @@
         <p:spPr>
           <a:xfrm>
             <a:off x="141543" y="1134825"/>
-            <a:ext cx="8261922" cy="2764859"/>
+            <a:ext cx="8261922" cy="3749744"/>
           </a:xfrm>
           <a:prstGeom prst="rect">
             <a:avLst/>
@@ -6595,6 +6854,72 @@
               </a:rPr>
               <a:t>RF-044 Exportar reportes en formato PDF y CSV</a:t>
             </a:r>
+            <a:br>
+              <a:rPr lang="es-CO" sz="1600" dirty="0">
+                <a:solidFill>
+                  <a:schemeClr val="tx1">
+                    <a:lumMod val="75000"/>
+                    <a:lumOff val="25000"/>
+                  </a:schemeClr>
+                </a:solidFill>
+                <a:effectLst/>
+                <a:ea typeface="Times New Roman" panose="02020603050405020304" pitchFamily="18" charset="0"/>
+              </a:rPr>
+            </a:br>
+            <a:br>
+              <a:rPr lang="es-CO" sz="1600" dirty="0">
+                <a:solidFill>
+                  <a:schemeClr val="tx1">
+                    <a:lumMod val="75000"/>
+                    <a:lumOff val="25000"/>
+                  </a:schemeClr>
+                </a:solidFill>
+                <a:effectLst/>
+                <a:ea typeface="Times New Roman" panose="02020603050405020304" pitchFamily="18" charset="0"/>
+              </a:rPr>
+            </a:br>
+            <a:br>
+              <a:rPr lang="es-CO" sz="1600" dirty="0">
+                <a:solidFill>
+                  <a:schemeClr val="tx1">
+                    <a:lumMod val="65000"/>
+                    <a:lumOff val="35000"/>
+                  </a:schemeClr>
+                </a:solidFill>
+                <a:effectLst/>
+                <a:ea typeface="Times New Roman" panose="02020603050405020304" pitchFamily="18" charset="0"/>
+              </a:rPr>
+            </a:br>
+            <a:r>
+              <a:rPr lang="es-CO" sz="1600" dirty="0">
+                <a:solidFill>
+                  <a:schemeClr val="tx1">
+                    <a:lumMod val="65000"/>
+                    <a:lumOff val="35000"/>
+                  </a:schemeClr>
+                </a:solidFill>
+                <a:effectLst/>
+                <a:ea typeface="Times New Roman" panose="02020603050405020304" pitchFamily="18" charset="0"/>
+                <a:hlinkClick r:id="rId2">
+                  <a:extLst>
+                    <a:ext uri="{A12FA001-AC4F-418D-AE19-62706E023703}">
+                      <ahyp:hlinkClr xmlns:ahyp="http://schemas.microsoft.com/office/drawing/2018/hyperlinkcolor" val="tx"/>
+                    </a:ext>
+                  </a:extLst>
+                </a:hlinkClick>
+              </a:rPr>
+              <a:t>https://d.docs.live.net/8ce537462a3d960c/Documentos/ProyectoBrisasGems/Trimestre%202/4.%20Formato%20Software%20Requirements%20Specification%20(SRS).docx</a:t>
+            </a:r>
+            <a:endParaRPr lang="es-CO" sz="1600" dirty="0">
+              <a:solidFill>
+                <a:schemeClr val="tx1">
+                  <a:lumMod val="65000"/>
+                  <a:lumOff val="35000"/>
+                </a:schemeClr>
+              </a:solidFill>
+              <a:effectLst/>
+              <a:ea typeface="Times New Roman" panose="02020603050405020304" pitchFamily="18" charset="0"/>
+            </a:endParaRPr>
           </a:p>
           <a:p>
             <a:endParaRPr lang="es-CO" sz="1800" dirty="0">
@@ -6711,7 +7036,7 @@
         <p:spPr>
           <a:xfrm>
             <a:off x="247050" y="1303637"/>
-            <a:ext cx="8261922" cy="3293209"/>
+            <a:ext cx="8261922" cy="4524315"/>
           </a:xfrm>
           <a:prstGeom prst="rect">
             <a:avLst/>
@@ -6852,6 +7177,68 @@
               </a:rPr>
               <a:t>RNF-010  Integridad con WhatsApp</a:t>
             </a:r>
+          </a:p>
+          <a:p>
+            <a:endParaRPr lang="es-MX" sz="1600" dirty="0">
+              <a:solidFill>
+                <a:schemeClr val="tx1">
+                  <a:lumMod val="75000"/>
+                  <a:lumOff val="25000"/>
+                </a:schemeClr>
+              </a:solidFill>
+            </a:endParaRPr>
+          </a:p>
+          <a:p>
+            <a:endParaRPr lang="es-MX" sz="1600" dirty="0">
+              <a:solidFill>
+                <a:schemeClr val="tx1">
+                  <a:lumMod val="75000"/>
+                  <a:lumOff val="25000"/>
+                </a:schemeClr>
+              </a:solidFill>
+            </a:endParaRPr>
+          </a:p>
+          <a:p>
+            <a:r>
+              <a:rPr lang="es-CO" sz="1600" dirty="0">
+                <a:solidFill>
+                  <a:schemeClr val="tx1">
+                    <a:lumMod val="65000"/>
+                    <a:lumOff val="35000"/>
+                  </a:schemeClr>
+                </a:solidFill>
+                <a:effectLst/>
+                <a:ea typeface="Times New Roman" panose="02020603050405020304" pitchFamily="18" charset="0"/>
+                <a:hlinkClick r:id="rId2">
+                  <a:extLst>
+                    <a:ext uri="{A12FA001-AC4F-418D-AE19-62706E023703}">
+                      <ahyp:hlinkClr xmlns:ahyp="http://schemas.microsoft.com/office/drawing/2018/hyperlinkcolor" val="tx"/>
+                    </a:ext>
+                  </a:extLst>
+                </a:hlinkClick>
+              </a:rPr>
+              <a:t>https://d.docs.live.net/8ce537462a3d960c/Documentos/ProyectoBrisasGems/Trimestre%202/4.%20Formato%20Software%20Requirements%20Specification%20(SRS).docx</a:t>
+            </a:r>
+            <a:endParaRPr lang="es-CO" sz="1600" dirty="0">
+              <a:solidFill>
+                <a:schemeClr val="tx1">
+                  <a:lumMod val="65000"/>
+                  <a:lumOff val="35000"/>
+                </a:schemeClr>
+              </a:solidFill>
+              <a:effectLst/>
+              <a:ea typeface="Times New Roman" panose="02020603050405020304" pitchFamily="18" charset="0"/>
+            </a:endParaRPr>
+          </a:p>
+          <a:p>
+            <a:endParaRPr lang="es-MX" sz="1600" dirty="0">
+              <a:solidFill>
+                <a:schemeClr val="tx1">
+                  <a:lumMod val="75000"/>
+                  <a:lumOff val="25000"/>
+                </a:schemeClr>
+              </a:solidFill>
+            </a:endParaRPr>
           </a:p>
           <a:p>
             <a:endParaRPr lang="es-MX" sz="1600" dirty="0"/>
@@ -7544,7 +7931,7 @@
         </p:blipFill>
         <p:spPr>
           <a:xfrm>
-            <a:off x="2806503" y="888989"/>
+            <a:off x="175847" y="831275"/>
             <a:ext cx="3016631" cy="4132876"/>
           </a:xfrm>
           <a:prstGeom prst="rect">
@@ -7574,14 +7961,72 @@
         </p:blipFill>
         <p:spPr>
           <a:xfrm>
-            <a:off x="5842823" y="888989"/>
-            <a:ext cx="2724530" cy="3810532"/>
+            <a:off x="4876489" y="888989"/>
+            <a:ext cx="3562712" cy="3810532"/>
           </a:xfrm>
           <a:prstGeom prst="rect">
             <a:avLst/>
           </a:prstGeom>
         </p:spPr>
       </p:pic>
+      <p:sp>
+        <p:nvSpPr>
+          <p:cNvPr id="2" name="CuadroTexto 1">
+            <a:hlinkClick r:id="rId5"/>
+            <a:extLst>
+              <a:ext uri="{FF2B5EF4-FFF2-40B4-BE49-F238E27FC236}">
+                <a16:creationId xmlns:a16="http://schemas.microsoft.com/office/drawing/2014/main" id="{3248349F-982F-330E-5532-1414A0D950D5}"/>
+              </a:ext>
+            </a:extLst>
+          </p:cNvPr>
+          <p:cNvSpPr txBox="1"/>
+          <p:nvPr/>
+        </p:nvSpPr>
+        <p:spPr>
+          <a:xfrm>
+            <a:off x="3319974" y="2276415"/>
+            <a:ext cx="5648179" cy="830997"/>
+          </a:xfrm>
+          <a:prstGeom prst="rect">
+            <a:avLst/>
+          </a:prstGeom>
+          <a:noFill/>
+        </p:spPr>
+        <p:txBody>
+          <a:bodyPr wrap="square" rtlCol="0">
+            <a:spAutoFit/>
+          </a:bodyPr>
+          <a:lstStyle/>
+          <a:p>
+            <a:r>
+              <a:rPr lang="es-CO" sz="1600" dirty="0">
+                <a:solidFill>
+                  <a:schemeClr val="tx1">
+                    <a:lumMod val="65000"/>
+                    <a:lumOff val="35000"/>
+                  </a:schemeClr>
+                </a:solidFill>
+                <a:hlinkClick r:id="rId5">
+                  <a:extLst>
+                    <a:ext uri="{A12FA001-AC4F-418D-AE19-62706E023703}">
+                      <ahyp:hlinkClr xmlns:ahyp="http://schemas.microsoft.com/office/drawing/2018/hyperlinkcolor" val="tx"/>
+                    </a:ext>
+                  </a:extLst>
+                </a:hlinkClick>
+              </a:rPr>
+              <a:t>https://d.docs.live.net/8ce537462a3d960c/Documentos/ProyectoBrisasGems/Trimestre%202/5.%20Diagrama%20de%20casos%20de%20uso.vpp</a:t>
+            </a:r>
+            <a:endParaRPr lang="es-CO" sz="1600" dirty="0">
+              <a:solidFill>
+                <a:schemeClr val="tx1">
+                  <a:lumMod val="65000"/>
+                  <a:lumOff val="35000"/>
+                </a:schemeClr>
+              </a:solidFill>
+            </a:endParaRPr>
+          </a:p>
+        </p:txBody>
+      </p:sp>
     </p:spTree>
     <p:extLst>
       <p:ext uri="{BB962C8B-B14F-4D97-AF65-F5344CB8AC3E}">
@@ -7901,8 +8346,8 @@
         </p:blipFill>
         <p:spPr>
           <a:xfrm>
-            <a:off x="152400" y="1088265"/>
-            <a:ext cx="4298920" cy="3681748"/>
+            <a:off x="246184" y="925960"/>
+            <a:ext cx="3930815" cy="3366490"/>
           </a:xfrm>
           <a:prstGeom prst="rect">
             <a:avLst/>
@@ -7931,14 +8376,71 @@
         </p:blipFill>
         <p:spPr>
           <a:xfrm>
-            <a:off x="4572000" y="1088265"/>
-            <a:ext cx="4475408" cy="3681748"/>
+            <a:off x="4818184" y="925961"/>
+            <a:ext cx="4079631" cy="3356158"/>
           </a:xfrm>
           <a:prstGeom prst="rect">
             <a:avLst/>
           </a:prstGeom>
         </p:spPr>
       </p:pic>
+      <p:sp>
+        <p:nvSpPr>
+          <p:cNvPr id="2" name="CuadroTexto 1">
+            <a:extLst>
+              <a:ext uri="{FF2B5EF4-FFF2-40B4-BE49-F238E27FC236}">
+                <a16:creationId xmlns:a16="http://schemas.microsoft.com/office/drawing/2014/main" id="{500B7AD9-25E1-EC53-ECDB-A0796B212AED}"/>
+              </a:ext>
+            </a:extLst>
+          </p:cNvPr>
+          <p:cNvSpPr txBox="1"/>
+          <p:nvPr/>
+        </p:nvSpPr>
+        <p:spPr>
+          <a:xfrm>
+            <a:off x="309489" y="4487594"/>
+            <a:ext cx="8525022" cy="584775"/>
+          </a:xfrm>
+          <a:prstGeom prst="rect">
+            <a:avLst/>
+          </a:prstGeom>
+          <a:noFill/>
+        </p:spPr>
+        <p:txBody>
+          <a:bodyPr wrap="square" rtlCol="0">
+            <a:spAutoFit/>
+          </a:bodyPr>
+          <a:lstStyle/>
+          <a:p>
+            <a:r>
+              <a:rPr lang="es-CO" sz="1600" dirty="0">
+                <a:solidFill>
+                  <a:schemeClr val="tx1">
+                    <a:lumMod val="65000"/>
+                    <a:lumOff val="35000"/>
+                  </a:schemeClr>
+                </a:solidFill>
+                <a:hlinkClick r:id="rId5">
+                  <a:extLst>
+                    <a:ext uri="{A12FA001-AC4F-418D-AE19-62706E023703}">
+                      <ahyp:hlinkClr xmlns:ahyp="http://schemas.microsoft.com/office/drawing/2018/hyperlinkcolor" val="tx"/>
+                    </a:ext>
+                  </a:extLst>
+                </a:hlinkClick>
+              </a:rPr>
+              <a:t>https://d.docs.live.net/8ce537462a3d960c/Documentos/ProyectoBrisasGems/Trimestre%202/5.%20Casos%20de%20uso%20Extendido.docx</a:t>
+            </a:r>
+            <a:endParaRPr lang="es-CO" sz="1600" dirty="0">
+              <a:solidFill>
+                <a:schemeClr val="tx1">
+                  <a:lumMod val="65000"/>
+                  <a:lumOff val="35000"/>
+                </a:schemeClr>
+              </a:solidFill>
+            </a:endParaRPr>
+          </a:p>
+        </p:txBody>
+      </p:sp>
     </p:spTree>
     <p:extLst>
       <p:ext uri="{BB962C8B-B14F-4D97-AF65-F5344CB8AC3E}">
@@ -8899,6 +9401,99 @@
           </a:prstGeom>
         </p:spPr>
       </p:pic>
+      <p:sp>
+        <p:nvSpPr>
+          <p:cNvPr id="6" name="CuadroTexto 5">
+            <a:extLst>
+              <a:ext uri="{FF2B5EF4-FFF2-40B4-BE49-F238E27FC236}">
+                <a16:creationId xmlns:a16="http://schemas.microsoft.com/office/drawing/2014/main" id="{6A4DF6F4-B519-183C-0C05-FEA13C5D1EF2}"/>
+              </a:ext>
+            </a:extLst>
+          </p:cNvPr>
+          <p:cNvSpPr txBox="1"/>
+          <p:nvPr/>
+        </p:nvSpPr>
+        <p:spPr>
+          <a:xfrm>
+            <a:off x="334386" y="4280832"/>
+            <a:ext cx="8525022" cy="584775"/>
+          </a:xfrm>
+          <a:prstGeom prst="rect">
+            <a:avLst/>
+          </a:prstGeom>
+          <a:noFill/>
+        </p:spPr>
+        <p:txBody>
+          <a:bodyPr wrap="square" rtlCol="0">
+            <a:spAutoFit/>
+          </a:bodyPr>
+          <a:lstStyle/>
+          <a:p>
+            <a:r>
+              <a:rPr lang="es-CO" sz="1600" dirty="0">
+                <a:solidFill>
+                  <a:schemeClr val="tx1">
+                    <a:lumMod val="65000"/>
+                    <a:lumOff val="35000"/>
+                  </a:schemeClr>
+                </a:solidFill>
+                <a:hlinkClick r:id="rId6">
+                  <a:extLst>
+                    <a:ext uri="{A12FA001-AC4F-418D-AE19-62706E023703}">
+                      <ahyp:hlinkClr xmlns:ahyp="http://schemas.microsoft.com/office/drawing/2018/hyperlinkcolor" val="tx"/>
+                    </a:ext>
+                  </a:extLst>
+                </a:hlinkClick>
+              </a:rPr>
+              <a:t>https://d.docs.live.net/8ce537462a3d960c/Documentos/</a:t>
+            </a:r>
+            <a:r>
+              <a:rPr lang="es-CO" sz="1600" dirty="0" err="1">
+                <a:solidFill>
+                  <a:schemeClr val="tx1">
+                    <a:lumMod val="65000"/>
+                    <a:lumOff val="35000"/>
+                  </a:schemeClr>
+                </a:solidFill>
+                <a:hlinkClick r:id="rId6">
+                  <a:extLst>
+                    <a:ext uri="{A12FA001-AC4F-418D-AE19-62706E023703}">
+                      <ahyp:hlinkClr xmlns:ahyp="http://schemas.microsoft.com/office/drawing/2018/hyperlinkcolor" val="tx"/>
+                    </a:ext>
+                  </a:extLst>
+                </a:hlinkClick>
+              </a:rPr>
+              <a:t>ProyectoBrisasGems</a:t>
+            </a:r>
+            <a:r>
+              <a:rPr lang="es-CO" sz="1600" dirty="0">
+                <a:solidFill>
+                  <a:schemeClr val="tx1">
+                    <a:lumMod val="65000"/>
+                    <a:lumOff val="35000"/>
+                  </a:schemeClr>
+                </a:solidFill>
+                <a:hlinkClick r:id="rId6">
+                  <a:extLst>
+                    <a:ext uri="{A12FA001-AC4F-418D-AE19-62706E023703}">
+                      <ahyp:hlinkClr xmlns:ahyp="http://schemas.microsoft.com/office/drawing/2018/hyperlinkcolor" val="tx"/>
+                    </a:ext>
+                  </a:extLst>
+                </a:hlinkClick>
+              </a:rPr>
+              <a:t>/Trimestre%202/7.%20Fichas%20tecnicas/Ficha%20técnica%20Hardware%20y%20Software_PROYECTO.xlsx</a:t>
+            </a:r>
+            <a:endParaRPr lang="es-CO" sz="1600" dirty="0">
+              <a:solidFill>
+                <a:schemeClr val="tx1">
+                  <a:lumMod val="65000"/>
+                  <a:lumOff val="35000"/>
+                </a:schemeClr>
+              </a:solidFill>
+            </a:endParaRPr>
+          </a:p>
+        </p:txBody>
+      </p:sp>
     </p:spTree>
     <p:extLst>
       <p:ext uri="{BB962C8B-B14F-4D97-AF65-F5344CB8AC3E}">

--- a/Trimestre 2/1. Presentación proyecto plantilla SENA.pptx
+++ b/Trimestre 2/1. Presentación proyecto plantilla SENA.pptx
@@ -158,7 +158,7 @@
 <file path=ppt/revisionInfo.xml><?xml version="1.0" encoding="utf-8"?>
 <p1510:revInfo xmlns:a="http://schemas.openxmlformats.org/drawingml/2006/main" xmlns:r="http://schemas.openxmlformats.org/officeDocument/2006/relationships" xmlns:p1510="http://schemas.microsoft.com/office/powerpoint/2015/10/main">
   <p1510:revLst>
-    <p1510:client id="{D853DDAE-F466-4B97-A8ED-69DE41B6E4BD}" v="18" dt="2025-02-28T12:44:11.722"/>
+    <p1510:client id="{D853DDAE-F466-4B97-A8ED-69DE41B6E4BD}" v="20" dt="2025-02-28T12:52:39.937"/>
   </p1510:revLst>
 </p1510:revInfo>
 </file>
@@ -168,7 +168,7 @@
   <pc:docChgLst>
     <pc:chgData name="Natalia Cueca" userId="8ce537462a3d960c" providerId="LiveId" clId="{D853DDAE-F466-4B97-A8ED-69DE41B6E4BD}"/>
     <pc:docChg chg="undo custSel addSld delSld modSld">
-      <pc:chgData name="Natalia Cueca" userId="8ce537462a3d960c" providerId="LiveId" clId="{D853DDAE-F466-4B97-A8ED-69DE41B6E4BD}" dt="2025-02-28T12:44:16.335" v="633" actId="47"/>
+      <pc:chgData name="Natalia Cueca" userId="8ce537462a3d960c" providerId="LiveId" clId="{D853DDAE-F466-4B97-A8ED-69DE41B6E4BD}" dt="2025-02-28T12:52:45.457" v="639" actId="207"/>
       <pc:docMkLst>
         <pc:docMk/>
       </pc:docMkLst>
@@ -371,7 +371,7 @@
         </pc:spChg>
       </pc:sldChg>
       <pc:sldChg chg="modSp add mod">
-        <pc:chgData name="Natalia Cueca" userId="8ce537462a3d960c" providerId="LiveId" clId="{D853DDAE-F466-4B97-A8ED-69DE41B6E4BD}" dt="2025-02-28T12:32:51.230" v="535" actId="207"/>
+        <pc:chgData name="Natalia Cueca" userId="8ce537462a3d960c" providerId="LiveId" clId="{D853DDAE-F466-4B97-A8ED-69DE41B6E4BD}" dt="2025-02-28T12:52:45.457" v="639" actId="207"/>
         <pc:sldMkLst>
           <pc:docMk/>
           <pc:sldMk cId="645897698" sldId="294"/>
@@ -385,7 +385,7 @@
           </ac:spMkLst>
         </pc:spChg>
         <pc:spChg chg="mod">
-          <ac:chgData name="Natalia Cueca" userId="8ce537462a3d960c" providerId="LiveId" clId="{D853DDAE-F466-4B97-A8ED-69DE41B6E4BD}" dt="2025-02-28T12:32:51.230" v="535" actId="207"/>
+          <ac:chgData name="Natalia Cueca" userId="8ce537462a3d960c" providerId="LiveId" clId="{D853DDAE-F466-4B97-A8ED-69DE41B6E4BD}" dt="2025-02-28T12:52:45.457" v="639" actId="207"/>
           <ac:spMkLst>
             <pc:docMk/>
             <pc:sldMk cId="645897698" sldId="294"/>
@@ -394,7 +394,7 @@
         </pc:spChg>
       </pc:sldChg>
       <pc:sldChg chg="addSp delSp modSp add mod">
-        <pc:chgData name="Natalia Cueca" userId="8ce537462a3d960c" providerId="LiveId" clId="{D853DDAE-F466-4B97-A8ED-69DE41B6E4BD}" dt="2025-02-28T12:39:57.232" v="561"/>
+        <pc:chgData name="Natalia Cueca" userId="8ce537462a3d960c" providerId="LiveId" clId="{D853DDAE-F466-4B97-A8ED-69DE41B6E4BD}" dt="2025-02-28T12:52:18.971" v="636" actId="207"/>
         <pc:sldMkLst>
           <pc:docMk/>
           <pc:sldMk cId="1185007189" sldId="295"/>
@@ -408,7 +408,7 @@
           </ac:spMkLst>
         </pc:spChg>
         <pc:spChg chg="add del mod">
-          <ac:chgData name="Natalia Cueca" userId="8ce537462a3d960c" providerId="LiveId" clId="{D853DDAE-F466-4B97-A8ED-69DE41B6E4BD}" dt="2025-02-28T12:39:57.232" v="561"/>
+          <ac:chgData name="Natalia Cueca" userId="8ce537462a3d960c" providerId="LiveId" clId="{D853DDAE-F466-4B97-A8ED-69DE41B6E4BD}" dt="2025-02-28T12:52:18.971" v="636" actId="207"/>
           <ac:spMkLst>
             <pc:docMk/>
             <pc:sldMk cId="1185007189" sldId="295"/>
@@ -6761,7 +6761,7 @@
         <p:spPr>
           <a:xfrm>
             <a:off x="141543" y="1134825"/>
-            <a:ext cx="8261922" cy="3749744"/>
+            <a:ext cx="8261922" cy="3472746"/>
           </a:xfrm>
           <a:prstGeom prst="rect">
             <a:avLst/>
@@ -6894,8 +6894,8 @@
               <a:rPr lang="es-CO" sz="1600" dirty="0">
                 <a:solidFill>
                   <a:schemeClr val="tx1">
-                    <a:lumMod val="65000"/>
-                    <a:lumOff val="35000"/>
+                    <a:lumMod val="75000"/>
+                    <a:lumOff val="25000"/>
                   </a:schemeClr>
                 </a:solidFill>
                 <a:effectLst/>
@@ -6910,19 +6910,13 @@
               </a:rPr>
               <a:t>https://d.docs.live.net/8ce537462a3d960c/Documentos/ProyectoBrisasGems/Trimestre%202/4.%20Formato%20Software%20Requirements%20Specification%20(SRS).docx</a:t>
             </a:r>
-            <a:endParaRPr lang="es-CO" sz="1600" dirty="0">
+            <a:endParaRPr lang="es-CO" sz="1800" dirty="0">
               <a:solidFill>
                 <a:schemeClr val="tx1">
-                  <a:lumMod val="65000"/>
-                  <a:lumOff val="35000"/>
+                  <a:lumMod val="75000"/>
+                  <a:lumOff val="25000"/>
                 </a:schemeClr>
               </a:solidFill>
-              <a:effectLst/>
-              <a:ea typeface="Times New Roman" panose="02020603050405020304" pitchFamily="18" charset="0"/>
-            </a:endParaRPr>
-          </a:p>
-          <a:p>
-            <a:endParaRPr lang="es-CO" sz="1800" dirty="0">
               <a:effectLst/>
               <a:latin typeface="Times New Roman" panose="02020603050405020304" pitchFamily="18" charset="0"/>
               <a:ea typeface="Times New Roman" panose="02020603050405020304" pitchFamily="18" charset="0"/>
@@ -7036,7 +7030,7 @@
         <p:spPr>
           <a:xfrm>
             <a:off x="247050" y="1303637"/>
-            <a:ext cx="8261922" cy="4524315"/>
+            <a:ext cx="8261922" cy="4278094"/>
           </a:xfrm>
           <a:prstGeom prst="rect">
             <a:avLst/>
@@ -7200,15 +7194,13 @@
           </a:p>
           <a:p>
             <a:r>
-              <a:rPr lang="es-CO" sz="1600" dirty="0">
+              <a:rPr lang="es-MX" sz="1600" dirty="0">
                 <a:solidFill>
                   <a:schemeClr val="tx1">
-                    <a:lumMod val="65000"/>
-                    <a:lumOff val="35000"/>
+                    <a:lumMod val="75000"/>
+                    <a:lumOff val="25000"/>
                   </a:schemeClr>
                 </a:solidFill>
-                <a:effectLst/>
-                <a:ea typeface="Times New Roman" panose="02020603050405020304" pitchFamily="18" charset="0"/>
                 <a:hlinkClick r:id="rId2">
                   <a:extLst>
                     <a:ext uri="{A12FA001-AC4F-418D-AE19-62706E023703}">
@@ -7219,18 +7211,6 @@
               </a:rPr>
               <a:t>https://d.docs.live.net/8ce537462a3d960c/Documentos/ProyectoBrisasGems/Trimestre%202/4.%20Formato%20Software%20Requirements%20Specification%20(SRS).docx</a:t>
             </a:r>
-            <a:endParaRPr lang="es-CO" sz="1600" dirty="0">
-              <a:solidFill>
-                <a:schemeClr val="tx1">
-                  <a:lumMod val="65000"/>
-                  <a:lumOff val="35000"/>
-                </a:schemeClr>
-              </a:solidFill>
-              <a:effectLst/>
-              <a:ea typeface="Times New Roman" panose="02020603050405020304" pitchFamily="18" charset="0"/>
-            </a:endParaRPr>
-          </a:p>
-          <a:p>
             <a:endParaRPr lang="es-MX" sz="1600" dirty="0">
               <a:solidFill>
                 <a:schemeClr val="tx1">

--- a/Trimestre 2/1. Presentación proyecto plantilla SENA.pptx
+++ b/Trimestre 2/1. Presentación proyecto plantilla SENA.pptx
@@ -5,7 +5,7 @@
     <p:sldMasterId id="2147483648" r:id="rId1"/>
   </p:sldMasterIdLst>
   <p:notesMasterIdLst>
-    <p:notesMasterId r:id="rId32"/>
+    <p:notesMasterId r:id="rId35"/>
   </p:notesMasterIdLst>
   <p:sldIdLst>
     <p:sldId id="256" r:id="rId2"/>
@@ -35,9 +35,12 @@
     <p:sldId id="289" r:id="rId26"/>
     <p:sldId id="290" r:id="rId27"/>
     <p:sldId id="291" r:id="rId28"/>
-    <p:sldId id="292" r:id="rId29"/>
-    <p:sldId id="293" r:id="rId30"/>
-    <p:sldId id="262" r:id="rId31"/>
+    <p:sldId id="296" r:id="rId29"/>
+    <p:sldId id="297" r:id="rId30"/>
+    <p:sldId id="298" r:id="rId31"/>
+    <p:sldId id="292" r:id="rId32"/>
+    <p:sldId id="293" r:id="rId33"/>
+    <p:sldId id="262" r:id="rId34"/>
   </p:sldIdLst>
   <p:sldSz cx="9144000" cy="5143500" type="screen16x9"/>
   <p:notesSz cx="6858000" cy="9144000"/>
@@ -158,7 +161,7 @@
 <file path=ppt/revisionInfo.xml><?xml version="1.0" encoding="utf-8"?>
 <p1510:revInfo xmlns:a="http://schemas.openxmlformats.org/drawingml/2006/main" xmlns:r="http://schemas.openxmlformats.org/officeDocument/2006/relationships" xmlns:p1510="http://schemas.microsoft.com/office/powerpoint/2015/10/main">
   <p1510:revLst>
-    <p1510:client id="{D853DDAE-F466-4B97-A8ED-69DE41B6E4BD}" v="20" dt="2025-02-28T12:52:39.937"/>
+    <p1510:client id="{D853DDAE-F466-4B97-A8ED-69DE41B6E4BD}" v="30" dt="2025-03-07T12:41:19.650"/>
   </p1510:revLst>
 </p1510:revInfo>
 </file>
@@ -168,7 +171,7 @@
   <pc:docChgLst>
     <pc:chgData name="Natalia Cueca" userId="8ce537462a3d960c" providerId="LiveId" clId="{D853DDAE-F466-4B97-A8ED-69DE41B6E4BD}"/>
     <pc:docChg chg="undo custSel addSld delSld modSld">
-      <pc:chgData name="Natalia Cueca" userId="8ce537462a3d960c" providerId="LiveId" clId="{D853DDAE-F466-4B97-A8ED-69DE41B6E4BD}" dt="2025-02-28T12:52:45.457" v="639" actId="207"/>
+      <pc:chgData name="Natalia Cueca" userId="8ce537462a3d960c" providerId="LiveId" clId="{D853DDAE-F466-4B97-A8ED-69DE41B6E4BD}" dt="2025-03-07T12:42:00.060" v="966" actId="1036"/>
       <pc:docMkLst>
         <pc:docMk/>
       </pc:docMkLst>
@@ -194,6 +197,21 @@
             <ac:picMk id="12" creationId="{56BDA72C-5AA8-2B31-7F62-D06B422BAC51}"/>
           </ac:picMkLst>
         </pc:picChg>
+      </pc:sldChg>
+      <pc:sldChg chg="modSp mod">
+        <pc:chgData name="Natalia Cueca" userId="8ce537462a3d960c" providerId="LiveId" clId="{D853DDAE-F466-4B97-A8ED-69DE41B6E4BD}" dt="2025-03-07T12:30:38.304" v="759" actId="113"/>
+        <pc:sldMkLst>
+          <pc:docMk/>
+          <pc:sldMk cId="3231014138" sldId="271"/>
+        </pc:sldMkLst>
+        <pc:spChg chg="mod">
+          <ac:chgData name="Natalia Cueca" userId="8ce537462a3d960c" providerId="LiveId" clId="{D853DDAE-F466-4B97-A8ED-69DE41B6E4BD}" dt="2025-03-07T12:30:38.304" v="759" actId="113"/>
+          <ac:spMkLst>
+            <pc:docMk/>
+            <pc:sldMk cId="3231014138" sldId="271"/>
+            <ac:spMk id="2" creationId="{4233656A-BF5B-FD36-CE14-F201450DEA08}"/>
+          </ac:spMkLst>
+        </pc:spChg>
       </pc:sldChg>
       <pc:sldChg chg="modSp mod">
         <pc:chgData name="Natalia Cueca" userId="8ce537462a3d960c" providerId="LiveId" clId="{D853DDAE-F466-4B97-A8ED-69DE41B6E4BD}" dt="2025-02-28T12:32:20.158" v="530" actId="207"/>
@@ -346,23 +364,15 @@
           <pc:docMk/>
           <pc:sldMk cId="503162278" sldId="290"/>
         </pc:sldMkLst>
-        <pc:spChg chg="add del mod">
-          <ac:chgData name="Natalia Cueca" userId="8ce537462a3d960c" providerId="LiveId" clId="{D853DDAE-F466-4B97-A8ED-69DE41B6E4BD}" dt="2025-02-28T12:42:19.248" v="578" actId="478"/>
-          <ac:spMkLst>
-            <pc:docMk/>
-            <pc:sldMk cId="503162278" sldId="290"/>
-            <ac:spMk id="6" creationId="{C403978B-A2C0-A67D-7A35-5490E288E0DC}"/>
-          </ac:spMkLst>
-        </pc:spChg>
       </pc:sldChg>
       <pc:sldChg chg="addSp modSp mod">
-        <pc:chgData name="Natalia Cueca" userId="8ce537462a3d960c" providerId="LiveId" clId="{D853DDAE-F466-4B97-A8ED-69DE41B6E4BD}" dt="2025-02-28T12:42:25.607" v="580" actId="1076"/>
+        <pc:chgData name="Natalia Cueca" userId="8ce537462a3d960c" providerId="LiveId" clId="{D853DDAE-F466-4B97-A8ED-69DE41B6E4BD}" dt="2025-03-07T12:32:01.524" v="762" actId="207"/>
         <pc:sldMkLst>
           <pc:docMk/>
           <pc:sldMk cId="3142519156" sldId="291"/>
         </pc:sldMkLst>
         <pc:spChg chg="add mod">
-          <ac:chgData name="Natalia Cueca" userId="8ce537462a3d960c" providerId="LiveId" clId="{D853DDAE-F466-4B97-A8ED-69DE41B6E4BD}" dt="2025-02-28T12:42:25.607" v="580" actId="1076"/>
+          <ac:chgData name="Natalia Cueca" userId="8ce537462a3d960c" providerId="LiveId" clId="{D853DDAE-F466-4B97-A8ED-69DE41B6E4BD}" dt="2025-03-07T12:32:01.524" v="762" actId="207"/>
           <ac:spMkLst>
             <pc:docMk/>
             <pc:sldMk cId="3142519156" sldId="291"/>
@@ -423,42 +433,135 @@
           <pc:sldMk cId="537943255" sldId="296"/>
         </pc:sldMkLst>
       </pc:sldChg>
+      <pc:sldChg chg="addSp delSp modSp add mod">
+        <pc:chgData name="Natalia Cueca" userId="8ce537462a3d960c" providerId="LiveId" clId="{D853DDAE-F466-4B97-A8ED-69DE41B6E4BD}" dt="2025-03-07T12:38:37.811" v="885" actId="20577"/>
+        <pc:sldMkLst>
+          <pc:docMk/>
+          <pc:sldMk cId="3104714754" sldId="296"/>
+        </pc:sldMkLst>
+        <pc:spChg chg="mod">
+          <ac:chgData name="Natalia Cueca" userId="8ce537462a3d960c" providerId="LiveId" clId="{D853DDAE-F466-4B97-A8ED-69DE41B6E4BD}" dt="2025-03-07T12:38:37.811" v="885" actId="20577"/>
+          <ac:spMkLst>
+            <pc:docMk/>
+            <pc:sldMk cId="3104714754" sldId="296"/>
+            <ac:spMk id="5" creationId="{126BACD9-8E70-9050-C6B8-BB68791FC12D}"/>
+          </ac:spMkLst>
+        </pc:spChg>
+        <pc:spChg chg="mod">
+          <ac:chgData name="Natalia Cueca" userId="8ce537462a3d960c" providerId="LiveId" clId="{D853DDAE-F466-4B97-A8ED-69DE41B6E4BD}" dt="2025-03-07T12:38:08.965" v="843" actId="207"/>
+          <ac:spMkLst>
+            <pc:docMk/>
+            <pc:sldMk cId="3104714754" sldId="296"/>
+            <ac:spMk id="6" creationId="{61109902-8E59-15A2-AE80-CB7407365627}"/>
+          </ac:spMkLst>
+        </pc:spChg>
+        <pc:picChg chg="del">
+          <ac:chgData name="Natalia Cueca" userId="8ce537462a3d960c" providerId="LiveId" clId="{D853DDAE-F466-4B97-A8ED-69DE41B6E4BD}" dt="2025-03-07T12:32:16.565" v="764" actId="478"/>
+          <ac:picMkLst>
+            <pc:docMk/>
+            <pc:sldMk cId="3104714754" sldId="296"/>
+            <ac:picMk id="7" creationId="{CA8FE597-8899-C701-CBC7-881404A35CEB}"/>
+          </ac:picMkLst>
+        </pc:picChg>
+        <pc:picChg chg="add mod">
+          <ac:chgData name="Natalia Cueca" userId="8ce537462a3d960c" providerId="LiveId" clId="{D853DDAE-F466-4B97-A8ED-69DE41B6E4BD}" dt="2025-03-07T12:38:13.720" v="844" actId="1076"/>
+          <ac:picMkLst>
+            <pc:docMk/>
+            <pc:sldMk cId="3104714754" sldId="296"/>
+            <ac:picMk id="12" creationId="{BB3183BD-20D3-C464-FC5F-A1E05C2E8341}"/>
+          </ac:picMkLst>
+        </pc:picChg>
+      </pc:sldChg>
       <pc:sldChg chg="addSp delSp modSp add del mod">
         <pc:chgData name="Natalia Cueca" userId="8ce537462a3d960c" providerId="LiveId" clId="{D853DDAE-F466-4B97-A8ED-69DE41B6E4BD}" dt="2025-02-28T12:44:16.335" v="633" actId="47"/>
         <pc:sldMkLst>
           <pc:docMk/>
           <pc:sldMk cId="4024598547" sldId="296"/>
         </pc:sldMkLst>
+      </pc:sldChg>
+      <pc:sldChg chg="addSp delSp modSp add mod">
+        <pc:chgData name="Natalia Cueca" userId="8ce537462a3d960c" providerId="LiveId" clId="{D853DDAE-F466-4B97-A8ED-69DE41B6E4BD}" dt="2025-03-07T12:39:46.064" v="911" actId="207"/>
+        <pc:sldMkLst>
+          <pc:docMk/>
+          <pc:sldMk cId="1165159801" sldId="297"/>
+        </pc:sldMkLst>
         <pc:spChg chg="mod">
-          <ac:chgData name="Natalia Cueca" userId="8ce537462a3d960c" providerId="LiveId" clId="{D853DDAE-F466-4B97-A8ED-69DE41B6E4BD}" dt="2025-02-28T12:42:54.938" v="621" actId="20577"/>
+          <ac:chgData name="Natalia Cueca" userId="8ce537462a3d960c" providerId="LiveId" clId="{D853DDAE-F466-4B97-A8ED-69DE41B6E4BD}" dt="2025-03-07T12:38:30.514" v="871" actId="20577"/>
           <ac:spMkLst>
             <pc:docMk/>
-            <pc:sldMk cId="4024598547" sldId="296"/>
-            <ac:spMk id="5" creationId="{986C37BD-FDFC-3191-5B3C-1C26D99B4AC1}"/>
+            <pc:sldMk cId="1165159801" sldId="297"/>
+            <ac:spMk id="5" creationId="{13B769B8-9048-63FC-84A2-FEF56D52B85F}"/>
           </ac:spMkLst>
         </pc:spChg>
-        <pc:spChg chg="add del mod">
-          <ac:chgData name="Natalia Cueca" userId="8ce537462a3d960c" providerId="LiveId" clId="{D853DDAE-F466-4B97-A8ED-69DE41B6E4BD}" dt="2025-02-28T12:44:14.507" v="632" actId="478"/>
+        <pc:spChg chg="mod">
+          <ac:chgData name="Natalia Cueca" userId="8ce537462a3d960c" providerId="LiveId" clId="{D853DDAE-F466-4B97-A8ED-69DE41B6E4BD}" dt="2025-03-07T12:39:46.064" v="911" actId="207"/>
           <ac:spMkLst>
             <pc:docMk/>
-            <pc:sldMk cId="4024598547" sldId="296"/>
-            <ac:spMk id="12" creationId="{005A07C4-9131-2F57-06B2-9F26031B19CE}"/>
+            <pc:sldMk cId="1165159801" sldId="297"/>
+            <ac:spMk id="6" creationId="{7C211FE0-4B74-6722-8720-A5293DFFD519}"/>
+          </ac:spMkLst>
+        </pc:spChg>
+        <pc:picChg chg="add mod">
+          <ac:chgData name="Natalia Cueca" userId="8ce537462a3d960c" providerId="LiveId" clId="{D853DDAE-F466-4B97-A8ED-69DE41B6E4BD}" dt="2025-03-07T12:39:20.024" v="894" actId="1076"/>
+          <ac:picMkLst>
+            <pc:docMk/>
+            <pc:sldMk cId="1165159801" sldId="297"/>
+            <ac:picMk id="9" creationId="{8F99A7BD-202D-F829-CDA0-4041DF763F23}"/>
+          </ac:picMkLst>
+        </pc:picChg>
+        <pc:picChg chg="del">
+          <ac:chgData name="Natalia Cueca" userId="8ce537462a3d960c" providerId="LiveId" clId="{D853DDAE-F466-4B97-A8ED-69DE41B6E4BD}" dt="2025-03-07T12:38:41.181" v="886" actId="478"/>
+          <ac:picMkLst>
+            <pc:docMk/>
+            <pc:sldMk cId="1165159801" sldId="297"/>
+            <ac:picMk id="12" creationId="{CB983E2F-244A-F306-2066-4D70D76AE5E5}"/>
+          </ac:picMkLst>
+        </pc:picChg>
+      </pc:sldChg>
+      <pc:sldChg chg="addSp delSp modSp add mod">
+        <pc:chgData name="Natalia Cueca" userId="8ce537462a3d960c" providerId="LiveId" clId="{D853DDAE-F466-4B97-A8ED-69DE41B6E4BD}" dt="2025-03-07T12:42:00.060" v="966" actId="1036"/>
+        <pc:sldMkLst>
+          <pc:docMk/>
+          <pc:sldMk cId="3911717705" sldId="298"/>
+        </pc:sldMkLst>
+        <pc:spChg chg="mod">
+          <ac:chgData name="Natalia Cueca" userId="8ce537462a3d960c" providerId="LiveId" clId="{D853DDAE-F466-4B97-A8ED-69DE41B6E4BD}" dt="2025-03-07T12:39:58.739" v="942" actId="20577"/>
+          <ac:spMkLst>
+            <pc:docMk/>
+            <pc:sldMk cId="3911717705" sldId="298"/>
+            <ac:spMk id="5" creationId="{4804ABF1-8563-FF92-9851-61D7866A624E}"/>
+          </ac:spMkLst>
+        </pc:spChg>
+        <pc:spChg chg="mod">
+          <ac:chgData name="Natalia Cueca" userId="8ce537462a3d960c" providerId="LiveId" clId="{D853DDAE-F466-4B97-A8ED-69DE41B6E4BD}" dt="2025-03-07T12:40:23.967" v="946" actId="207"/>
+          <ac:spMkLst>
+            <pc:docMk/>
+            <pc:sldMk cId="3911717705" sldId="298"/>
+            <ac:spMk id="6" creationId="{CD06EC0A-14EA-50EE-35A9-134D63D7EA18}"/>
           </ac:spMkLst>
         </pc:spChg>
         <pc:picChg chg="del">
-          <ac:chgData name="Natalia Cueca" userId="8ce537462a3d960c" providerId="LiveId" clId="{D853DDAE-F466-4B97-A8ED-69DE41B6E4BD}" dt="2025-02-28T12:42:44.091" v="582" actId="478"/>
+          <ac:chgData name="Natalia Cueca" userId="8ce537462a3d960c" providerId="LiveId" clId="{D853DDAE-F466-4B97-A8ED-69DE41B6E4BD}" dt="2025-03-07T12:40:00.609" v="943" actId="478"/>
           <ac:picMkLst>
             <pc:docMk/>
-            <pc:sldMk cId="4024598547" sldId="296"/>
-            <ac:picMk id="7" creationId="{ABE107E7-EEE0-E5CE-D749-8CFDCC0A3BD6}"/>
+            <pc:sldMk cId="3911717705" sldId="298"/>
+            <ac:picMk id="9" creationId="{17F4A806-CF35-C08F-2781-8078AF6A2613}"/>
           </ac:picMkLst>
         </pc:picChg>
-        <pc:picChg chg="add mod modCrop">
-          <ac:chgData name="Natalia Cueca" userId="8ce537462a3d960c" providerId="LiveId" clId="{D853DDAE-F466-4B97-A8ED-69DE41B6E4BD}" dt="2025-02-28T12:43:41.269" v="628" actId="1076"/>
+        <pc:picChg chg="add mod">
+          <ac:chgData name="Natalia Cueca" userId="8ce537462a3d960c" providerId="LiveId" clId="{D853DDAE-F466-4B97-A8ED-69DE41B6E4BD}" dt="2025-03-07T12:41:53.508" v="964" actId="1076"/>
           <ac:picMkLst>
             <pc:docMk/>
-            <pc:sldMk cId="4024598547" sldId="296"/>
-            <ac:picMk id="9" creationId="{B0AAE4CC-0C21-D334-D593-9DEA4EAA0BB5}"/>
+            <pc:sldMk cId="3911717705" sldId="298"/>
+            <ac:picMk id="12" creationId="{87AEFD36-C1BF-2AE3-886E-61F2438EC633}"/>
+          </ac:picMkLst>
+        </pc:picChg>
+        <pc:picChg chg="add mod">
+          <ac:chgData name="Natalia Cueca" userId="8ce537462a3d960c" providerId="LiveId" clId="{D853DDAE-F466-4B97-A8ED-69DE41B6E4BD}" dt="2025-03-07T12:42:00.060" v="966" actId="1036"/>
+          <ac:picMkLst>
+            <pc:docMk/>
+            <pc:sldMk cId="3911717705" sldId="298"/>
+            <ac:picMk id="13" creationId="{9631E79F-EE39-6B4D-AEA1-4A3C76962A83}"/>
           </ac:picMkLst>
         </pc:picChg>
       </pc:sldChg>
@@ -485,36 +588,12 @@
             <ac:picMk id="3" creationId="{F7B0F50A-2AE3-0E62-5295-0EAE37781101}"/>
           </ac:picMkLst>
         </pc:picChg>
-        <pc:picChg chg="del">
-          <ac:chgData name="Natalia Cueca" userId="8ce537462a3d960c" providerId="LiveId" clId="{7B472D10-B9F5-4A5C-BC61-1AE0A2EA2368}" dt="2025-02-27T00:35:29.866" v="1" actId="478"/>
-          <ac:picMkLst>
-            <pc:docMk/>
-            <pc:sldMk cId="2227702857" sldId="288"/>
-            <ac:picMk id="6" creationId="{2FB534BB-250D-538C-3BC3-57061471B35E}"/>
-          </ac:picMkLst>
-        </pc:picChg>
         <pc:picChg chg="add mod">
           <ac:chgData name="Natalia Cueca" userId="8ce537462a3d960c" providerId="LiveId" clId="{7B472D10-B9F5-4A5C-BC61-1AE0A2EA2368}" dt="2025-02-27T00:36:03.030" v="21" actId="34135"/>
           <ac:picMkLst>
             <pc:docMk/>
             <pc:sldMk cId="2227702857" sldId="288"/>
             <ac:picMk id="9" creationId="{C3A84EF5-D109-54D4-5681-6111D5F55E24}"/>
-          </ac:picMkLst>
-        </pc:picChg>
-        <pc:picChg chg="del">
-          <ac:chgData name="Natalia Cueca" userId="8ce537462a3d960c" providerId="LiveId" clId="{7B472D10-B9F5-4A5C-BC61-1AE0A2EA2368}" dt="2025-02-27T00:35:28.458" v="0" actId="478"/>
-          <ac:picMkLst>
-            <pc:docMk/>
-            <pc:sldMk cId="2227702857" sldId="288"/>
-            <ac:picMk id="11" creationId="{21BDC1B8-E31B-8EF5-E994-5BA0B3891E54}"/>
-          </ac:picMkLst>
-        </pc:picChg>
-        <pc:picChg chg="del">
-          <ac:chgData name="Natalia Cueca" userId="8ce537462a3d960c" providerId="LiveId" clId="{7B472D10-B9F5-4A5C-BC61-1AE0A2EA2368}" dt="2025-02-27T00:35:31.383" v="2" actId="478"/>
-          <ac:picMkLst>
-            <pc:docMk/>
-            <pc:sldMk cId="2227702857" sldId="288"/>
-            <ac:picMk id="13" creationId="{DB49F143-16F5-FA65-CF79-572D1B399212}"/>
           </ac:picMkLst>
         </pc:picChg>
       </pc:sldChg>
@@ -612,7 +691,7 @@
           <a:p>
             <a:fld id="{6B13E5EF-1DFD-44FE-883B-9E16D519F591}" type="datetimeFigureOut">
               <a:rPr lang="es-CO" smtClean="0"/>
-              <a:t>28/02/2025</a:t>
+              <a:t>7/03/2025</a:t>
             </a:fld>
             <a:endParaRPr lang="es-CO"/>
           </a:p>
@@ -972,6 +1051,330 @@
         <p:cNvPr id="1" name="">
           <a:extLst>
             <a:ext uri="{FF2B5EF4-FFF2-40B4-BE49-F238E27FC236}">
+              <a16:creationId xmlns:a16="http://schemas.microsoft.com/office/drawing/2014/main" id="{7690F858-8D8E-364A-2B55-947CD39596A6}"/>
+            </a:ext>
+          </a:extLst>
+        </p:cNvPr>
+        <p:cNvGrpSpPr/>
+        <p:nvPr/>
+      </p:nvGrpSpPr>
+      <p:grpSpPr>
+        <a:xfrm>
+          <a:off x="0" y="0"/>
+          <a:ext cx="0" cy="0"/>
+          <a:chOff x="0" y="0"/>
+          <a:chExt cx="0" cy="0"/>
+        </a:xfrm>
+      </p:grpSpPr>
+      <p:sp>
+        <p:nvSpPr>
+          <p:cNvPr id="2" name="Marcador de imagen de diapositiva 1">
+            <a:extLst>
+              <a:ext uri="{FF2B5EF4-FFF2-40B4-BE49-F238E27FC236}">
+                <a16:creationId xmlns:a16="http://schemas.microsoft.com/office/drawing/2014/main" id="{8712CB25-51E0-E350-CB03-3E3F2A10E2AA}"/>
+              </a:ext>
+            </a:extLst>
+          </p:cNvPr>
+          <p:cNvSpPr>
+            <a:spLocks noGrp="1" noRot="1" noChangeAspect="1"/>
+          </p:cNvSpPr>
+          <p:nvPr>
+            <p:ph type="sldImg"/>
+          </p:nvPr>
+        </p:nvSpPr>
+        <p:spPr/>
+      </p:sp>
+      <p:sp>
+        <p:nvSpPr>
+          <p:cNvPr id="3" name="Marcador de notas 2">
+            <a:extLst>
+              <a:ext uri="{FF2B5EF4-FFF2-40B4-BE49-F238E27FC236}">
+                <a16:creationId xmlns:a16="http://schemas.microsoft.com/office/drawing/2014/main" id="{A4482B0D-1E23-0E5F-8D1A-D7D672A47077}"/>
+              </a:ext>
+            </a:extLst>
+          </p:cNvPr>
+          <p:cNvSpPr>
+            <a:spLocks noGrp="1"/>
+          </p:cNvSpPr>
+          <p:nvPr>
+            <p:ph type="body" idx="1"/>
+          </p:nvPr>
+        </p:nvSpPr>
+        <p:spPr/>
+        <p:txBody>
+          <a:bodyPr/>
+          <a:lstStyle/>
+          <a:p>
+            <a:endParaRPr lang="es-CO" dirty="0"/>
+          </a:p>
+        </p:txBody>
+      </p:sp>
+      <p:sp>
+        <p:nvSpPr>
+          <p:cNvPr id="4" name="Marcador de número de diapositiva 3">
+            <a:extLst>
+              <a:ext uri="{FF2B5EF4-FFF2-40B4-BE49-F238E27FC236}">
+                <a16:creationId xmlns:a16="http://schemas.microsoft.com/office/drawing/2014/main" id="{A97A7AD8-C6A0-3295-37CB-CC5081327507}"/>
+              </a:ext>
+            </a:extLst>
+          </p:cNvPr>
+          <p:cNvSpPr>
+            <a:spLocks noGrp="1"/>
+          </p:cNvSpPr>
+          <p:nvPr>
+            <p:ph type="sldNum" sz="quarter" idx="5"/>
+          </p:nvPr>
+        </p:nvSpPr>
+        <p:spPr/>
+        <p:txBody>
+          <a:bodyPr/>
+          <a:lstStyle/>
+          <a:p>
+            <a:fld id="{91AC369E-8DBA-4300-88C8-4073019E746A}" type="slidenum">
+              <a:rPr lang="es-CO" smtClean="0"/>
+              <a:t>28</a:t>
+            </a:fld>
+            <a:endParaRPr lang="es-CO"/>
+          </a:p>
+        </p:txBody>
+      </p:sp>
+    </p:spTree>
+    <p:extLst>
+      <p:ext uri="{BB962C8B-B14F-4D97-AF65-F5344CB8AC3E}">
+        <p14:creationId xmlns:p14="http://schemas.microsoft.com/office/powerpoint/2010/main" val="3602946122"/>
+      </p:ext>
+    </p:extLst>
+  </p:cSld>
+  <p:clrMapOvr>
+    <a:masterClrMapping/>
+  </p:clrMapOvr>
+</p:notes>
+</file>
+
+<file path=ppt/notesSlides/notesSlide3.xml><?xml version="1.0" encoding="utf-8"?>
+<p:notes xmlns:a="http://schemas.openxmlformats.org/drawingml/2006/main" xmlns:r="http://schemas.openxmlformats.org/officeDocument/2006/relationships" xmlns:p="http://schemas.openxmlformats.org/presentationml/2006/main">
+  <p:cSld>
+    <p:spTree>
+      <p:nvGrpSpPr>
+        <p:cNvPr id="1" name="">
+          <a:extLst>
+            <a:ext uri="{FF2B5EF4-FFF2-40B4-BE49-F238E27FC236}">
+              <a16:creationId xmlns:a16="http://schemas.microsoft.com/office/drawing/2014/main" id="{A6FC6A95-B42A-1342-9ECD-4330A9295937}"/>
+            </a:ext>
+          </a:extLst>
+        </p:cNvPr>
+        <p:cNvGrpSpPr/>
+        <p:nvPr/>
+      </p:nvGrpSpPr>
+      <p:grpSpPr>
+        <a:xfrm>
+          <a:off x="0" y="0"/>
+          <a:ext cx="0" cy="0"/>
+          <a:chOff x="0" y="0"/>
+          <a:chExt cx="0" cy="0"/>
+        </a:xfrm>
+      </p:grpSpPr>
+      <p:sp>
+        <p:nvSpPr>
+          <p:cNvPr id="2" name="Marcador de imagen de diapositiva 1">
+            <a:extLst>
+              <a:ext uri="{FF2B5EF4-FFF2-40B4-BE49-F238E27FC236}">
+                <a16:creationId xmlns:a16="http://schemas.microsoft.com/office/drawing/2014/main" id="{37059876-CFA8-6775-A5BE-1964E95D6A3C}"/>
+              </a:ext>
+            </a:extLst>
+          </p:cNvPr>
+          <p:cNvSpPr>
+            <a:spLocks noGrp="1" noRot="1" noChangeAspect="1"/>
+          </p:cNvSpPr>
+          <p:nvPr>
+            <p:ph type="sldImg"/>
+          </p:nvPr>
+        </p:nvSpPr>
+        <p:spPr/>
+      </p:sp>
+      <p:sp>
+        <p:nvSpPr>
+          <p:cNvPr id="3" name="Marcador de notas 2">
+            <a:extLst>
+              <a:ext uri="{FF2B5EF4-FFF2-40B4-BE49-F238E27FC236}">
+                <a16:creationId xmlns:a16="http://schemas.microsoft.com/office/drawing/2014/main" id="{80026AE1-2157-6408-A086-7FB57893ABE0}"/>
+              </a:ext>
+            </a:extLst>
+          </p:cNvPr>
+          <p:cNvSpPr>
+            <a:spLocks noGrp="1"/>
+          </p:cNvSpPr>
+          <p:nvPr>
+            <p:ph type="body" idx="1"/>
+          </p:nvPr>
+        </p:nvSpPr>
+        <p:spPr/>
+        <p:txBody>
+          <a:bodyPr/>
+          <a:lstStyle/>
+          <a:p>
+            <a:endParaRPr lang="es-CO" dirty="0"/>
+          </a:p>
+        </p:txBody>
+      </p:sp>
+      <p:sp>
+        <p:nvSpPr>
+          <p:cNvPr id="4" name="Marcador de número de diapositiva 3">
+            <a:extLst>
+              <a:ext uri="{FF2B5EF4-FFF2-40B4-BE49-F238E27FC236}">
+                <a16:creationId xmlns:a16="http://schemas.microsoft.com/office/drawing/2014/main" id="{51C7F65C-E153-2466-7F26-F0FFAD8F03F6}"/>
+              </a:ext>
+            </a:extLst>
+          </p:cNvPr>
+          <p:cNvSpPr>
+            <a:spLocks noGrp="1"/>
+          </p:cNvSpPr>
+          <p:nvPr>
+            <p:ph type="sldNum" sz="quarter" idx="5"/>
+          </p:nvPr>
+        </p:nvSpPr>
+        <p:spPr/>
+        <p:txBody>
+          <a:bodyPr/>
+          <a:lstStyle/>
+          <a:p>
+            <a:fld id="{91AC369E-8DBA-4300-88C8-4073019E746A}" type="slidenum">
+              <a:rPr lang="es-CO" smtClean="0"/>
+              <a:t>29</a:t>
+            </a:fld>
+            <a:endParaRPr lang="es-CO"/>
+          </a:p>
+        </p:txBody>
+      </p:sp>
+    </p:spTree>
+    <p:extLst>
+      <p:ext uri="{BB962C8B-B14F-4D97-AF65-F5344CB8AC3E}">
+        <p14:creationId xmlns:p14="http://schemas.microsoft.com/office/powerpoint/2010/main" val="155842031"/>
+      </p:ext>
+    </p:extLst>
+  </p:cSld>
+  <p:clrMapOvr>
+    <a:masterClrMapping/>
+  </p:clrMapOvr>
+</p:notes>
+</file>
+
+<file path=ppt/notesSlides/notesSlide4.xml><?xml version="1.0" encoding="utf-8"?>
+<p:notes xmlns:a="http://schemas.openxmlformats.org/drawingml/2006/main" xmlns:r="http://schemas.openxmlformats.org/officeDocument/2006/relationships" xmlns:p="http://schemas.openxmlformats.org/presentationml/2006/main">
+  <p:cSld>
+    <p:spTree>
+      <p:nvGrpSpPr>
+        <p:cNvPr id="1" name="">
+          <a:extLst>
+            <a:ext uri="{FF2B5EF4-FFF2-40B4-BE49-F238E27FC236}">
+              <a16:creationId xmlns:a16="http://schemas.microsoft.com/office/drawing/2014/main" id="{572A4783-C2CD-4F6F-CA84-0A0926C22469}"/>
+            </a:ext>
+          </a:extLst>
+        </p:cNvPr>
+        <p:cNvGrpSpPr/>
+        <p:nvPr/>
+      </p:nvGrpSpPr>
+      <p:grpSpPr>
+        <a:xfrm>
+          <a:off x="0" y="0"/>
+          <a:ext cx="0" cy="0"/>
+          <a:chOff x="0" y="0"/>
+          <a:chExt cx="0" cy="0"/>
+        </a:xfrm>
+      </p:grpSpPr>
+      <p:sp>
+        <p:nvSpPr>
+          <p:cNvPr id="2" name="Marcador de imagen de diapositiva 1">
+            <a:extLst>
+              <a:ext uri="{FF2B5EF4-FFF2-40B4-BE49-F238E27FC236}">
+                <a16:creationId xmlns:a16="http://schemas.microsoft.com/office/drawing/2014/main" id="{223A03CF-C237-D914-EF26-5EA835BAB0DB}"/>
+              </a:ext>
+            </a:extLst>
+          </p:cNvPr>
+          <p:cNvSpPr>
+            <a:spLocks noGrp="1" noRot="1" noChangeAspect="1"/>
+          </p:cNvSpPr>
+          <p:nvPr>
+            <p:ph type="sldImg"/>
+          </p:nvPr>
+        </p:nvSpPr>
+        <p:spPr/>
+      </p:sp>
+      <p:sp>
+        <p:nvSpPr>
+          <p:cNvPr id="3" name="Marcador de notas 2">
+            <a:extLst>
+              <a:ext uri="{FF2B5EF4-FFF2-40B4-BE49-F238E27FC236}">
+                <a16:creationId xmlns:a16="http://schemas.microsoft.com/office/drawing/2014/main" id="{CB79975E-6899-6577-3516-592CA34F7F3D}"/>
+              </a:ext>
+            </a:extLst>
+          </p:cNvPr>
+          <p:cNvSpPr>
+            <a:spLocks noGrp="1"/>
+          </p:cNvSpPr>
+          <p:nvPr>
+            <p:ph type="body" idx="1"/>
+          </p:nvPr>
+        </p:nvSpPr>
+        <p:spPr/>
+        <p:txBody>
+          <a:bodyPr/>
+          <a:lstStyle/>
+          <a:p>
+            <a:endParaRPr lang="es-CO" dirty="0"/>
+          </a:p>
+        </p:txBody>
+      </p:sp>
+      <p:sp>
+        <p:nvSpPr>
+          <p:cNvPr id="4" name="Marcador de número de diapositiva 3">
+            <a:extLst>
+              <a:ext uri="{FF2B5EF4-FFF2-40B4-BE49-F238E27FC236}">
+                <a16:creationId xmlns:a16="http://schemas.microsoft.com/office/drawing/2014/main" id="{1109AA96-E6E4-94AE-2306-96DF0FA10257}"/>
+              </a:ext>
+            </a:extLst>
+          </p:cNvPr>
+          <p:cNvSpPr>
+            <a:spLocks noGrp="1"/>
+          </p:cNvSpPr>
+          <p:nvPr>
+            <p:ph type="sldNum" sz="quarter" idx="5"/>
+          </p:nvPr>
+        </p:nvSpPr>
+        <p:spPr/>
+        <p:txBody>
+          <a:bodyPr/>
+          <a:lstStyle/>
+          <a:p>
+            <a:fld id="{91AC369E-8DBA-4300-88C8-4073019E746A}" type="slidenum">
+              <a:rPr lang="es-CO" smtClean="0"/>
+              <a:t>30</a:t>
+            </a:fld>
+            <a:endParaRPr lang="es-CO"/>
+          </a:p>
+        </p:txBody>
+      </p:sp>
+    </p:spTree>
+    <p:extLst>
+      <p:ext uri="{BB962C8B-B14F-4D97-AF65-F5344CB8AC3E}">
+        <p14:creationId xmlns:p14="http://schemas.microsoft.com/office/powerpoint/2010/main" val="1258005788"/>
+      </p:ext>
+    </p:extLst>
+  </p:cSld>
+  <p:clrMapOvr>
+    <a:masterClrMapping/>
+  </p:clrMapOvr>
+</p:notes>
+</file>
+
+<file path=ppt/notesSlides/notesSlide5.xml><?xml version="1.0" encoding="utf-8"?>
+<p:notes xmlns:a="http://schemas.openxmlformats.org/drawingml/2006/main" xmlns:r="http://schemas.openxmlformats.org/officeDocument/2006/relationships" xmlns:p="http://schemas.openxmlformats.org/presentationml/2006/main">
+  <p:cSld>
+    <p:spTree>
+      <p:nvGrpSpPr>
+        <p:cNvPr id="1" name="">
+          <a:extLst>
+            <a:ext uri="{FF2B5EF4-FFF2-40B4-BE49-F238E27FC236}">
               <a16:creationId xmlns:a16="http://schemas.microsoft.com/office/drawing/2014/main" id="{1352D684-7317-F8A0-4423-6B6DBF2E7113}"/>
             </a:ext>
           </a:extLst>
@@ -1053,7 +1456,7 @@
           <a:p>
             <a:fld id="{91AC369E-8DBA-4300-88C8-4073019E746A}" type="slidenum">
               <a:rPr lang="es-CO" smtClean="0"/>
-              <a:t>28</a:t>
+              <a:t>31</a:t>
             </a:fld>
             <a:endParaRPr lang="es-CO"/>
           </a:p>
@@ -1072,7 +1475,7 @@
 </p:notes>
 </file>
 
-<file path=ppt/notesSlides/notesSlide3.xml><?xml version="1.0" encoding="utf-8"?>
+<file path=ppt/notesSlides/notesSlide6.xml><?xml version="1.0" encoding="utf-8"?>
 <p:notes xmlns:a="http://schemas.openxmlformats.org/drawingml/2006/main" xmlns:r="http://schemas.openxmlformats.org/officeDocument/2006/relationships" xmlns:p="http://schemas.openxmlformats.org/presentationml/2006/main">
   <p:cSld>
     <p:spTree>
@@ -1161,7 +1564,7 @@
           <a:p>
             <a:fld id="{91AC369E-8DBA-4300-88C8-4073019E746A}" type="slidenum">
               <a:rPr lang="es-CO" smtClean="0"/>
-              <a:t>29</a:t>
+              <a:t>32</a:t>
             </a:fld>
             <a:endParaRPr lang="es-CO"/>
           </a:p>
@@ -1349,7 +1752,7 @@
           <a:p>
             <a:fld id="{B3030C24-9424-B24A-8613-79990C3AA492}" type="datetimeFigureOut">
               <a:rPr lang="es-ES" smtClean="0"/>
-              <a:t>28/02/2025</a:t>
+              <a:t>07/03/2025</a:t>
             </a:fld>
             <a:endParaRPr lang="es-ES"/>
           </a:p>
@@ -1529,7 +1932,7 @@
           <a:p>
             <a:fld id="{B3030C24-9424-B24A-8613-79990C3AA492}" type="datetimeFigureOut">
               <a:rPr lang="es-ES" smtClean="0"/>
-              <a:t>28/02/2025</a:t>
+              <a:t>07/03/2025</a:t>
             </a:fld>
             <a:endParaRPr lang="es-ES"/>
           </a:p>
@@ -2166,7 +2569,7 @@
           <a:p>
             <a:fld id="{B3030C24-9424-B24A-8613-79990C3AA492}" type="datetimeFigureOut">
               <a:rPr lang="es-ES" smtClean="0"/>
-              <a:t>28/02/2025</a:t>
+              <a:t>07/03/2025</a:t>
             </a:fld>
             <a:endParaRPr lang="es-ES"/>
           </a:p>
@@ -2419,7 +2822,7 @@
           <a:p>
             <a:fld id="{B3030C24-9424-B24A-8613-79990C3AA492}" type="datetimeFigureOut">
               <a:rPr lang="es-ES" smtClean="0"/>
-              <a:t>28/02/2025</a:t>
+              <a:t>07/03/2025</a:t>
             </a:fld>
             <a:endParaRPr lang="es-ES"/>
           </a:p>
@@ -2632,7 +3035,7 @@
           <a:p>
             <a:fld id="{B3030C24-9424-B24A-8613-79990C3AA492}" type="datetimeFigureOut">
               <a:rPr lang="es-ES" smtClean="0"/>
-              <a:t>28/02/2025</a:t>
+              <a:t>07/03/2025</a:t>
             </a:fld>
             <a:endParaRPr lang="es-ES"/>
           </a:p>
@@ -9425,43 +9828,7 @@
                   </a:extLst>
                 </a:hlinkClick>
               </a:rPr>
-              <a:t>https://d.docs.live.net/8ce537462a3d960c/Documentos/</a:t>
-            </a:r>
-            <a:r>
-              <a:rPr lang="es-CO" sz="1600" dirty="0" err="1">
-                <a:solidFill>
-                  <a:schemeClr val="tx1">
-                    <a:lumMod val="65000"/>
-                    <a:lumOff val="35000"/>
-                  </a:schemeClr>
-                </a:solidFill>
-                <a:hlinkClick r:id="rId6">
-                  <a:extLst>
-                    <a:ext uri="{A12FA001-AC4F-418D-AE19-62706E023703}">
-                      <ahyp:hlinkClr xmlns:ahyp="http://schemas.microsoft.com/office/drawing/2018/hyperlinkcolor" val="tx"/>
-                    </a:ext>
-                  </a:extLst>
-                </a:hlinkClick>
-              </a:rPr>
-              <a:t>ProyectoBrisasGems</a:t>
-            </a:r>
-            <a:r>
-              <a:rPr lang="es-CO" sz="1600" dirty="0">
-                <a:solidFill>
-                  <a:schemeClr val="tx1">
-                    <a:lumMod val="65000"/>
-                    <a:lumOff val="35000"/>
-                  </a:schemeClr>
-                </a:solidFill>
-                <a:hlinkClick r:id="rId6">
-                  <a:extLst>
-                    <a:ext uri="{A12FA001-AC4F-418D-AE19-62706E023703}">
-                      <ahyp:hlinkClr xmlns:ahyp="http://schemas.microsoft.com/office/drawing/2018/hyperlinkcolor" val="tx"/>
-                    </a:ext>
-                  </a:extLst>
-                </a:hlinkClick>
-              </a:rPr>
-              <a:t>/Trimestre%202/7.%20Fichas%20tecnicas/Ficha%20técnica%20Hardware%20y%20Software_PROYECTO.xlsx</a:t>
+              <a:t>https://d.docs.live.net/8ce537462a3d960c/Documentos/ProyectoBrisasGems/Trimestre%202/7.%20Fichas%20tecnicas/Comparacion_de_precios%20Hardware.xlsx</a:t>
             </a:r>
             <a:endParaRPr lang="es-CO" sz="1600" dirty="0">
               <a:solidFill>
@@ -9495,7 +9862,7 @@
         <p:cNvPr id="1" name="">
           <a:extLst>
             <a:ext uri="{FF2B5EF4-FFF2-40B4-BE49-F238E27FC236}">
-              <a16:creationId xmlns:a16="http://schemas.microsoft.com/office/drawing/2014/main" id="{AAEDC403-DD5F-EEEC-7857-A84856739238}"/>
+              <a16:creationId xmlns:a16="http://schemas.microsoft.com/office/drawing/2014/main" id="{7CE69A63-D5DC-0657-78F8-8613BF5A12EC}"/>
             </a:ext>
           </a:extLst>
         </p:cNvPr>
@@ -9515,7 +9882,7 @@
           <p:cNvPr id="4" name="Rectángulo 3">
             <a:extLst>
               <a:ext uri="{FF2B5EF4-FFF2-40B4-BE49-F238E27FC236}">
-                <a16:creationId xmlns:a16="http://schemas.microsoft.com/office/drawing/2014/main" id="{A4542D78-6619-69DE-1BBD-BCA8C8EBC073}"/>
+                <a16:creationId xmlns:a16="http://schemas.microsoft.com/office/drawing/2014/main" id="{BE3A4D79-E247-75FE-7BF7-931DDADAFB2B}"/>
               </a:ext>
             </a:extLst>
           </p:cNvPr>
@@ -9570,7 +9937,7 @@
           <p:cNvPr id="5" name="CuadroTexto 4">
             <a:extLst>
               <a:ext uri="{FF2B5EF4-FFF2-40B4-BE49-F238E27FC236}">
-                <a16:creationId xmlns:a16="http://schemas.microsoft.com/office/drawing/2014/main" id="{CB87FCFA-CA5F-B287-7C4E-D1B72CA6C4FE}"/>
+                <a16:creationId xmlns:a16="http://schemas.microsoft.com/office/drawing/2014/main" id="{126BACD9-8E70-9050-C6B8-BB68791FC12D}"/>
               </a:ext>
             </a:extLst>
           </p:cNvPr>
@@ -9599,7 +9966,7 @@
                   <a:srgbClr val="FF5511"/>
                 </a:solidFill>
               </a:rPr>
-              <a:t>Control de versiones</a:t>
+              <a:t>Diagrama entidad-relación</a:t>
             </a:r>
           </a:p>
         </p:txBody>
@@ -9609,7 +9976,7 @@
           <p:cNvPr id="8" name="Rectangle 1">
             <a:extLst>
               <a:ext uri="{FF2B5EF4-FFF2-40B4-BE49-F238E27FC236}">
-                <a16:creationId xmlns:a16="http://schemas.microsoft.com/office/drawing/2014/main" id="{2F375302-F762-A7CD-4EA3-43A120FCAE24}"/>
+                <a16:creationId xmlns:a16="http://schemas.microsoft.com/office/drawing/2014/main" id="{68219FD9-D341-3AF0-304E-7514FA18A33D}"/>
               </a:ext>
             </a:extLst>
           </p:cNvPr>
@@ -9678,7 +10045,7 @@
           <p:cNvPr id="10" name="Rectangle 3">
             <a:extLst>
               <a:ext uri="{FF2B5EF4-FFF2-40B4-BE49-F238E27FC236}">
-                <a16:creationId xmlns:a16="http://schemas.microsoft.com/office/drawing/2014/main" id="{3BC0FB0D-A54D-4EC7-B664-9999C3D6532F}"/>
+                <a16:creationId xmlns:a16="http://schemas.microsoft.com/office/drawing/2014/main" id="{2BF85870-B959-0981-D190-6AFA408A6B89}"/>
               </a:ext>
             </a:extLst>
           </p:cNvPr>
@@ -9747,7 +10114,7 @@
           <p:cNvPr id="14" name="Imagen 13">
             <a:extLst>
               <a:ext uri="{FF2B5EF4-FFF2-40B4-BE49-F238E27FC236}">
-                <a16:creationId xmlns:a16="http://schemas.microsoft.com/office/drawing/2014/main" id="{BBB883C5-74D6-1439-F499-8E4692FCC477}"/>
+                <a16:creationId xmlns:a16="http://schemas.microsoft.com/office/drawing/2014/main" id="{122FA198-054A-0CBD-33C6-E44137F28EE7}"/>
               </a:ext>
             </a:extLst>
           </p:cNvPr>
@@ -9776,7 +10143,7 @@
           <p:cNvPr id="2" name="Rectangle 1">
             <a:extLst>
               <a:ext uri="{FF2B5EF4-FFF2-40B4-BE49-F238E27FC236}">
-                <a16:creationId xmlns:a16="http://schemas.microsoft.com/office/drawing/2014/main" id="{3931D854-EE24-6326-91C6-463472242C66}"/>
+                <a16:creationId xmlns:a16="http://schemas.microsoft.com/office/drawing/2014/main" id="{5F9CAAB4-55E8-1536-8BD9-6FA85D6A6EC8}"/>
               </a:ext>
             </a:extLst>
           </p:cNvPr>
@@ -9845,7 +10212,7 @@
           <p:cNvPr id="3" name="Rectangle 2">
             <a:extLst>
               <a:ext uri="{FF2B5EF4-FFF2-40B4-BE49-F238E27FC236}">
-                <a16:creationId xmlns:a16="http://schemas.microsoft.com/office/drawing/2014/main" id="{CA0B63E4-7948-AFEE-CD0F-59B370234E48}"/>
+                <a16:creationId xmlns:a16="http://schemas.microsoft.com/office/drawing/2014/main" id="{4600482A-B83E-576B-7782-C3443E57D50F}"/>
               </a:ext>
             </a:extLst>
           </p:cNvPr>
@@ -9914,7 +10281,7 @@
           <p:cNvPr id="11" name="Imagen 10">
             <a:extLst>
               <a:ext uri="{FF2B5EF4-FFF2-40B4-BE49-F238E27FC236}">
-                <a16:creationId xmlns:a16="http://schemas.microsoft.com/office/drawing/2014/main" id="{1EDBB306-D677-4052-53DF-8A9A3520E01C}"/>
+                <a16:creationId xmlns:a16="http://schemas.microsoft.com/office/drawing/2014/main" id="{2B8ECC81-4299-6284-9D1D-0F1268B198ED}"/>
               </a:ext>
             </a:extLst>
           </p:cNvPr>
@@ -9939,12 +10306,69 @@
           </a:prstGeom>
         </p:spPr>
       </p:pic>
+      <p:sp>
+        <p:nvSpPr>
+          <p:cNvPr id="6" name="CuadroTexto 5">
+            <a:extLst>
+              <a:ext uri="{FF2B5EF4-FFF2-40B4-BE49-F238E27FC236}">
+                <a16:creationId xmlns:a16="http://schemas.microsoft.com/office/drawing/2014/main" id="{61109902-8E59-15A2-AE80-CB7407365627}"/>
+              </a:ext>
+            </a:extLst>
+          </p:cNvPr>
+          <p:cNvSpPr txBox="1"/>
+          <p:nvPr/>
+        </p:nvSpPr>
+        <p:spPr>
+          <a:xfrm>
+            <a:off x="334386" y="4365427"/>
+            <a:ext cx="8525022" cy="584775"/>
+          </a:xfrm>
+          <a:prstGeom prst="rect">
+            <a:avLst/>
+          </a:prstGeom>
+          <a:noFill/>
+        </p:spPr>
+        <p:txBody>
+          <a:bodyPr wrap="square" rtlCol="0">
+            <a:spAutoFit/>
+          </a:bodyPr>
+          <a:lstStyle/>
+          <a:p>
+            <a:r>
+              <a:rPr lang="es-CO" sz="1600" dirty="0">
+                <a:solidFill>
+                  <a:schemeClr val="tx1">
+                    <a:lumMod val="65000"/>
+                    <a:lumOff val="35000"/>
+                  </a:schemeClr>
+                </a:solidFill>
+                <a:hlinkClick r:id="rId5">
+                  <a:extLst>
+                    <a:ext uri="{A12FA001-AC4F-418D-AE19-62706E023703}">
+                      <ahyp:hlinkClr xmlns:ahyp="http://schemas.microsoft.com/office/drawing/2018/hyperlinkcolor" val="tx"/>
+                    </a:ext>
+                  </a:extLst>
+                </a:hlinkClick>
+              </a:rPr>
+              <a:t>https://d.docs.live.net/8ce537462a3d960c/Documentos/ProyectoBrisasGems/Trimestre%203/Modelo%20Entidad%20Relacion.png</a:t>
+            </a:r>
+            <a:endParaRPr lang="es-CO" sz="1600" dirty="0">
+              <a:solidFill>
+                <a:schemeClr val="tx1">
+                  <a:lumMod val="65000"/>
+                  <a:lumOff val="35000"/>
+                </a:schemeClr>
+              </a:solidFill>
+            </a:endParaRPr>
+          </a:p>
+        </p:txBody>
+      </p:sp>
       <p:pic>
         <p:nvPicPr>
-          <p:cNvPr id="13" name="Imagen 12">
-            <a:extLst>
-              <a:ext uri="{FF2B5EF4-FFF2-40B4-BE49-F238E27FC236}">
-                <a16:creationId xmlns:a16="http://schemas.microsoft.com/office/drawing/2014/main" id="{028FD717-BDE8-40FF-1E5B-BD1A93DC2973}"/>
+          <p:cNvPr id="12" name="Imagen 11">
+            <a:extLst>
+              <a:ext uri="{FF2B5EF4-FFF2-40B4-BE49-F238E27FC236}">
+                <a16:creationId xmlns:a16="http://schemas.microsoft.com/office/drawing/2014/main" id="{BB3183BD-20D3-C464-FC5F-A1E05C2E8341}"/>
               </a:ext>
             </a:extLst>
           </p:cNvPr>
@@ -9954,15 +10378,15 @@
           <p:nvPr/>
         </p:nvPicPr>
         <p:blipFill>
-          <a:blip r:embed="rId5"/>
+          <a:blip r:embed="rId6"/>
           <a:stretch>
             <a:fillRect/>
           </a:stretch>
         </p:blipFill>
         <p:spPr>
           <a:xfrm>
-            <a:off x="1073239" y="970796"/>
-            <a:ext cx="7302321" cy="4034068"/>
+            <a:off x="1034253" y="925960"/>
+            <a:ext cx="7125287" cy="3424387"/>
           </a:xfrm>
           <a:prstGeom prst="rect">
             <a:avLst/>
@@ -9972,7 +10396,7 @@
     </p:spTree>
     <p:extLst>
       <p:ext uri="{BB962C8B-B14F-4D97-AF65-F5344CB8AC3E}">
-        <p14:creationId xmlns:p14="http://schemas.microsoft.com/office/powerpoint/2010/main" val="2447726476"/>
+        <p14:creationId xmlns:p14="http://schemas.microsoft.com/office/powerpoint/2010/main" val="3104714754"/>
       </p:ext>
     </p:extLst>
   </p:cSld>
@@ -9990,7 +10414,7 @@
         <p:cNvPr id="1" name="">
           <a:extLst>
             <a:ext uri="{FF2B5EF4-FFF2-40B4-BE49-F238E27FC236}">
-              <a16:creationId xmlns:a16="http://schemas.microsoft.com/office/drawing/2014/main" id="{BE523CB1-C9E6-C86C-B1EC-82C28541AA5D}"/>
+              <a16:creationId xmlns:a16="http://schemas.microsoft.com/office/drawing/2014/main" id="{421869A1-628C-2DEA-9126-72B360845564}"/>
             </a:ext>
           </a:extLst>
         </p:cNvPr>
@@ -10010,7 +10434,7 @@
           <p:cNvPr id="4" name="Rectángulo 3">
             <a:extLst>
               <a:ext uri="{FF2B5EF4-FFF2-40B4-BE49-F238E27FC236}">
-                <a16:creationId xmlns:a16="http://schemas.microsoft.com/office/drawing/2014/main" id="{7F129B7E-C9BC-3C02-EFF8-FEEAD7851D34}"/>
+                <a16:creationId xmlns:a16="http://schemas.microsoft.com/office/drawing/2014/main" id="{89FA3190-A997-2E40-83AC-0E5BE3568E97}"/>
               </a:ext>
             </a:extLst>
           </p:cNvPr>
@@ -10065,7 +10489,7 @@
           <p:cNvPr id="5" name="CuadroTexto 4">
             <a:extLst>
               <a:ext uri="{FF2B5EF4-FFF2-40B4-BE49-F238E27FC236}">
-                <a16:creationId xmlns:a16="http://schemas.microsoft.com/office/drawing/2014/main" id="{088EC979-21A3-6ACD-24DB-B3A0126208A0}"/>
+                <a16:creationId xmlns:a16="http://schemas.microsoft.com/office/drawing/2014/main" id="{13B769B8-9048-63FC-84A2-FEF56D52B85F}"/>
               </a:ext>
             </a:extLst>
           </p:cNvPr>
@@ -10094,7 +10518,7 @@
                   <a:srgbClr val="FF5511"/>
                 </a:solidFill>
               </a:rPr>
-              <a:t>Control de versiones</a:t>
+              <a:t>Modelo relacional</a:t>
             </a:r>
           </a:p>
         </p:txBody>
@@ -10104,7 +10528,7 @@
           <p:cNvPr id="8" name="Rectangle 1">
             <a:extLst>
               <a:ext uri="{FF2B5EF4-FFF2-40B4-BE49-F238E27FC236}">
-                <a16:creationId xmlns:a16="http://schemas.microsoft.com/office/drawing/2014/main" id="{DEF89220-033C-ECC9-F4A3-23CD1C4CEBE8}"/>
+                <a16:creationId xmlns:a16="http://schemas.microsoft.com/office/drawing/2014/main" id="{E583786E-F2B7-9298-53FF-E6B501BF4514}"/>
               </a:ext>
             </a:extLst>
           </p:cNvPr>
@@ -10173,7 +10597,7 @@
           <p:cNvPr id="10" name="Rectangle 3">
             <a:extLst>
               <a:ext uri="{FF2B5EF4-FFF2-40B4-BE49-F238E27FC236}">
-                <a16:creationId xmlns:a16="http://schemas.microsoft.com/office/drawing/2014/main" id="{5649ADB4-17B1-93AE-CBDC-7C605360BE37}"/>
+                <a16:creationId xmlns:a16="http://schemas.microsoft.com/office/drawing/2014/main" id="{C86528F4-CCA4-8509-67F8-A577E59C7F77}"/>
               </a:ext>
             </a:extLst>
           </p:cNvPr>
@@ -10242,7 +10666,7 @@
           <p:cNvPr id="14" name="Imagen 13">
             <a:extLst>
               <a:ext uri="{FF2B5EF4-FFF2-40B4-BE49-F238E27FC236}">
-                <a16:creationId xmlns:a16="http://schemas.microsoft.com/office/drawing/2014/main" id="{2DE11CCC-5060-B7D6-F824-DADAA7FD69AA}"/>
+                <a16:creationId xmlns:a16="http://schemas.microsoft.com/office/drawing/2014/main" id="{4AD08951-590F-393B-7EB8-2C21912001AC}"/>
               </a:ext>
             </a:extLst>
           </p:cNvPr>
@@ -10271,7 +10695,7 @@
           <p:cNvPr id="2" name="Rectangle 1">
             <a:extLst>
               <a:ext uri="{FF2B5EF4-FFF2-40B4-BE49-F238E27FC236}">
-                <a16:creationId xmlns:a16="http://schemas.microsoft.com/office/drawing/2014/main" id="{A303BA26-06FC-5E24-D210-E963E4FDD154}"/>
+                <a16:creationId xmlns:a16="http://schemas.microsoft.com/office/drawing/2014/main" id="{8C4F156E-63EF-5A70-DC3F-2950005CAA2D}"/>
               </a:ext>
             </a:extLst>
           </p:cNvPr>
@@ -10340,7 +10764,7 @@
           <p:cNvPr id="3" name="Rectangle 2">
             <a:extLst>
               <a:ext uri="{FF2B5EF4-FFF2-40B4-BE49-F238E27FC236}">
-                <a16:creationId xmlns:a16="http://schemas.microsoft.com/office/drawing/2014/main" id="{F89D226D-58B4-72E1-10F0-5E8D92BC1539}"/>
+                <a16:creationId xmlns:a16="http://schemas.microsoft.com/office/drawing/2014/main" id="{D815B2BE-8BD7-AF2A-227A-CC2CE0201F08}"/>
               </a:ext>
             </a:extLst>
           </p:cNvPr>
@@ -10409,7 +10833,7 @@
           <p:cNvPr id="11" name="Imagen 10">
             <a:extLst>
               <a:ext uri="{FF2B5EF4-FFF2-40B4-BE49-F238E27FC236}">
-                <a16:creationId xmlns:a16="http://schemas.microsoft.com/office/drawing/2014/main" id="{5026950F-FA93-3150-88E6-D114058E52A4}"/>
+                <a16:creationId xmlns:a16="http://schemas.microsoft.com/office/drawing/2014/main" id="{F6F0EB5F-C6F7-B131-C9E2-E9D5D1EDEF9B}"/>
               </a:ext>
             </a:extLst>
           </p:cNvPr>
@@ -10434,12 +10858,69 @@
           </a:prstGeom>
         </p:spPr>
       </p:pic>
+      <p:sp>
+        <p:nvSpPr>
+          <p:cNvPr id="6" name="CuadroTexto 5">
+            <a:extLst>
+              <a:ext uri="{FF2B5EF4-FFF2-40B4-BE49-F238E27FC236}">
+                <a16:creationId xmlns:a16="http://schemas.microsoft.com/office/drawing/2014/main" id="{7C211FE0-4B74-6722-8720-A5293DFFD519}"/>
+              </a:ext>
+            </a:extLst>
+          </p:cNvPr>
+          <p:cNvSpPr txBox="1"/>
+          <p:nvPr/>
+        </p:nvSpPr>
+        <p:spPr>
+          <a:xfrm>
+            <a:off x="334386" y="4365427"/>
+            <a:ext cx="8525022" cy="584775"/>
+          </a:xfrm>
+          <a:prstGeom prst="rect">
+            <a:avLst/>
+          </a:prstGeom>
+          <a:noFill/>
+        </p:spPr>
+        <p:txBody>
+          <a:bodyPr wrap="square" rtlCol="0">
+            <a:spAutoFit/>
+          </a:bodyPr>
+          <a:lstStyle/>
+          <a:p>
+            <a:r>
+              <a:rPr lang="es-CO" sz="1600" dirty="0">
+                <a:solidFill>
+                  <a:schemeClr val="tx1">
+                    <a:lumMod val="65000"/>
+                    <a:lumOff val="35000"/>
+                  </a:schemeClr>
+                </a:solidFill>
+                <a:hlinkClick r:id="rId5">
+                  <a:extLst>
+                    <a:ext uri="{A12FA001-AC4F-418D-AE19-62706E023703}">
+                      <ahyp:hlinkClr xmlns:ahyp="http://schemas.microsoft.com/office/drawing/2018/hyperlinkcolor" val="tx"/>
+                    </a:ext>
+                  </a:extLst>
+                </a:hlinkClick>
+              </a:rPr>
+              <a:t>https://d.docs.live.net/8ce537462a3d960c/Documentos/ProyectoBrisasGems/Trimestre%203/MODELO%20RELACIONAAAAAL.jpg</a:t>
+            </a:r>
+            <a:endParaRPr lang="es-CO" sz="1600" dirty="0">
+              <a:solidFill>
+                <a:schemeClr val="tx1">
+                  <a:lumMod val="65000"/>
+                  <a:lumOff val="35000"/>
+                </a:schemeClr>
+              </a:solidFill>
+            </a:endParaRPr>
+          </a:p>
+        </p:txBody>
+      </p:sp>
       <p:pic>
         <p:nvPicPr>
-          <p:cNvPr id="7" name="Imagen 6">
-            <a:extLst>
-              <a:ext uri="{FF2B5EF4-FFF2-40B4-BE49-F238E27FC236}">
-                <a16:creationId xmlns:a16="http://schemas.microsoft.com/office/drawing/2014/main" id="{9D44F0CC-6A6A-C0E0-034E-F85EC39A0EAC}"/>
+          <p:cNvPr id="9" name="Imagen 8">
+            <a:extLst>
+              <a:ext uri="{FF2B5EF4-FFF2-40B4-BE49-F238E27FC236}">
+                <a16:creationId xmlns:a16="http://schemas.microsoft.com/office/drawing/2014/main" id="{8F99A7BD-202D-F829-CDA0-4041DF763F23}"/>
               </a:ext>
             </a:extLst>
           </p:cNvPr>
@@ -10449,15 +10930,15 @@
           <p:nvPr/>
         </p:nvPicPr>
         <p:blipFill>
-          <a:blip r:embed="rId5"/>
+          <a:blip r:embed="rId6"/>
           <a:stretch>
             <a:fillRect/>
           </a:stretch>
         </p:blipFill>
         <p:spPr>
           <a:xfrm>
-            <a:off x="1071652" y="983674"/>
-            <a:ext cx="7000696" cy="4045234"/>
+            <a:off x="1166353" y="930905"/>
+            <a:ext cx="6861088" cy="3281689"/>
           </a:xfrm>
           <a:prstGeom prst="rect">
             <a:avLst/>
@@ -10467,7 +10948,7 @@
     </p:spTree>
     <p:extLst>
       <p:ext uri="{BB962C8B-B14F-4D97-AF65-F5344CB8AC3E}">
-        <p14:creationId xmlns:p14="http://schemas.microsoft.com/office/powerpoint/2010/main" val="4281753411"/>
+        <p14:creationId xmlns:p14="http://schemas.microsoft.com/office/powerpoint/2010/main" val="1165159801"/>
       </p:ext>
     </p:extLst>
   </p:cSld>
@@ -10557,7 +11038,7 @@
         <p:spPr>
           <a:xfrm>
             <a:off x="874522" y="1729507"/>
-            <a:ext cx="6717574" cy="830997"/>
+            <a:ext cx="6717574" cy="1569660"/>
           </a:xfrm>
           <a:prstGeom prst="rect">
             <a:avLst/>
@@ -10581,7 +11062,7 @@
                 <a:cs typeface="Calibir"/>
                 <a:sym typeface="Helvetica Neue"/>
               </a:rPr>
-              <a:t>11. Control de versiones</a:t>
+              <a:t>11. Mockups</a:t>
             </a:r>
           </a:p>
           <a:p>
@@ -10596,13 +11077,56 @@
                 <a:cs typeface="Calibir"/>
                 <a:sym typeface="Helvetica Neue"/>
               </a:rPr>
-              <a:t>12. Mockups</a:t>
-            </a:r>
-          </a:p>
-          <a:p>
-            <a:pPr marL="342900" indent="-342900" algn="just" defTabSz="943239" hangingPunct="0">
-              <a:buAutoNum type="arabicPeriod"/>
-            </a:pPr>
+              <a:t>12. Modelo entidad-relación</a:t>
+            </a:r>
+          </a:p>
+          <a:p>
+            <a:pPr algn="just" defTabSz="943239" hangingPunct="0"/>
+            <a:r>
+              <a:rPr lang="es-ES" sz="1600" dirty="0">
+                <a:solidFill>
+                  <a:srgbClr val="404040"/>
+                </a:solidFill>
+                <a:latin typeface="Calibir"/>
+                <a:ea typeface="Helvetica Neue"/>
+                <a:cs typeface="Calibir"/>
+                <a:sym typeface="Helvetica Neue"/>
+              </a:rPr>
+              <a:t>13. Modelo relacional</a:t>
+            </a:r>
+          </a:p>
+          <a:p>
+            <a:pPr algn="just" defTabSz="943239" hangingPunct="0"/>
+            <a:r>
+              <a:rPr lang="es-ES" sz="1600" dirty="0">
+                <a:solidFill>
+                  <a:srgbClr val="404040"/>
+                </a:solidFill>
+                <a:latin typeface="Calibir"/>
+                <a:ea typeface="Helvetica Neue"/>
+                <a:cs typeface="Calibir"/>
+                <a:sym typeface="Helvetica Neue"/>
+              </a:rPr>
+              <a:t>14. Normalización</a:t>
+            </a:r>
+          </a:p>
+          <a:p>
+            <a:pPr algn="just" defTabSz="943239" hangingPunct="0"/>
+            <a:r>
+              <a:rPr lang="es-ES" sz="1600" dirty="0">
+                <a:solidFill>
+                  <a:srgbClr val="404040"/>
+                </a:solidFill>
+                <a:latin typeface="Calibir"/>
+                <a:ea typeface="Helvetica Neue"/>
+                <a:cs typeface="Calibir"/>
+                <a:sym typeface="Helvetica Neue"/>
+              </a:rPr>
+              <a:t>15. Control de versiones</a:t>
+            </a:r>
+          </a:p>
+          <a:p>
+            <a:pPr algn="just" defTabSz="943239" hangingPunct="0"/>
             <a:endParaRPr kumimoji="0" lang="es-ES" sz="1600" b="1" i="0" u="none" strike="noStrike" cap="none" spc="0" normalizeH="0" baseline="0" dirty="0">
               <a:ln>
                 <a:noFill/>
@@ -10634,6 +11158,1576 @@
 </file>
 
 <file path=ppt/slides/slide30.xml><?xml version="1.0" encoding="utf-8"?>
+<p:sld xmlns:a="http://schemas.openxmlformats.org/drawingml/2006/main" xmlns:r="http://schemas.openxmlformats.org/officeDocument/2006/relationships" xmlns:p="http://schemas.openxmlformats.org/presentationml/2006/main">
+  <p:cSld>
+    <p:spTree>
+      <p:nvGrpSpPr>
+        <p:cNvPr id="1" name="">
+          <a:extLst>
+            <a:ext uri="{FF2B5EF4-FFF2-40B4-BE49-F238E27FC236}">
+              <a16:creationId xmlns:a16="http://schemas.microsoft.com/office/drawing/2014/main" id="{53568ED0-E0F8-6FA6-FF50-C9A1CD83F2D6}"/>
+            </a:ext>
+          </a:extLst>
+        </p:cNvPr>
+        <p:cNvGrpSpPr/>
+        <p:nvPr/>
+      </p:nvGrpSpPr>
+      <p:grpSpPr>
+        <a:xfrm>
+          <a:off x="0" y="0"/>
+          <a:ext cx="0" cy="0"/>
+          <a:chOff x="0" y="0"/>
+          <a:chExt cx="0" cy="0"/>
+        </a:xfrm>
+      </p:grpSpPr>
+      <p:sp>
+        <p:nvSpPr>
+          <p:cNvPr id="4" name="Rectángulo 3">
+            <a:extLst>
+              <a:ext uri="{FF2B5EF4-FFF2-40B4-BE49-F238E27FC236}">
+                <a16:creationId xmlns:a16="http://schemas.microsoft.com/office/drawing/2014/main" id="{87AC0DFF-AE69-A30A-178D-7EC7CD628426}"/>
+              </a:ext>
+            </a:extLst>
+          </p:cNvPr>
+          <p:cNvSpPr/>
+          <p:nvPr/>
+        </p:nvSpPr>
+        <p:spPr>
+          <a:xfrm>
+            <a:off x="0" y="0"/>
+            <a:ext cx="9144000" cy="831275"/>
+          </a:xfrm>
+          <a:prstGeom prst="rect">
+            <a:avLst/>
+          </a:prstGeom>
+          <a:solidFill>
+            <a:schemeClr val="bg1"/>
+          </a:solidFill>
+          <a:ln>
+            <a:noFill/>
+          </a:ln>
+          <a:effectLst/>
+        </p:spPr>
+        <p:style>
+          <a:lnRef idx="1">
+            <a:schemeClr val="accent1"/>
+          </a:lnRef>
+          <a:fillRef idx="3">
+            <a:schemeClr val="accent1"/>
+          </a:fillRef>
+          <a:effectRef idx="2">
+            <a:schemeClr val="accent1"/>
+          </a:effectRef>
+          <a:fontRef idx="minor">
+            <a:schemeClr val="lt1"/>
+          </a:fontRef>
+        </p:style>
+        <p:txBody>
+          <a:bodyPr rtlCol="0" anchor="ctr"/>
+          <a:lstStyle/>
+          <a:p>
+            <a:pPr algn="ctr"/>
+            <a:endParaRPr lang="es-ES" dirty="0">
+              <a:solidFill>
+                <a:srgbClr val="FFFFFF"/>
+              </a:solidFill>
+            </a:endParaRPr>
+          </a:p>
+        </p:txBody>
+      </p:sp>
+      <p:sp>
+        <p:nvSpPr>
+          <p:cNvPr id="5" name="CuadroTexto 4">
+            <a:extLst>
+              <a:ext uri="{FF2B5EF4-FFF2-40B4-BE49-F238E27FC236}">
+                <a16:creationId xmlns:a16="http://schemas.microsoft.com/office/drawing/2014/main" id="{4804ABF1-8563-FF92-9851-61D7866A624E}"/>
+              </a:ext>
+            </a:extLst>
+          </p:cNvPr>
+          <p:cNvSpPr txBox="1"/>
+          <p:nvPr/>
+        </p:nvSpPr>
+        <p:spPr>
+          <a:xfrm>
+            <a:off x="82533" y="57715"/>
+            <a:ext cx="7518486" cy="646331"/>
+          </a:xfrm>
+          <a:prstGeom prst="rect">
+            <a:avLst/>
+          </a:prstGeom>
+          <a:noFill/>
+        </p:spPr>
+        <p:txBody>
+          <a:bodyPr wrap="square" rtlCol="0">
+            <a:spAutoFit/>
+          </a:bodyPr>
+          <a:lstStyle/>
+          <a:p>
+            <a:r>
+              <a:rPr lang="es-ES" sz="3600" b="1" dirty="0">
+                <a:solidFill>
+                  <a:srgbClr val="FF5511"/>
+                </a:solidFill>
+              </a:rPr>
+              <a:t>Normalización</a:t>
+            </a:r>
+          </a:p>
+        </p:txBody>
+      </p:sp>
+      <p:sp>
+        <p:nvSpPr>
+          <p:cNvPr id="8" name="Rectangle 1">
+            <a:extLst>
+              <a:ext uri="{FF2B5EF4-FFF2-40B4-BE49-F238E27FC236}">
+                <a16:creationId xmlns:a16="http://schemas.microsoft.com/office/drawing/2014/main" id="{28949B46-8768-F699-EDB9-99DE1297F905}"/>
+              </a:ext>
+            </a:extLst>
+          </p:cNvPr>
+          <p:cNvSpPr>
+            <a:spLocks noChangeArrowheads="1"/>
+          </p:cNvSpPr>
+          <p:nvPr/>
+        </p:nvSpPr>
+        <p:spPr bwMode="auto">
+          <a:xfrm>
+            <a:off x="0" y="0"/>
+            <a:ext cx="9144000" cy="0"/>
+          </a:xfrm>
+          <a:prstGeom prst="rect">
+            <a:avLst/>
+          </a:prstGeom>
+          <a:noFill/>
+          <a:ln>
+            <a:noFill/>
+          </a:ln>
+          <a:effectLst/>
+          <a:extLst>
+            <a:ext uri="{909E8E84-426E-40DD-AFC4-6F175D3DCCD1}">
+              <a14:hiddenFill xmlns:a14="http://schemas.microsoft.com/office/drawing/2010/main">
+                <a:solidFill>
+                  <a:schemeClr val="accent1"/>
+                </a:solidFill>
+              </a14:hiddenFill>
+            </a:ext>
+            <a:ext uri="{91240B29-F687-4F45-9708-019B960494DF}">
+              <a14:hiddenLine xmlns:a14="http://schemas.microsoft.com/office/drawing/2010/main" w="9525">
+                <a:solidFill>
+                  <a:schemeClr val="tx1"/>
+                </a:solidFill>
+                <a:miter lim="800000"/>
+                <a:headEnd/>
+                <a:tailEnd/>
+              </a14:hiddenLine>
+            </a:ext>
+            <a:ext uri="{AF507438-7753-43E0-B8FC-AC1667EBCBE1}">
+              <a14:hiddenEffects xmlns:a14="http://schemas.microsoft.com/office/drawing/2010/main">
+                <a:effectLst>
+                  <a:outerShdw dist="35921" dir="2700000" algn="ctr" rotWithShape="0">
+                    <a:schemeClr val="bg2"/>
+                  </a:outerShdw>
+                </a:effectLst>
+              </a14:hiddenEffects>
+            </a:ext>
+          </a:extLst>
+        </p:spPr>
+        <p:txBody>
+          <a:bodyPr vert="horz" wrap="none" lIns="91440" tIns="45720" rIns="91440" bIns="45720" numCol="1" anchor="ctr" anchorCtr="0" compatLnSpc="1">
+            <a:prstTxWarp prst="textNoShape">
+              <a:avLst/>
+            </a:prstTxWarp>
+            <a:spAutoFit/>
+          </a:bodyPr>
+          <a:lstStyle/>
+          <a:p>
+            <a:endParaRPr lang="es-CO"/>
+          </a:p>
+        </p:txBody>
+      </p:sp>
+      <p:sp>
+        <p:nvSpPr>
+          <p:cNvPr id="10" name="Rectangle 3">
+            <a:extLst>
+              <a:ext uri="{FF2B5EF4-FFF2-40B4-BE49-F238E27FC236}">
+                <a16:creationId xmlns:a16="http://schemas.microsoft.com/office/drawing/2014/main" id="{40EFA2A1-CF4C-5053-5E57-C55154485175}"/>
+              </a:ext>
+            </a:extLst>
+          </p:cNvPr>
+          <p:cNvSpPr>
+            <a:spLocks noChangeArrowheads="1"/>
+          </p:cNvSpPr>
+          <p:nvPr/>
+        </p:nvSpPr>
+        <p:spPr bwMode="auto">
+          <a:xfrm>
+            <a:off x="152400" y="152400"/>
+            <a:ext cx="9144000" cy="0"/>
+          </a:xfrm>
+          <a:prstGeom prst="rect">
+            <a:avLst/>
+          </a:prstGeom>
+          <a:noFill/>
+          <a:ln>
+            <a:noFill/>
+          </a:ln>
+          <a:effectLst/>
+          <a:extLst>
+            <a:ext uri="{909E8E84-426E-40DD-AFC4-6F175D3DCCD1}">
+              <a14:hiddenFill xmlns:a14="http://schemas.microsoft.com/office/drawing/2010/main">
+                <a:solidFill>
+                  <a:schemeClr val="accent1"/>
+                </a:solidFill>
+              </a14:hiddenFill>
+            </a:ext>
+            <a:ext uri="{91240B29-F687-4F45-9708-019B960494DF}">
+              <a14:hiddenLine xmlns:a14="http://schemas.microsoft.com/office/drawing/2010/main" w="9525">
+                <a:solidFill>
+                  <a:schemeClr val="tx1"/>
+                </a:solidFill>
+                <a:miter lim="800000"/>
+                <a:headEnd/>
+                <a:tailEnd/>
+              </a14:hiddenLine>
+            </a:ext>
+            <a:ext uri="{AF507438-7753-43E0-B8FC-AC1667EBCBE1}">
+              <a14:hiddenEffects xmlns:a14="http://schemas.microsoft.com/office/drawing/2010/main">
+                <a:effectLst>
+                  <a:outerShdw dist="35921" dir="2700000" algn="ctr" rotWithShape="0">
+                    <a:schemeClr val="bg2"/>
+                  </a:outerShdw>
+                </a:effectLst>
+              </a14:hiddenEffects>
+            </a:ext>
+          </a:extLst>
+        </p:spPr>
+        <p:txBody>
+          <a:bodyPr vert="horz" wrap="none" lIns="91440" tIns="45720" rIns="91440" bIns="45720" numCol="1" anchor="ctr" anchorCtr="0" compatLnSpc="1">
+            <a:prstTxWarp prst="textNoShape">
+              <a:avLst/>
+            </a:prstTxWarp>
+            <a:spAutoFit/>
+          </a:bodyPr>
+          <a:lstStyle/>
+          <a:p>
+            <a:endParaRPr lang="es-CO"/>
+          </a:p>
+        </p:txBody>
+      </p:sp>
+      <p:pic>
+        <p:nvPicPr>
+          <p:cNvPr id="14" name="Imagen 13">
+            <a:extLst>
+              <a:ext uri="{FF2B5EF4-FFF2-40B4-BE49-F238E27FC236}">
+                <a16:creationId xmlns:a16="http://schemas.microsoft.com/office/drawing/2014/main" id="{F547450F-9783-2F97-1306-1EB78C159E1E}"/>
+              </a:ext>
+            </a:extLst>
+          </p:cNvPr>
+          <p:cNvPicPr>
+            <a:picLocks noChangeAspect="1"/>
+          </p:cNvPicPr>
+          <p:nvPr/>
+        </p:nvPicPr>
+        <p:blipFill>
+          <a:blip r:embed="rId3"/>
+          <a:srcRect l="10652" t="14336" r="9696" b="9341"/>
+          <a:stretch/>
+        </p:blipFill>
+        <p:spPr>
+          <a:xfrm>
+            <a:off x="8439201" y="57715"/>
+            <a:ext cx="622266" cy="650017"/>
+          </a:xfrm>
+          <a:prstGeom prst="rect">
+            <a:avLst/>
+          </a:prstGeom>
+        </p:spPr>
+      </p:pic>
+      <p:sp>
+        <p:nvSpPr>
+          <p:cNvPr id="2" name="Rectangle 1">
+            <a:extLst>
+              <a:ext uri="{FF2B5EF4-FFF2-40B4-BE49-F238E27FC236}">
+                <a16:creationId xmlns:a16="http://schemas.microsoft.com/office/drawing/2014/main" id="{3FA459B8-3B92-BF41-F21D-0095F85071E5}"/>
+              </a:ext>
+            </a:extLst>
+          </p:cNvPr>
+          <p:cNvSpPr>
+            <a:spLocks noChangeArrowheads="1"/>
+          </p:cNvSpPr>
+          <p:nvPr/>
+        </p:nvSpPr>
+        <p:spPr bwMode="auto">
+          <a:xfrm>
+            <a:off x="304800" y="304800"/>
+            <a:ext cx="9144000" cy="0"/>
+          </a:xfrm>
+          <a:prstGeom prst="rect">
+            <a:avLst/>
+          </a:prstGeom>
+          <a:noFill/>
+          <a:ln>
+            <a:noFill/>
+          </a:ln>
+          <a:effectLst/>
+          <a:extLst>
+            <a:ext uri="{909E8E84-426E-40DD-AFC4-6F175D3DCCD1}">
+              <a14:hiddenFill xmlns:a14="http://schemas.microsoft.com/office/drawing/2010/main">
+                <a:solidFill>
+                  <a:schemeClr val="accent1"/>
+                </a:solidFill>
+              </a14:hiddenFill>
+            </a:ext>
+            <a:ext uri="{91240B29-F687-4F45-9708-019B960494DF}">
+              <a14:hiddenLine xmlns:a14="http://schemas.microsoft.com/office/drawing/2010/main" w="9525">
+                <a:solidFill>
+                  <a:schemeClr val="tx1"/>
+                </a:solidFill>
+                <a:miter lim="800000"/>
+                <a:headEnd/>
+                <a:tailEnd/>
+              </a14:hiddenLine>
+            </a:ext>
+            <a:ext uri="{AF507438-7753-43E0-B8FC-AC1667EBCBE1}">
+              <a14:hiddenEffects xmlns:a14="http://schemas.microsoft.com/office/drawing/2010/main">
+                <a:effectLst>
+                  <a:outerShdw dist="35921" dir="2700000" algn="ctr" rotWithShape="0">
+                    <a:schemeClr val="bg2"/>
+                  </a:outerShdw>
+                </a:effectLst>
+              </a14:hiddenEffects>
+            </a:ext>
+          </a:extLst>
+        </p:spPr>
+        <p:txBody>
+          <a:bodyPr vert="horz" wrap="none" lIns="91440" tIns="45720" rIns="91440" bIns="45720" numCol="1" anchor="ctr" anchorCtr="0" compatLnSpc="1">
+            <a:prstTxWarp prst="textNoShape">
+              <a:avLst/>
+            </a:prstTxWarp>
+            <a:spAutoFit/>
+          </a:bodyPr>
+          <a:lstStyle/>
+          <a:p>
+            <a:endParaRPr lang="es-CO"/>
+          </a:p>
+        </p:txBody>
+      </p:sp>
+      <p:sp>
+        <p:nvSpPr>
+          <p:cNvPr id="3" name="Rectangle 2">
+            <a:extLst>
+              <a:ext uri="{FF2B5EF4-FFF2-40B4-BE49-F238E27FC236}">
+                <a16:creationId xmlns:a16="http://schemas.microsoft.com/office/drawing/2014/main" id="{B310DF83-F003-6930-ABF1-4DB1AB67B2C0}"/>
+              </a:ext>
+            </a:extLst>
+          </p:cNvPr>
+          <p:cNvSpPr>
+            <a:spLocks noChangeArrowheads="1"/>
+          </p:cNvSpPr>
+          <p:nvPr/>
+        </p:nvSpPr>
+        <p:spPr bwMode="auto">
+          <a:xfrm>
+            <a:off x="0" y="152400"/>
+            <a:ext cx="9144000" cy="0"/>
+          </a:xfrm>
+          <a:prstGeom prst="rect">
+            <a:avLst/>
+          </a:prstGeom>
+          <a:noFill/>
+          <a:ln>
+            <a:noFill/>
+          </a:ln>
+          <a:effectLst/>
+          <a:extLst>
+            <a:ext uri="{909E8E84-426E-40DD-AFC4-6F175D3DCCD1}">
+              <a14:hiddenFill xmlns:a14="http://schemas.microsoft.com/office/drawing/2010/main">
+                <a:solidFill>
+                  <a:schemeClr val="accent1"/>
+                </a:solidFill>
+              </a14:hiddenFill>
+            </a:ext>
+            <a:ext uri="{91240B29-F687-4F45-9708-019B960494DF}">
+              <a14:hiddenLine xmlns:a14="http://schemas.microsoft.com/office/drawing/2010/main" w="9525">
+                <a:solidFill>
+                  <a:schemeClr val="tx1"/>
+                </a:solidFill>
+                <a:miter lim="800000"/>
+                <a:headEnd/>
+                <a:tailEnd/>
+              </a14:hiddenLine>
+            </a:ext>
+            <a:ext uri="{AF507438-7753-43E0-B8FC-AC1667EBCBE1}">
+              <a14:hiddenEffects xmlns:a14="http://schemas.microsoft.com/office/drawing/2010/main">
+                <a:effectLst>
+                  <a:outerShdw dist="35921" dir="2700000" algn="ctr" rotWithShape="0">
+                    <a:schemeClr val="bg2"/>
+                  </a:outerShdw>
+                </a:effectLst>
+              </a14:hiddenEffects>
+            </a:ext>
+          </a:extLst>
+        </p:spPr>
+        <p:txBody>
+          <a:bodyPr vert="horz" wrap="none" lIns="91440" tIns="45720" rIns="91440" bIns="45720" numCol="1" anchor="ctr" anchorCtr="0" compatLnSpc="1">
+            <a:prstTxWarp prst="textNoShape">
+              <a:avLst/>
+            </a:prstTxWarp>
+            <a:spAutoFit/>
+          </a:bodyPr>
+          <a:lstStyle/>
+          <a:p>
+            <a:endParaRPr lang="es-CO"/>
+          </a:p>
+        </p:txBody>
+      </p:sp>
+      <p:pic>
+        <p:nvPicPr>
+          <p:cNvPr id="11" name="Imagen 10">
+            <a:extLst>
+              <a:ext uri="{FF2B5EF4-FFF2-40B4-BE49-F238E27FC236}">
+                <a16:creationId xmlns:a16="http://schemas.microsoft.com/office/drawing/2014/main" id="{05F8E107-7AD4-F7B4-04A5-36B66D4BEF5B}"/>
+              </a:ext>
+            </a:extLst>
+          </p:cNvPr>
+          <p:cNvPicPr>
+            <a:picLocks noGrp="1" noRot="1" noChangeAspect="1" noMove="1" noResize="1" noEditPoints="1" noAdjustHandles="1" noChangeArrowheads="1" noChangeShapeType="1" noCrop="1"/>
+          </p:cNvPicPr>
+          <p:nvPr/>
+        </p:nvPicPr>
+        <p:blipFill>
+          <a:blip r:embed="rId4"/>
+          <a:stretch>
+            <a:fillRect/>
+          </a:stretch>
+        </p:blipFill>
+        <p:spPr>
+          <a:xfrm>
+            <a:off x="3991034" y="970796"/>
+            <a:ext cx="4214225" cy="670618"/>
+          </a:xfrm>
+          <a:prstGeom prst="rect">
+            <a:avLst/>
+          </a:prstGeom>
+        </p:spPr>
+      </p:pic>
+      <p:sp>
+        <p:nvSpPr>
+          <p:cNvPr id="6" name="CuadroTexto 5">
+            <a:extLst>
+              <a:ext uri="{FF2B5EF4-FFF2-40B4-BE49-F238E27FC236}">
+                <a16:creationId xmlns:a16="http://schemas.microsoft.com/office/drawing/2014/main" id="{CD06EC0A-14EA-50EE-35A9-134D63D7EA18}"/>
+              </a:ext>
+            </a:extLst>
+          </p:cNvPr>
+          <p:cNvSpPr txBox="1"/>
+          <p:nvPr/>
+        </p:nvSpPr>
+        <p:spPr>
+          <a:xfrm>
+            <a:off x="334386" y="4365427"/>
+            <a:ext cx="8525022" cy="584775"/>
+          </a:xfrm>
+          <a:prstGeom prst="rect">
+            <a:avLst/>
+          </a:prstGeom>
+          <a:noFill/>
+        </p:spPr>
+        <p:txBody>
+          <a:bodyPr wrap="square" rtlCol="0">
+            <a:spAutoFit/>
+          </a:bodyPr>
+          <a:lstStyle/>
+          <a:p>
+            <a:r>
+              <a:rPr lang="es-CO" sz="1600" dirty="0">
+                <a:solidFill>
+                  <a:schemeClr val="tx1">
+                    <a:lumMod val="65000"/>
+                    <a:lumOff val="35000"/>
+                  </a:schemeClr>
+                </a:solidFill>
+                <a:hlinkClick r:id="rId5">
+                  <a:extLst>
+                    <a:ext uri="{A12FA001-AC4F-418D-AE19-62706E023703}">
+                      <ahyp:hlinkClr xmlns:ahyp="http://schemas.microsoft.com/office/drawing/2018/hyperlinkcolor" val="tx"/>
+                    </a:ext>
+                  </a:extLst>
+                </a:hlinkClick>
+              </a:rPr>
+              <a:t>https://d.docs.live.net/8ce537462a3d960c/Documentos/ProyectoBrisasGems/Trimestre%203/normalizacion.xlsx</a:t>
+            </a:r>
+            <a:endParaRPr lang="es-CO" sz="1600" dirty="0">
+              <a:solidFill>
+                <a:schemeClr val="tx1">
+                  <a:lumMod val="65000"/>
+                  <a:lumOff val="35000"/>
+                </a:schemeClr>
+              </a:solidFill>
+            </a:endParaRPr>
+          </a:p>
+        </p:txBody>
+      </p:sp>
+      <p:pic>
+        <p:nvPicPr>
+          <p:cNvPr id="12" name="Imagen 11">
+            <a:extLst>
+              <a:ext uri="{FF2B5EF4-FFF2-40B4-BE49-F238E27FC236}">
+                <a16:creationId xmlns:a16="http://schemas.microsoft.com/office/drawing/2014/main" id="{87AEFD36-C1BF-2AE3-886E-61F2438EC633}"/>
+              </a:ext>
+            </a:extLst>
+          </p:cNvPr>
+          <p:cNvPicPr>
+            <a:picLocks noChangeAspect="1"/>
+          </p:cNvPicPr>
+          <p:nvPr/>
+        </p:nvPicPr>
+        <p:blipFill>
+          <a:blip r:embed="rId6"/>
+          <a:stretch>
+            <a:fillRect/>
+          </a:stretch>
+        </p:blipFill>
+        <p:spPr>
+          <a:xfrm>
+            <a:off x="436098" y="1655309"/>
+            <a:ext cx="8271803" cy="2137410"/>
+          </a:xfrm>
+          <a:prstGeom prst="rect">
+            <a:avLst/>
+          </a:prstGeom>
+        </p:spPr>
+      </p:pic>
+      <p:pic>
+        <p:nvPicPr>
+          <p:cNvPr id="13" name="Imagen 12">
+            <a:extLst>
+              <a:ext uri="{FF2B5EF4-FFF2-40B4-BE49-F238E27FC236}">
+                <a16:creationId xmlns:a16="http://schemas.microsoft.com/office/drawing/2014/main" id="{9631E79F-EE39-6B4D-AEA1-4A3C76962A83}"/>
+              </a:ext>
+            </a:extLst>
+          </p:cNvPr>
+          <p:cNvPicPr/>
+          <p:nvPr/>
+        </p:nvPicPr>
+        <p:blipFill>
+          <a:blip r:embed="rId4"/>
+          <a:stretch>
+            <a:fillRect/>
+          </a:stretch>
+        </p:blipFill>
+        <p:spPr>
+          <a:xfrm>
+            <a:off x="4224976" y="3800765"/>
+            <a:ext cx="4214225" cy="374850"/>
+          </a:xfrm>
+          <a:prstGeom prst="rect">
+            <a:avLst/>
+          </a:prstGeom>
+        </p:spPr>
+      </p:pic>
+    </p:spTree>
+    <p:extLst>
+      <p:ext uri="{BB962C8B-B14F-4D97-AF65-F5344CB8AC3E}">
+        <p14:creationId xmlns:p14="http://schemas.microsoft.com/office/powerpoint/2010/main" val="3911717705"/>
+      </p:ext>
+    </p:extLst>
+  </p:cSld>
+  <p:clrMapOvr>
+    <a:masterClrMapping/>
+  </p:clrMapOvr>
+</p:sld>
+</file>
+
+<file path=ppt/slides/slide31.xml><?xml version="1.0" encoding="utf-8"?>
+<p:sld xmlns:a="http://schemas.openxmlformats.org/drawingml/2006/main" xmlns:r="http://schemas.openxmlformats.org/officeDocument/2006/relationships" xmlns:p="http://schemas.openxmlformats.org/presentationml/2006/main">
+  <p:cSld>
+    <p:spTree>
+      <p:nvGrpSpPr>
+        <p:cNvPr id="1" name="">
+          <a:extLst>
+            <a:ext uri="{FF2B5EF4-FFF2-40B4-BE49-F238E27FC236}">
+              <a16:creationId xmlns:a16="http://schemas.microsoft.com/office/drawing/2014/main" id="{AAEDC403-DD5F-EEEC-7857-A84856739238}"/>
+            </a:ext>
+          </a:extLst>
+        </p:cNvPr>
+        <p:cNvGrpSpPr/>
+        <p:nvPr/>
+      </p:nvGrpSpPr>
+      <p:grpSpPr>
+        <a:xfrm>
+          <a:off x="0" y="0"/>
+          <a:ext cx="0" cy="0"/>
+          <a:chOff x="0" y="0"/>
+          <a:chExt cx="0" cy="0"/>
+        </a:xfrm>
+      </p:grpSpPr>
+      <p:sp>
+        <p:nvSpPr>
+          <p:cNvPr id="4" name="Rectángulo 3">
+            <a:extLst>
+              <a:ext uri="{FF2B5EF4-FFF2-40B4-BE49-F238E27FC236}">
+                <a16:creationId xmlns:a16="http://schemas.microsoft.com/office/drawing/2014/main" id="{A4542D78-6619-69DE-1BBD-BCA8C8EBC073}"/>
+              </a:ext>
+            </a:extLst>
+          </p:cNvPr>
+          <p:cNvSpPr/>
+          <p:nvPr/>
+        </p:nvSpPr>
+        <p:spPr>
+          <a:xfrm>
+            <a:off x="0" y="0"/>
+            <a:ext cx="9144000" cy="831275"/>
+          </a:xfrm>
+          <a:prstGeom prst="rect">
+            <a:avLst/>
+          </a:prstGeom>
+          <a:solidFill>
+            <a:schemeClr val="bg1"/>
+          </a:solidFill>
+          <a:ln>
+            <a:noFill/>
+          </a:ln>
+          <a:effectLst/>
+        </p:spPr>
+        <p:style>
+          <a:lnRef idx="1">
+            <a:schemeClr val="accent1"/>
+          </a:lnRef>
+          <a:fillRef idx="3">
+            <a:schemeClr val="accent1"/>
+          </a:fillRef>
+          <a:effectRef idx="2">
+            <a:schemeClr val="accent1"/>
+          </a:effectRef>
+          <a:fontRef idx="minor">
+            <a:schemeClr val="lt1"/>
+          </a:fontRef>
+        </p:style>
+        <p:txBody>
+          <a:bodyPr rtlCol="0" anchor="ctr"/>
+          <a:lstStyle/>
+          <a:p>
+            <a:pPr algn="ctr"/>
+            <a:endParaRPr lang="es-ES" dirty="0">
+              <a:solidFill>
+                <a:srgbClr val="FFFFFF"/>
+              </a:solidFill>
+            </a:endParaRPr>
+          </a:p>
+        </p:txBody>
+      </p:sp>
+      <p:sp>
+        <p:nvSpPr>
+          <p:cNvPr id="5" name="CuadroTexto 4">
+            <a:extLst>
+              <a:ext uri="{FF2B5EF4-FFF2-40B4-BE49-F238E27FC236}">
+                <a16:creationId xmlns:a16="http://schemas.microsoft.com/office/drawing/2014/main" id="{CB87FCFA-CA5F-B287-7C4E-D1B72CA6C4FE}"/>
+              </a:ext>
+            </a:extLst>
+          </p:cNvPr>
+          <p:cNvSpPr txBox="1"/>
+          <p:nvPr/>
+        </p:nvSpPr>
+        <p:spPr>
+          <a:xfrm>
+            <a:off x="82533" y="57715"/>
+            <a:ext cx="7518486" cy="646331"/>
+          </a:xfrm>
+          <a:prstGeom prst="rect">
+            <a:avLst/>
+          </a:prstGeom>
+          <a:noFill/>
+        </p:spPr>
+        <p:txBody>
+          <a:bodyPr wrap="square" rtlCol="0">
+            <a:spAutoFit/>
+          </a:bodyPr>
+          <a:lstStyle/>
+          <a:p>
+            <a:r>
+              <a:rPr lang="es-ES" sz="3600" b="1" dirty="0">
+                <a:solidFill>
+                  <a:srgbClr val="FF5511"/>
+                </a:solidFill>
+              </a:rPr>
+              <a:t>Control de versiones</a:t>
+            </a:r>
+          </a:p>
+        </p:txBody>
+      </p:sp>
+      <p:sp>
+        <p:nvSpPr>
+          <p:cNvPr id="8" name="Rectangle 1">
+            <a:extLst>
+              <a:ext uri="{FF2B5EF4-FFF2-40B4-BE49-F238E27FC236}">
+                <a16:creationId xmlns:a16="http://schemas.microsoft.com/office/drawing/2014/main" id="{2F375302-F762-A7CD-4EA3-43A120FCAE24}"/>
+              </a:ext>
+            </a:extLst>
+          </p:cNvPr>
+          <p:cNvSpPr>
+            <a:spLocks noChangeArrowheads="1"/>
+          </p:cNvSpPr>
+          <p:nvPr/>
+        </p:nvSpPr>
+        <p:spPr bwMode="auto">
+          <a:xfrm>
+            <a:off x="0" y="0"/>
+            <a:ext cx="9144000" cy="0"/>
+          </a:xfrm>
+          <a:prstGeom prst="rect">
+            <a:avLst/>
+          </a:prstGeom>
+          <a:noFill/>
+          <a:ln>
+            <a:noFill/>
+          </a:ln>
+          <a:effectLst/>
+          <a:extLst>
+            <a:ext uri="{909E8E84-426E-40DD-AFC4-6F175D3DCCD1}">
+              <a14:hiddenFill xmlns:a14="http://schemas.microsoft.com/office/drawing/2010/main">
+                <a:solidFill>
+                  <a:schemeClr val="accent1"/>
+                </a:solidFill>
+              </a14:hiddenFill>
+            </a:ext>
+            <a:ext uri="{91240B29-F687-4F45-9708-019B960494DF}">
+              <a14:hiddenLine xmlns:a14="http://schemas.microsoft.com/office/drawing/2010/main" w="9525">
+                <a:solidFill>
+                  <a:schemeClr val="tx1"/>
+                </a:solidFill>
+                <a:miter lim="800000"/>
+                <a:headEnd/>
+                <a:tailEnd/>
+              </a14:hiddenLine>
+            </a:ext>
+            <a:ext uri="{AF507438-7753-43E0-B8FC-AC1667EBCBE1}">
+              <a14:hiddenEffects xmlns:a14="http://schemas.microsoft.com/office/drawing/2010/main">
+                <a:effectLst>
+                  <a:outerShdw dist="35921" dir="2700000" algn="ctr" rotWithShape="0">
+                    <a:schemeClr val="bg2"/>
+                  </a:outerShdw>
+                </a:effectLst>
+              </a14:hiddenEffects>
+            </a:ext>
+          </a:extLst>
+        </p:spPr>
+        <p:txBody>
+          <a:bodyPr vert="horz" wrap="none" lIns="91440" tIns="45720" rIns="91440" bIns="45720" numCol="1" anchor="ctr" anchorCtr="0" compatLnSpc="1">
+            <a:prstTxWarp prst="textNoShape">
+              <a:avLst/>
+            </a:prstTxWarp>
+            <a:spAutoFit/>
+          </a:bodyPr>
+          <a:lstStyle/>
+          <a:p>
+            <a:endParaRPr lang="es-CO"/>
+          </a:p>
+        </p:txBody>
+      </p:sp>
+      <p:sp>
+        <p:nvSpPr>
+          <p:cNvPr id="10" name="Rectangle 3">
+            <a:extLst>
+              <a:ext uri="{FF2B5EF4-FFF2-40B4-BE49-F238E27FC236}">
+                <a16:creationId xmlns:a16="http://schemas.microsoft.com/office/drawing/2014/main" id="{3BC0FB0D-A54D-4EC7-B664-9999C3D6532F}"/>
+              </a:ext>
+            </a:extLst>
+          </p:cNvPr>
+          <p:cNvSpPr>
+            <a:spLocks noChangeArrowheads="1"/>
+          </p:cNvSpPr>
+          <p:nvPr/>
+        </p:nvSpPr>
+        <p:spPr bwMode="auto">
+          <a:xfrm>
+            <a:off x="152400" y="152400"/>
+            <a:ext cx="9144000" cy="0"/>
+          </a:xfrm>
+          <a:prstGeom prst="rect">
+            <a:avLst/>
+          </a:prstGeom>
+          <a:noFill/>
+          <a:ln>
+            <a:noFill/>
+          </a:ln>
+          <a:effectLst/>
+          <a:extLst>
+            <a:ext uri="{909E8E84-426E-40DD-AFC4-6F175D3DCCD1}">
+              <a14:hiddenFill xmlns:a14="http://schemas.microsoft.com/office/drawing/2010/main">
+                <a:solidFill>
+                  <a:schemeClr val="accent1"/>
+                </a:solidFill>
+              </a14:hiddenFill>
+            </a:ext>
+            <a:ext uri="{91240B29-F687-4F45-9708-019B960494DF}">
+              <a14:hiddenLine xmlns:a14="http://schemas.microsoft.com/office/drawing/2010/main" w="9525">
+                <a:solidFill>
+                  <a:schemeClr val="tx1"/>
+                </a:solidFill>
+                <a:miter lim="800000"/>
+                <a:headEnd/>
+                <a:tailEnd/>
+              </a14:hiddenLine>
+            </a:ext>
+            <a:ext uri="{AF507438-7753-43E0-B8FC-AC1667EBCBE1}">
+              <a14:hiddenEffects xmlns:a14="http://schemas.microsoft.com/office/drawing/2010/main">
+                <a:effectLst>
+                  <a:outerShdw dist="35921" dir="2700000" algn="ctr" rotWithShape="0">
+                    <a:schemeClr val="bg2"/>
+                  </a:outerShdw>
+                </a:effectLst>
+              </a14:hiddenEffects>
+            </a:ext>
+          </a:extLst>
+        </p:spPr>
+        <p:txBody>
+          <a:bodyPr vert="horz" wrap="none" lIns="91440" tIns="45720" rIns="91440" bIns="45720" numCol="1" anchor="ctr" anchorCtr="0" compatLnSpc="1">
+            <a:prstTxWarp prst="textNoShape">
+              <a:avLst/>
+            </a:prstTxWarp>
+            <a:spAutoFit/>
+          </a:bodyPr>
+          <a:lstStyle/>
+          <a:p>
+            <a:endParaRPr lang="es-CO"/>
+          </a:p>
+        </p:txBody>
+      </p:sp>
+      <p:pic>
+        <p:nvPicPr>
+          <p:cNvPr id="14" name="Imagen 13">
+            <a:extLst>
+              <a:ext uri="{FF2B5EF4-FFF2-40B4-BE49-F238E27FC236}">
+                <a16:creationId xmlns:a16="http://schemas.microsoft.com/office/drawing/2014/main" id="{BBB883C5-74D6-1439-F499-8E4692FCC477}"/>
+              </a:ext>
+            </a:extLst>
+          </p:cNvPr>
+          <p:cNvPicPr>
+            <a:picLocks noChangeAspect="1"/>
+          </p:cNvPicPr>
+          <p:nvPr/>
+        </p:nvPicPr>
+        <p:blipFill>
+          <a:blip r:embed="rId3"/>
+          <a:srcRect l="10652" t="14336" r="9696" b="9341"/>
+          <a:stretch/>
+        </p:blipFill>
+        <p:spPr>
+          <a:xfrm>
+            <a:off x="8439201" y="57715"/>
+            <a:ext cx="622266" cy="650017"/>
+          </a:xfrm>
+          <a:prstGeom prst="rect">
+            <a:avLst/>
+          </a:prstGeom>
+        </p:spPr>
+      </p:pic>
+      <p:sp>
+        <p:nvSpPr>
+          <p:cNvPr id="2" name="Rectangle 1">
+            <a:extLst>
+              <a:ext uri="{FF2B5EF4-FFF2-40B4-BE49-F238E27FC236}">
+                <a16:creationId xmlns:a16="http://schemas.microsoft.com/office/drawing/2014/main" id="{3931D854-EE24-6326-91C6-463472242C66}"/>
+              </a:ext>
+            </a:extLst>
+          </p:cNvPr>
+          <p:cNvSpPr>
+            <a:spLocks noChangeArrowheads="1"/>
+          </p:cNvSpPr>
+          <p:nvPr/>
+        </p:nvSpPr>
+        <p:spPr bwMode="auto">
+          <a:xfrm>
+            <a:off x="304800" y="304800"/>
+            <a:ext cx="9144000" cy="0"/>
+          </a:xfrm>
+          <a:prstGeom prst="rect">
+            <a:avLst/>
+          </a:prstGeom>
+          <a:noFill/>
+          <a:ln>
+            <a:noFill/>
+          </a:ln>
+          <a:effectLst/>
+          <a:extLst>
+            <a:ext uri="{909E8E84-426E-40DD-AFC4-6F175D3DCCD1}">
+              <a14:hiddenFill xmlns:a14="http://schemas.microsoft.com/office/drawing/2010/main">
+                <a:solidFill>
+                  <a:schemeClr val="accent1"/>
+                </a:solidFill>
+              </a14:hiddenFill>
+            </a:ext>
+            <a:ext uri="{91240B29-F687-4F45-9708-019B960494DF}">
+              <a14:hiddenLine xmlns:a14="http://schemas.microsoft.com/office/drawing/2010/main" w="9525">
+                <a:solidFill>
+                  <a:schemeClr val="tx1"/>
+                </a:solidFill>
+                <a:miter lim="800000"/>
+                <a:headEnd/>
+                <a:tailEnd/>
+              </a14:hiddenLine>
+            </a:ext>
+            <a:ext uri="{AF507438-7753-43E0-B8FC-AC1667EBCBE1}">
+              <a14:hiddenEffects xmlns:a14="http://schemas.microsoft.com/office/drawing/2010/main">
+                <a:effectLst>
+                  <a:outerShdw dist="35921" dir="2700000" algn="ctr" rotWithShape="0">
+                    <a:schemeClr val="bg2"/>
+                  </a:outerShdw>
+                </a:effectLst>
+              </a14:hiddenEffects>
+            </a:ext>
+          </a:extLst>
+        </p:spPr>
+        <p:txBody>
+          <a:bodyPr vert="horz" wrap="none" lIns="91440" tIns="45720" rIns="91440" bIns="45720" numCol="1" anchor="ctr" anchorCtr="0" compatLnSpc="1">
+            <a:prstTxWarp prst="textNoShape">
+              <a:avLst/>
+            </a:prstTxWarp>
+            <a:spAutoFit/>
+          </a:bodyPr>
+          <a:lstStyle/>
+          <a:p>
+            <a:endParaRPr lang="es-CO"/>
+          </a:p>
+        </p:txBody>
+      </p:sp>
+      <p:sp>
+        <p:nvSpPr>
+          <p:cNvPr id="3" name="Rectangle 2">
+            <a:extLst>
+              <a:ext uri="{FF2B5EF4-FFF2-40B4-BE49-F238E27FC236}">
+                <a16:creationId xmlns:a16="http://schemas.microsoft.com/office/drawing/2014/main" id="{CA0B63E4-7948-AFEE-CD0F-59B370234E48}"/>
+              </a:ext>
+            </a:extLst>
+          </p:cNvPr>
+          <p:cNvSpPr>
+            <a:spLocks noChangeArrowheads="1"/>
+          </p:cNvSpPr>
+          <p:nvPr/>
+        </p:nvSpPr>
+        <p:spPr bwMode="auto">
+          <a:xfrm>
+            <a:off x="0" y="152400"/>
+            <a:ext cx="9144000" cy="0"/>
+          </a:xfrm>
+          <a:prstGeom prst="rect">
+            <a:avLst/>
+          </a:prstGeom>
+          <a:noFill/>
+          <a:ln>
+            <a:noFill/>
+          </a:ln>
+          <a:effectLst/>
+          <a:extLst>
+            <a:ext uri="{909E8E84-426E-40DD-AFC4-6F175D3DCCD1}">
+              <a14:hiddenFill xmlns:a14="http://schemas.microsoft.com/office/drawing/2010/main">
+                <a:solidFill>
+                  <a:schemeClr val="accent1"/>
+                </a:solidFill>
+              </a14:hiddenFill>
+            </a:ext>
+            <a:ext uri="{91240B29-F687-4F45-9708-019B960494DF}">
+              <a14:hiddenLine xmlns:a14="http://schemas.microsoft.com/office/drawing/2010/main" w="9525">
+                <a:solidFill>
+                  <a:schemeClr val="tx1"/>
+                </a:solidFill>
+                <a:miter lim="800000"/>
+                <a:headEnd/>
+                <a:tailEnd/>
+              </a14:hiddenLine>
+            </a:ext>
+            <a:ext uri="{AF507438-7753-43E0-B8FC-AC1667EBCBE1}">
+              <a14:hiddenEffects xmlns:a14="http://schemas.microsoft.com/office/drawing/2010/main">
+                <a:effectLst>
+                  <a:outerShdw dist="35921" dir="2700000" algn="ctr" rotWithShape="0">
+                    <a:schemeClr val="bg2"/>
+                  </a:outerShdw>
+                </a:effectLst>
+              </a14:hiddenEffects>
+            </a:ext>
+          </a:extLst>
+        </p:spPr>
+        <p:txBody>
+          <a:bodyPr vert="horz" wrap="none" lIns="91440" tIns="45720" rIns="91440" bIns="45720" numCol="1" anchor="ctr" anchorCtr="0" compatLnSpc="1">
+            <a:prstTxWarp prst="textNoShape">
+              <a:avLst/>
+            </a:prstTxWarp>
+            <a:spAutoFit/>
+          </a:bodyPr>
+          <a:lstStyle/>
+          <a:p>
+            <a:endParaRPr lang="es-CO"/>
+          </a:p>
+        </p:txBody>
+      </p:sp>
+      <p:pic>
+        <p:nvPicPr>
+          <p:cNvPr id="11" name="Imagen 10">
+            <a:extLst>
+              <a:ext uri="{FF2B5EF4-FFF2-40B4-BE49-F238E27FC236}">
+                <a16:creationId xmlns:a16="http://schemas.microsoft.com/office/drawing/2014/main" id="{1EDBB306-D677-4052-53DF-8A9A3520E01C}"/>
+              </a:ext>
+            </a:extLst>
+          </p:cNvPr>
+          <p:cNvPicPr>
+            <a:picLocks noGrp="1" noRot="1" noChangeAspect="1" noMove="1" noResize="1" noEditPoints="1" noAdjustHandles="1" noChangeArrowheads="1" noChangeShapeType="1" noCrop="1"/>
+          </p:cNvPicPr>
+          <p:nvPr/>
+        </p:nvPicPr>
+        <p:blipFill>
+          <a:blip r:embed="rId4"/>
+          <a:stretch>
+            <a:fillRect/>
+          </a:stretch>
+        </p:blipFill>
+        <p:spPr>
+          <a:xfrm>
+            <a:off x="3991034" y="970796"/>
+            <a:ext cx="4214225" cy="670618"/>
+          </a:xfrm>
+          <a:prstGeom prst="rect">
+            <a:avLst/>
+          </a:prstGeom>
+        </p:spPr>
+      </p:pic>
+      <p:pic>
+        <p:nvPicPr>
+          <p:cNvPr id="13" name="Imagen 12">
+            <a:extLst>
+              <a:ext uri="{FF2B5EF4-FFF2-40B4-BE49-F238E27FC236}">
+                <a16:creationId xmlns:a16="http://schemas.microsoft.com/office/drawing/2014/main" id="{028FD717-BDE8-40FF-1E5B-BD1A93DC2973}"/>
+              </a:ext>
+            </a:extLst>
+          </p:cNvPr>
+          <p:cNvPicPr>
+            <a:picLocks noChangeAspect="1"/>
+          </p:cNvPicPr>
+          <p:nvPr/>
+        </p:nvPicPr>
+        <p:blipFill>
+          <a:blip r:embed="rId5"/>
+          <a:stretch>
+            <a:fillRect/>
+          </a:stretch>
+        </p:blipFill>
+        <p:spPr>
+          <a:xfrm>
+            <a:off x="1073239" y="970796"/>
+            <a:ext cx="7302321" cy="4034068"/>
+          </a:xfrm>
+          <a:prstGeom prst="rect">
+            <a:avLst/>
+          </a:prstGeom>
+        </p:spPr>
+      </p:pic>
+    </p:spTree>
+    <p:extLst>
+      <p:ext uri="{BB962C8B-B14F-4D97-AF65-F5344CB8AC3E}">
+        <p14:creationId xmlns:p14="http://schemas.microsoft.com/office/powerpoint/2010/main" val="2447726476"/>
+      </p:ext>
+    </p:extLst>
+  </p:cSld>
+  <p:clrMapOvr>
+    <a:masterClrMapping/>
+  </p:clrMapOvr>
+</p:sld>
+</file>
+
+<file path=ppt/slides/slide32.xml><?xml version="1.0" encoding="utf-8"?>
+<p:sld xmlns:a="http://schemas.openxmlformats.org/drawingml/2006/main" xmlns:r="http://schemas.openxmlformats.org/officeDocument/2006/relationships" xmlns:p="http://schemas.openxmlformats.org/presentationml/2006/main">
+  <p:cSld>
+    <p:spTree>
+      <p:nvGrpSpPr>
+        <p:cNvPr id="1" name="">
+          <a:extLst>
+            <a:ext uri="{FF2B5EF4-FFF2-40B4-BE49-F238E27FC236}">
+              <a16:creationId xmlns:a16="http://schemas.microsoft.com/office/drawing/2014/main" id="{BE523CB1-C9E6-C86C-B1EC-82C28541AA5D}"/>
+            </a:ext>
+          </a:extLst>
+        </p:cNvPr>
+        <p:cNvGrpSpPr/>
+        <p:nvPr/>
+      </p:nvGrpSpPr>
+      <p:grpSpPr>
+        <a:xfrm>
+          <a:off x="0" y="0"/>
+          <a:ext cx="0" cy="0"/>
+          <a:chOff x="0" y="0"/>
+          <a:chExt cx="0" cy="0"/>
+        </a:xfrm>
+      </p:grpSpPr>
+      <p:sp>
+        <p:nvSpPr>
+          <p:cNvPr id="4" name="Rectángulo 3">
+            <a:extLst>
+              <a:ext uri="{FF2B5EF4-FFF2-40B4-BE49-F238E27FC236}">
+                <a16:creationId xmlns:a16="http://schemas.microsoft.com/office/drawing/2014/main" id="{7F129B7E-C9BC-3C02-EFF8-FEEAD7851D34}"/>
+              </a:ext>
+            </a:extLst>
+          </p:cNvPr>
+          <p:cNvSpPr/>
+          <p:nvPr/>
+        </p:nvSpPr>
+        <p:spPr>
+          <a:xfrm>
+            <a:off x="0" y="0"/>
+            <a:ext cx="9144000" cy="831275"/>
+          </a:xfrm>
+          <a:prstGeom prst="rect">
+            <a:avLst/>
+          </a:prstGeom>
+          <a:solidFill>
+            <a:schemeClr val="bg1"/>
+          </a:solidFill>
+          <a:ln>
+            <a:noFill/>
+          </a:ln>
+          <a:effectLst/>
+        </p:spPr>
+        <p:style>
+          <a:lnRef idx="1">
+            <a:schemeClr val="accent1"/>
+          </a:lnRef>
+          <a:fillRef idx="3">
+            <a:schemeClr val="accent1"/>
+          </a:fillRef>
+          <a:effectRef idx="2">
+            <a:schemeClr val="accent1"/>
+          </a:effectRef>
+          <a:fontRef idx="minor">
+            <a:schemeClr val="lt1"/>
+          </a:fontRef>
+        </p:style>
+        <p:txBody>
+          <a:bodyPr rtlCol="0" anchor="ctr"/>
+          <a:lstStyle/>
+          <a:p>
+            <a:pPr algn="ctr"/>
+            <a:endParaRPr lang="es-ES" dirty="0">
+              <a:solidFill>
+                <a:srgbClr val="FFFFFF"/>
+              </a:solidFill>
+            </a:endParaRPr>
+          </a:p>
+        </p:txBody>
+      </p:sp>
+      <p:sp>
+        <p:nvSpPr>
+          <p:cNvPr id="5" name="CuadroTexto 4">
+            <a:extLst>
+              <a:ext uri="{FF2B5EF4-FFF2-40B4-BE49-F238E27FC236}">
+                <a16:creationId xmlns:a16="http://schemas.microsoft.com/office/drawing/2014/main" id="{088EC979-21A3-6ACD-24DB-B3A0126208A0}"/>
+              </a:ext>
+            </a:extLst>
+          </p:cNvPr>
+          <p:cNvSpPr txBox="1"/>
+          <p:nvPr/>
+        </p:nvSpPr>
+        <p:spPr>
+          <a:xfrm>
+            <a:off x="82533" y="57715"/>
+            <a:ext cx="7518486" cy="646331"/>
+          </a:xfrm>
+          <a:prstGeom prst="rect">
+            <a:avLst/>
+          </a:prstGeom>
+          <a:noFill/>
+        </p:spPr>
+        <p:txBody>
+          <a:bodyPr wrap="square" rtlCol="0">
+            <a:spAutoFit/>
+          </a:bodyPr>
+          <a:lstStyle/>
+          <a:p>
+            <a:r>
+              <a:rPr lang="es-ES" sz="3600" b="1" dirty="0">
+                <a:solidFill>
+                  <a:srgbClr val="FF5511"/>
+                </a:solidFill>
+              </a:rPr>
+              <a:t>Control de versiones</a:t>
+            </a:r>
+          </a:p>
+        </p:txBody>
+      </p:sp>
+      <p:sp>
+        <p:nvSpPr>
+          <p:cNvPr id="8" name="Rectangle 1">
+            <a:extLst>
+              <a:ext uri="{FF2B5EF4-FFF2-40B4-BE49-F238E27FC236}">
+                <a16:creationId xmlns:a16="http://schemas.microsoft.com/office/drawing/2014/main" id="{DEF89220-033C-ECC9-F4A3-23CD1C4CEBE8}"/>
+              </a:ext>
+            </a:extLst>
+          </p:cNvPr>
+          <p:cNvSpPr>
+            <a:spLocks noChangeArrowheads="1"/>
+          </p:cNvSpPr>
+          <p:nvPr/>
+        </p:nvSpPr>
+        <p:spPr bwMode="auto">
+          <a:xfrm>
+            <a:off x="0" y="0"/>
+            <a:ext cx="9144000" cy="0"/>
+          </a:xfrm>
+          <a:prstGeom prst="rect">
+            <a:avLst/>
+          </a:prstGeom>
+          <a:noFill/>
+          <a:ln>
+            <a:noFill/>
+          </a:ln>
+          <a:effectLst/>
+          <a:extLst>
+            <a:ext uri="{909E8E84-426E-40DD-AFC4-6F175D3DCCD1}">
+              <a14:hiddenFill xmlns:a14="http://schemas.microsoft.com/office/drawing/2010/main">
+                <a:solidFill>
+                  <a:schemeClr val="accent1"/>
+                </a:solidFill>
+              </a14:hiddenFill>
+            </a:ext>
+            <a:ext uri="{91240B29-F687-4F45-9708-019B960494DF}">
+              <a14:hiddenLine xmlns:a14="http://schemas.microsoft.com/office/drawing/2010/main" w="9525">
+                <a:solidFill>
+                  <a:schemeClr val="tx1"/>
+                </a:solidFill>
+                <a:miter lim="800000"/>
+                <a:headEnd/>
+                <a:tailEnd/>
+              </a14:hiddenLine>
+            </a:ext>
+            <a:ext uri="{AF507438-7753-43E0-B8FC-AC1667EBCBE1}">
+              <a14:hiddenEffects xmlns:a14="http://schemas.microsoft.com/office/drawing/2010/main">
+                <a:effectLst>
+                  <a:outerShdw dist="35921" dir="2700000" algn="ctr" rotWithShape="0">
+                    <a:schemeClr val="bg2"/>
+                  </a:outerShdw>
+                </a:effectLst>
+              </a14:hiddenEffects>
+            </a:ext>
+          </a:extLst>
+        </p:spPr>
+        <p:txBody>
+          <a:bodyPr vert="horz" wrap="none" lIns="91440" tIns="45720" rIns="91440" bIns="45720" numCol="1" anchor="ctr" anchorCtr="0" compatLnSpc="1">
+            <a:prstTxWarp prst="textNoShape">
+              <a:avLst/>
+            </a:prstTxWarp>
+            <a:spAutoFit/>
+          </a:bodyPr>
+          <a:lstStyle/>
+          <a:p>
+            <a:endParaRPr lang="es-CO"/>
+          </a:p>
+        </p:txBody>
+      </p:sp>
+      <p:sp>
+        <p:nvSpPr>
+          <p:cNvPr id="10" name="Rectangle 3">
+            <a:extLst>
+              <a:ext uri="{FF2B5EF4-FFF2-40B4-BE49-F238E27FC236}">
+                <a16:creationId xmlns:a16="http://schemas.microsoft.com/office/drawing/2014/main" id="{5649ADB4-17B1-93AE-CBDC-7C605360BE37}"/>
+              </a:ext>
+            </a:extLst>
+          </p:cNvPr>
+          <p:cNvSpPr>
+            <a:spLocks noChangeArrowheads="1"/>
+          </p:cNvSpPr>
+          <p:nvPr/>
+        </p:nvSpPr>
+        <p:spPr bwMode="auto">
+          <a:xfrm>
+            <a:off x="152400" y="152400"/>
+            <a:ext cx="9144000" cy="0"/>
+          </a:xfrm>
+          <a:prstGeom prst="rect">
+            <a:avLst/>
+          </a:prstGeom>
+          <a:noFill/>
+          <a:ln>
+            <a:noFill/>
+          </a:ln>
+          <a:effectLst/>
+          <a:extLst>
+            <a:ext uri="{909E8E84-426E-40DD-AFC4-6F175D3DCCD1}">
+              <a14:hiddenFill xmlns:a14="http://schemas.microsoft.com/office/drawing/2010/main">
+                <a:solidFill>
+                  <a:schemeClr val="accent1"/>
+                </a:solidFill>
+              </a14:hiddenFill>
+            </a:ext>
+            <a:ext uri="{91240B29-F687-4F45-9708-019B960494DF}">
+              <a14:hiddenLine xmlns:a14="http://schemas.microsoft.com/office/drawing/2010/main" w="9525">
+                <a:solidFill>
+                  <a:schemeClr val="tx1"/>
+                </a:solidFill>
+                <a:miter lim="800000"/>
+                <a:headEnd/>
+                <a:tailEnd/>
+              </a14:hiddenLine>
+            </a:ext>
+            <a:ext uri="{AF507438-7753-43E0-B8FC-AC1667EBCBE1}">
+              <a14:hiddenEffects xmlns:a14="http://schemas.microsoft.com/office/drawing/2010/main">
+                <a:effectLst>
+                  <a:outerShdw dist="35921" dir="2700000" algn="ctr" rotWithShape="0">
+                    <a:schemeClr val="bg2"/>
+                  </a:outerShdw>
+                </a:effectLst>
+              </a14:hiddenEffects>
+            </a:ext>
+          </a:extLst>
+        </p:spPr>
+        <p:txBody>
+          <a:bodyPr vert="horz" wrap="none" lIns="91440" tIns="45720" rIns="91440" bIns="45720" numCol="1" anchor="ctr" anchorCtr="0" compatLnSpc="1">
+            <a:prstTxWarp prst="textNoShape">
+              <a:avLst/>
+            </a:prstTxWarp>
+            <a:spAutoFit/>
+          </a:bodyPr>
+          <a:lstStyle/>
+          <a:p>
+            <a:endParaRPr lang="es-CO"/>
+          </a:p>
+        </p:txBody>
+      </p:sp>
+      <p:pic>
+        <p:nvPicPr>
+          <p:cNvPr id="14" name="Imagen 13">
+            <a:extLst>
+              <a:ext uri="{FF2B5EF4-FFF2-40B4-BE49-F238E27FC236}">
+                <a16:creationId xmlns:a16="http://schemas.microsoft.com/office/drawing/2014/main" id="{2DE11CCC-5060-B7D6-F824-DADAA7FD69AA}"/>
+              </a:ext>
+            </a:extLst>
+          </p:cNvPr>
+          <p:cNvPicPr>
+            <a:picLocks noChangeAspect="1"/>
+          </p:cNvPicPr>
+          <p:nvPr/>
+        </p:nvPicPr>
+        <p:blipFill>
+          <a:blip r:embed="rId3"/>
+          <a:srcRect l="10652" t="14336" r="9696" b="9341"/>
+          <a:stretch/>
+        </p:blipFill>
+        <p:spPr>
+          <a:xfrm>
+            <a:off x="8439201" y="57715"/>
+            <a:ext cx="622266" cy="650017"/>
+          </a:xfrm>
+          <a:prstGeom prst="rect">
+            <a:avLst/>
+          </a:prstGeom>
+        </p:spPr>
+      </p:pic>
+      <p:sp>
+        <p:nvSpPr>
+          <p:cNvPr id="2" name="Rectangle 1">
+            <a:extLst>
+              <a:ext uri="{FF2B5EF4-FFF2-40B4-BE49-F238E27FC236}">
+                <a16:creationId xmlns:a16="http://schemas.microsoft.com/office/drawing/2014/main" id="{A303BA26-06FC-5E24-D210-E963E4FDD154}"/>
+              </a:ext>
+            </a:extLst>
+          </p:cNvPr>
+          <p:cNvSpPr>
+            <a:spLocks noChangeArrowheads="1"/>
+          </p:cNvSpPr>
+          <p:nvPr/>
+        </p:nvSpPr>
+        <p:spPr bwMode="auto">
+          <a:xfrm>
+            <a:off x="304800" y="304800"/>
+            <a:ext cx="9144000" cy="0"/>
+          </a:xfrm>
+          <a:prstGeom prst="rect">
+            <a:avLst/>
+          </a:prstGeom>
+          <a:noFill/>
+          <a:ln>
+            <a:noFill/>
+          </a:ln>
+          <a:effectLst/>
+          <a:extLst>
+            <a:ext uri="{909E8E84-426E-40DD-AFC4-6F175D3DCCD1}">
+              <a14:hiddenFill xmlns:a14="http://schemas.microsoft.com/office/drawing/2010/main">
+                <a:solidFill>
+                  <a:schemeClr val="accent1"/>
+                </a:solidFill>
+              </a14:hiddenFill>
+            </a:ext>
+            <a:ext uri="{91240B29-F687-4F45-9708-019B960494DF}">
+              <a14:hiddenLine xmlns:a14="http://schemas.microsoft.com/office/drawing/2010/main" w="9525">
+                <a:solidFill>
+                  <a:schemeClr val="tx1"/>
+                </a:solidFill>
+                <a:miter lim="800000"/>
+                <a:headEnd/>
+                <a:tailEnd/>
+              </a14:hiddenLine>
+            </a:ext>
+            <a:ext uri="{AF507438-7753-43E0-B8FC-AC1667EBCBE1}">
+              <a14:hiddenEffects xmlns:a14="http://schemas.microsoft.com/office/drawing/2010/main">
+                <a:effectLst>
+                  <a:outerShdw dist="35921" dir="2700000" algn="ctr" rotWithShape="0">
+                    <a:schemeClr val="bg2"/>
+                  </a:outerShdw>
+                </a:effectLst>
+              </a14:hiddenEffects>
+            </a:ext>
+          </a:extLst>
+        </p:spPr>
+        <p:txBody>
+          <a:bodyPr vert="horz" wrap="none" lIns="91440" tIns="45720" rIns="91440" bIns="45720" numCol="1" anchor="ctr" anchorCtr="0" compatLnSpc="1">
+            <a:prstTxWarp prst="textNoShape">
+              <a:avLst/>
+            </a:prstTxWarp>
+            <a:spAutoFit/>
+          </a:bodyPr>
+          <a:lstStyle/>
+          <a:p>
+            <a:endParaRPr lang="es-CO"/>
+          </a:p>
+        </p:txBody>
+      </p:sp>
+      <p:sp>
+        <p:nvSpPr>
+          <p:cNvPr id="3" name="Rectangle 2">
+            <a:extLst>
+              <a:ext uri="{FF2B5EF4-FFF2-40B4-BE49-F238E27FC236}">
+                <a16:creationId xmlns:a16="http://schemas.microsoft.com/office/drawing/2014/main" id="{F89D226D-58B4-72E1-10F0-5E8D92BC1539}"/>
+              </a:ext>
+            </a:extLst>
+          </p:cNvPr>
+          <p:cNvSpPr>
+            <a:spLocks noChangeArrowheads="1"/>
+          </p:cNvSpPr>
+          <p:nvPr/>
+        </p:nvSpPr>
+        <p:spPr bwMode="auto">
+          <a:xfrm>
+            <a:off x="0" y="152400"/>
+            <a:ext cx="9144000" cy="0"/>
+          </a:xfrm>
+          <a:prstGeom prst="rect">
+            <a:avLst/>
+          </a:prstGeom>
+          <a:noFill/>
+          <a:ln>
+            <a:noFill/>
+          </a:ln>
+          <a:effectLst/>
+          <a:extLst>
+            <a:ext uri="{909E8E84-426E-40DD-AFC4-6F175D3DCCD1}">
+              <a14:hiddenFill xmlns:a14="http://schemas.microsoft.com/office/drawing/2010/main">
+                <a:solidFill>
+                  <a:schemeClr val="accent1"/>
+                </a:solidFill>
+              </a14:hiddenFill>
+            </a:ext>
+            <a:ext uri="{91240B29-F687-4F45-9708-019B960494DF}">
+              <a14:hiddenLine xmlns:a14="http://schemas.microsoft.com/office/drawing/2010/main" w="9525">
+                <a:solidFill>
+                  <a:schemeClr val="tx1"/>
+                </a:solidFill>
+                <a:miter lim="800000"/>
+                <a:headEnd/>
+                <a:tailEnd/>
+              </a14:hiddenLine>
+            </a:ext>
+            <a:ext uri="{AF507438-7753-43E0-B8FC-AC1667EBCBE1}">
+              <a14:hiddenEffects xmlns:a14="http://schemas.microsoft.com/office/drawing/2010/main">
+                <a:effectLst>
+                  <a:outerShdw dist="35921" dir="2700000" algn="ctr" rotWithShape="0">
+                    <a:schemeClr val="bg2"/>
+                  </a:outerShdw>
+                </a:effectLst>
+              </a14:hiddenEffects>
+            </a:ext>
+          </a:extLst>
+        </p:spPr>
+        <p:txBody>
+          <a:bodyPr vert="horz" wrap="none" lIns="91440" tIns="45720" rIns="91440" bIns="45720" numCol="1" anchor="ctr" anchorCtr="0" compatLnSpc="1">
+            <a:prstTxWarp prst="textNoShape">
+              <a:avLst/>
+            </a:prstTxWarp>
+            <a:spAutoFit/>
+          </a:bodyPr>
+          <a:lstStyle/>
+          <a:p>
+            <a:endParaRPr lang="es-CO"/>
+          </a:p>
+        </p:txBody>
+      </p:sp>
+      <p:pic>
+        <p:nvPicPr>
+          <p:cNvPr id="11" name="Imagen 10">
+            <a:extLst>
+              <a:ext uri="{FF2B5EF4-FFF2-40B4-BE49-F238E27FC236}">
+                <a16:creationId xmlns:a16="http://schemas.microsoft.com/office/drawing/2014/main" id="{5026950F-FA93-3150-88E6-D114058E52A4}"/>
+              </a:ext>
+            </a:extLst>
+          </p:cNvPr>
+          <p:cNvPicPr>
+            <a:picLocks noGrp="1" noRot="1" noChangeAspect="1" noMove="1" noResize="1" noEditPoints="1" noAdjustHandles="1" noChangeArrowheads="1" noChangeShapeType="1" noCrop="1"/>
+          </p:cNvPicPr>
+          <p:nvPr/>
+        </p:nvPicPr>
+        <p:blipFill>
+          <a:blip r:embed="rId4"/>
+          <a:stretch>
+            <a:fillRect/>
+          </a:stretch>
+        </p:blipFill>
+        <p:spPr>
+          <a:xfrm>
+            <a:off x="3991034" y="970796"/>
+            <a:ext cx="4214225" cy="670618"/>
+          </a:xfrm>
+          <a:prstGeom prst="rect">
+            <a:avLst/>
+          </a:prstGeom>
+        </p:spPr>
+      </p:pic>
+      <p:pic>
+        <p:nvPicPr>
+          <p:cNvPr id="7" name="Imagen 6">
+            <a:extLst>
+              <a:ext uri="{FF2B5EF4-FFF2-40B4-BE49-F238E27FC236}">
+                <a16:creationId xmlns:a16="http://schemas.microsoft.com/office/drawing/2014/main" id="{9D44F0CC-6A6A-C0E0-034E-F85EC39A0EAC}"/>
+              </a:ext>
+            </a:extLst>
+          </p:cNvPr>
+          <p:cNvPicPr>
+            <a:picLocks noChangeAspect="1"/>
+          </p:cNvPicPr>
+          <p:nvPr/>
+        </p:nvPicPr>
+        <p:blipFill>
+          <a:blip r:embed="rId5"/>
+          <a:stretch>
+            <a:fillRect/>
+          </a:stretch>
+        </p:blipFill>
+        <p:spPr>
+          <a:xfrm>
+            <a:off x="1071652" y="983674"/>
+            <a:ext cx="7000696" cy="4045234"/>
+          </a:xfrm>
+          <a:prstGeom prst="rect">
+            <a:avLst/>
+          </a:prstGeom>
+        </p:spPr>
+      </p:pic>
+    </p:spTree>
+    <p:extLst>
+      <p:ext uri="{BB962C8B-B14F-4D97-AF65-F5344CB8AC3E}">
+        <p14:creationId xmlns:p14="http://schemas.microsoft.com/office/powerpoint/2010/main" val="4281753411"/>
+      </p:ext>
+    </p:extLst>
+  </p:cSld>
+  <p:clrMapOvr>
+    <a:masterClrMapping/>
+  </p:clrMapOvr>
+</p:sld>
+</file>
+
+<file path=ppt/slides/slide33.xml><?xml version="1.0" encoding="utf-8"?>
 <p:sld xmlns:a="http://schemas.openxmlformats.org/drawingml/2006/main" xmlns:r="http://schemas.openxmlformats.org/officeDocument/2006/relationships" xmlns:p="http://schemas.openxmlformats.org/presentationml/2006/main">
   <p:cSld>
     <p:spTree>
